--- a/程序设计语言/作业.pptx
+++ b/程序设计语言/作业.pptx
@@ -4,13 +4,21 @@
   <p:sldMasterIdLst>
     <p:sldMasterId id="2147483648" r:id="rId1"/>
   </p:sldMasterIdLst>
+  <p:notesMasterIdLst>
+    <p:notesMasterId r:id="rId13"/>
+  </p:notesMasterIdLst>
   <p:sldIdLst>
     <p:sldId id="256" r:id="rId2"/>
-    <p:sldId id="406" r:id="rId3"/>
-    <p:sldId id="446" r:id="rId4"/>
-    <p:sldId id="405" r:id="rId5"/>
-    <p:sldId id="384" r:id="rId6"/>
-    <p:sldId id="385" r:id="rId7"/>
+    <p:sldId id="260" r:id="rId3"/>
+    <p:sldId id="518" r:id="rId4"/>
+    <p:sldId id="258" r:id="rId5"/>
+    <p:sldId id="259" r:id="rId6"/>
+    <p:sldId id="511" r:id="rId7"/>
+    <p:sldId id="406" r:id="rId8"/>
+    <p:sldId id="446" r:id="rId9"/>
+    <p:sldId id="405" r:id="rId10"/>
+    <p:sldId id="384" r:id="rId11"/>
+    <p:sldId id="385" r:id="rId12"/>
   </p:sldIdLst>
   <p:sldSz cx="12192000" cy="6858000"/>
   <p:notesSz cx="6858000" cy="9144000"/>
@@ -117,6 +125,629 @@
 </p:presentation>
 </file>
 
+<file path=ppt/notesMasters/notesMaster1.xml><?xml version="1.0" encoding="utf-8"?>
+<p:notesMaster xmlns:a="http://schemas.openxmlformats.org/drawingml/2006/main" xmlns:r="http://schemas.openxmlformats.org/officeDocument/2006/relationships" xmlns:p="http://schemas.openxmlformats.org/presentationml/2006/main">
+  <p:cSld>
+    <p:bg>
+      <p:bgRef idx="1001">
+        <a:schemeClr val="bg1"/>
+      </p:bgRef>
+    </p:bg>
+    <p:spTree>
+      <p:nvGrpSpPr>
+        <p:cNvPr id="1" name=""/>
+        <p:cNvGrpSpPr/>
+        <p:nvPr/>
+      </p:nvGrpSpPr>
+      <p:grpSpPr>
+        <a:xfrm>
+          <a:off x="0" y="0"/>
+          <a:ext cx="0" cy="0"/>
+          <a:chOff x="0" y="0"/>
+          <a:chExt cx="0" cy="0"/>
+        </a:xfrm>
+      </p:grpSpPr>
+      <p:sp>
+        <p:nvSpPr>
+          <p:cNvPr id="2" name="页眉占位符 1"/>
+          <p:cNvSpPr>
+            <a:spLocks noGrp="1"/>
+          </p:cNvSpPr>
+          <p:nvPr>
+            <p:ph type="hdr" sz="quarter"/>
+          </p:nvPr>
+        </p:nvSpPr>
+        <p:spPr>
+          <a:xfrm>
+            <a:off x="0" y="0"/>
+            <a:ext cx="2971800" cy="458788"/>
+          </a:xfrm>
+          <a:prstGeom prst="rect">
+            <a:avLst/>
+          </a:prstGeom>
+        </p:spPr>
+        <p:txBody>
+          <a:bodyPr vert="horz" lIns="91440" tIns="45720" rIns="91440" bIns="45720" rtlCol="0"/>
+          <a:lstStyle>
+            <a:lvl1pPr algn="l">
+              <a:defRPr sz="1200"/>
+            </a:lvl1pPr>
+          </a:lstStyle>
+          <a:p>
+            <a:endParaRPr lang="zh-CN" altLang="en-US"/>
+          </a:p>
+        </p:txBody>
+      </p:sp>
+      <p:sp>
+        <p:nvSpPr>
+          <p:cNvPr id="3" name="日期占位符 2"/>
+          <p:cNvSpPr>
+            <a:spLocks noGrp="1"/>
+          </p:cNvSpPr>
+          <p:nvPr>
+            <p:ph type="dt" idx="1"/>
+          </p:nvPr>
+        </p:nvSpPr>
+        <p:spPr>
+          <a:xfrm>
+            <a:off x="3884613" y="0"/>
+            <a:ext cx="2971800" cy="458788"/>
+          </a:xfrm>
+          <a:prstGeom prst="rect">
+            <a:avLst/>
+          </a:prstGeom>
+        </p:spPr>
+        <p:txBody>
+          <a:bodyPr vert="horz" lIns="91440" tIns="45720" rIns="91440" bIns="45720" rtlCol="0"/>
+          <a:lstStyle>
+            <a:lvl1pPr algn="r">
+              <a:defRPr sz="1200"/>
+            </a:lvl1pPr>
+          </a:lstStyle>
+          <a:p>
+            <a:fld id="{A521AC7B-EDC7-45A9-91AD-A6BA0E97BFC3}" type="datetimeFigureOut">
+              <a:rPr lang="zh-CN" altLang="en-US" smtClean="0"/>
+              <a:t>2020/11/2</a:t>
+            </a:fld>
+            <a:endParaRPr lang="zh-CN" altLang="en-US"/>
+          </a:p>
+        </p:txBody>
+      </p:sp>
+      <p:sp>
+        <p:nvSpPr>
+          <p:cNvPr id="4" name="幻灯片图像占位符 3"/>
+          <p:cNvSpPr>
+            <a:spLocks noGrp="1" noRot="1" noChangeAspect="1"/>
+          </p:cNvSpPr>
+          <p:nvPr>
+            <p:ph type="sldImg" idx="2"/>
+          </p:nvPr>
+        </p:nvSpPr>
+        <p:spPr>
+          <a:xfrm>
+            <a:off x="685800" y="1143000"/>
+            <a:ext cx="5486400" cy="3086100"/>
+          </a:xfrm>
+          <a:prstGeom prst="rect">
+            <a:avLst/>
+          </a:prstGeom>
+          <a:noFill/>
+          <a:ln w="12700">
+            <a:solidFill>
+              <a:prstClr val="black"/>
+            </a:solidFill>
+          </a:ln>
+        </p:spPr>
+        <p:txBody>
+          <a:bodyPr vert="horz" lIns="91440" tIns="45720" rIns="91440" bIns="45720" rtlCol="0" anchor="ctr"/>
+          <a:lstStyle/>
+          <a:p>
+            <a:endParaRPr lang="zh-CN" altLang="en-US"/>
+          </a:p>
+        </p:txBody>
+      </p:sp>
+      <p:sp>
+        <p:nvSpPr>
+          <p:cNvPr id="5" name="备注占位符 4"/>
+          <p:cNvSpPr>
+            <a:spLocks noGrp="1"/>
+          </p:cNvSpPr>
+          <p:nvPr>
+            <p:ph type="body" sz="quarter" idx="3"/>
+          </p:nvPr>
+        </p:nvSpPr>
+        <p:spPr>
+          <a:xfrm>
+            <a:off x="685800" y="4400550"/>
+            <a:ext cx="5486400" cy="3600450"/>
+          </a:xfrm>
+          <a:prstGeom prst="rect">
+            <a:avLst/>
+          </a:prstGeom>
+        </p:spPr>
+        <p:txBody>
+          <a:bodyPr vert="horz" lIns="91440" tIns="45720" rIns="91440" bIns="45720" rtlCol="0"/>
+          <a:lstStyle/>
+          <a:p>
+            <a:pPr lvl="0"/>
+            <a:r>
+              <a:rPr lang="zh-CN" altLang="en-US"/>
+              <a:t>单击此处编辑母版文本样式</a:t>
+            </a:r>
+          </a:p>
+          <a:p>
+            <a:pPr lvl="1"/>
+            <a:r>
+              <a:rPr lang="zh-CN" altLang="en-US"/>
+              <a:t>二级</a:t>
+            </a:r>
+          </a:p>
+          <a:p>
+            <a:pPr lvl="2"/>
+            <a:r>
+              <a:rPr lang="zh-CN" altLang="en-US"/>
+              <a:t>三级</a:t>
+            </a:r>
+          </a:p>
+          <a:p>
+            <a:pPr lvl="3"/>
+            <a:r>
+              <a:rPr lang="zh-CN" altLang="en-US"/>
+              <a:t>四级</a:t>
+            </a:r>
+          </a:p>
+          <a:p>
+            <a:pPr lvl="4"/>
+            <a:r>
+              <a:rPr lang="zh-CN" altLang="en-US"/>
+              <a:t>五级</a:t>
+            </a:r>
+          </a:p>
+        </p:txBody>
+      </p:sp>
+      <p:sp>
+        <p:nvSpPr>
+          <p:cNvPr id="6" name="页脚占位符 5"/>
+          <p:cNvSpPr>
+            <a:spLocks noGrp="1"/>
+          </p:cNvSpPr>
+          <p:nvPr>
+            <p:ph type="ftr" sz="quarter" idx="4"/>
+          </p:nvPr>
+        </p:nvSpPr>
+        <p:spPr>
+          <a:xfrm>
+            <a:off x="0" y="8685213"/>
+            <a:ext cx="2971800" cy="458787"/>
+          </a:xfrm>
+          <a:prstGeom prst="rect">
+            <a:avLst/>
+          </a:prstGeom>
+        </p:spPr>
+        <p:txBody>
+          <a:bodyPr vert="horz" lIns="91440" tIns="45720" rIns="91440" bIns="45720" rtlCol="0" anchor="b"/>
+          <a:lstStyle>
+            <a:lvl1pPr algn="l">
+              <a:defRPr sz="1200"/>
+            </a:lvl1pPr>
+          </a:lstStyle>
+          <a:p>
+            <a:endParaRPr lang="zh-CN" altLang="en-US"/>
+          </a:p>
+        </p:txBody>
+      </p:sp>
+      <p:sp>
+        <p:nvSpPr>
+          <p:cNvPr id="7" name="灯片编号占位符 6"/>
+          <p:cNvSpPr>
+            <a:spLocks noGrp="1"/>
+          </p:cNvSpPr>
+          <p:nvPr>
+            <p:ph type="sldNum" sz="quarter" idx="5"/>
+          </p:nvPr>
+        </p:nvSpPr>
+        <p:spPr>
+          <a:xfrm>
+            <a:off x="3884613" y="8685213"/>
+            <a:ext cx="2971800" cy="458787"/>
+          </a:xfrm>
+          <a:prstGeom prst="rect">
+            <a:avLst/>
+          </a:prstGeom>
+        </p:spPr>
+        <p:txBody>
+          <a:bodyPr vert="horz" lIns="91440" tIns="45720" rIns="91440" bIns="45720" rtlCol="0" anchor="b"/>
+          <a:lstStyle>
+            <a:lvl1pPr algn="r">
+              <a:defRPr sz="1200"/>
+            </a:lvl1pPr>
+          </a:lstStyle>
+          <a:p>
+            <a:fld id="{F40B299F-6B28-4548-800D-4F4F823C9134}" type="slidenum">
+              <a:rPr lang="zh-CN" altLang="en-US" smtClean="0"/>
+              <a:t>‹#›</a:t>
+            </a:fld>
+            <a:endParaRPr lang="zh-CN" altLang="en-US"/>
+          </a:p>
+        </p:txBody>
+      </p:sp>
+    </p:spTree>
+    <p:extLst>
+      <p:ext uri="{BB962C8B-B14F-4D97-AF65-F5344CB8AC3E}">
+        <p14:creationId xmlns:p14="http://schemas.microsoft.com/office/powerpoint/2010/main" val="2072027682"/>
+      </p:ext>
+    </p:extLst>
+  </p:cSld>
+  <p:clrMap bg1="lt1" tx1="dk1" bg2="lt2" tx2="dk2" accent1="accent1" accent2="accent2" accent3="accent3" accent4="accent4" accent5="accent5" accent6="accent6" hlink="hlink" folHlink="folHlink"/>
+  <p:notesStyle>
+    <a:lvl1pPr marL="0" algn="l" defTabSz="914400" rtl="0" eaLnBrk="1" latinLnBrk="0" hangingPunct="1">
+      <a:defRPr sz="1200" kern="1200">
+        <a:solidFill>
+          <a:schemeClr val="tx1"/>
+        </a:solidFill>
+        <a:latin typeface="+mn-lt"/>
+        <a:ea typeface="+mn-ea"/>
+        <a:cs typeface="+mn-cs"/>
+      </a:defRPr>
+    </a:lvl1pPr>
+    <a:lvl2pPr marL="457200" algn="l" defTabSz="914400" rtl="0" eaLnBrk="1" latinLnBrk="0" hangingPunct="1">
+      <a:defRPr sz="1200" kern="1200">
+        <a:solidFill>
+          <a:schemeClr val="tx1"/>
+        </a:solidFill>
+        <a:latin typeface="+mn-lt"/>
+        <a:ea typeface="+mn-ea"/>
+        <a:cs typeface="+mn-cs"/>
+      </a:defRPr>
+    </a:lvl2pPr>
+    <a:lvl3pPr marL="914400" algn="l" defTabSz="914400" rtl="0" eaLnBrk="1" latinLnBrk="0" hangingPunct="1">
+      <a:defRPr sz="1200" kern="1200">
+        <a:solidFill>
+          <a:schemeClr val="tx1"/>
+        </a:solidFill>
+        <a:latin typeface="+mn-lt"/>
+        <a:ea typeface="+mn-ea"/>
+        <a:cs typeface="+mn-cs"/>
+      </a:defRPr>
+    </a:lvl3pPr>
+    <a:lvl4pPr marL="1371600" algn="l" defTabSz="914400" rtl="0" eaLnBrk="1" latinLnBrk="0" hangingPunct="1">
+      <a:defRPr sz="1200" kern="1200">
+        <a:solidFill>
+          <a:schemeClr val="tx1"/>
+        </a:solidFill>
+        <a:latin typeface="+mn-lt"/>
+        <a:ea typeface="+mn-ea"/>
+        <a:cs typeface="+mn-cs"/>
+      </a:defRPr>
+    </a:lvl4pPr>
+    <a:lvl5pPr marL="1828800" algn="l" defTabSz="914400" rtl="0" eaLnBrk="1" latinLnBrk="0" hangingPunct="1">
+      <a:defRPr sz="1200" kern="1200">
+        <a:solidFill>
+          <a:schemeClr val="tx1"/>
+        </a:solidFill>
+        <a:latin typeface="+mn-lt"/>
+        <a:ea typeface="+mn-ea"/>
+        <a:cs typeface="+mn-cs"/>
+      </a:defRPr>
+    </a:lvl5pPr>
+    <a:lvl6pPr marL="2286000" algn="l" defTabSz="914400" rtl="0" eaLnBrk="1" latinLnBrk="0" hangingPunct="1">
+      <a:defRPr sz="1200" kern="1200">
+        <a:solidFill>
+          <a:schemeClr val="tx1"/>
+        </a:solidFill>
+        <a:latin typeface="+mn-lt"/>
+        <a:ea typeface="+mn-ea"/>
+        <a:cs typeface="+mn-cs"/>
+      </a:defRPr>
+    </a:lvl6pPr>
+    <a:lvl7pPr marL="2743200" algn="l" defTabSz="914400" rtl="0" eaLnBrk="1" latinLnBrk="0" hangingPunct="1">
+      <a:defRPr sz="1200" kern="1200">
+        <a:solidFill>
+          <a:schemeClr val="tx1"/>
+        </a:solidFill>
+        <a:latin typeface="+mn-lt"/>
+        <a:ea typeface="+mn-ea"/>
+        <a:cs typeface="+mn-cs"/>
+      </a:defRPr>
+    </a:lvl7pPr>
+    <a:lvl8pPr marL="3200400" algn="l" defTabSz="914400" rtl="0" eaLnBrk="1" latinLnBrk="0" hangingPunct="1">
+      <a:defRPr sz="1200" kern="1200">
+        <a:solidFill>
+          <a:schemeClr val="tx1"/>
+        </a:solidFill>
+        <a:latin typeface="+mn-lt"/>
+        <a:ea typeface="+mn-ea"/>
+        <a:cs typeface="+mn-cs"/>
+      </a:defRPr>
+    </a:lvl8pPr>
+    <a:lvl9pPr marL="3657600" algn="l" defTabSz="914400" rtl="0" eaLnBrk="1" latinLnBrk="0" hangingPunct="1">
+      <a:defRPr sz="1200" kern="1200">
+        <a:solidFill>
+          <a:schemeClr val="tx1"/>
+        </a:solidFill>
+        <a:latin typeface="+mn-lt"/>
+        <a:ea typeface="+mn-ea"/>
+        <a:cs typeface="+mn-cs"/>
+      </a:defRPr>
+    </a:lvl9pPr>
+  </p:notesStyle>
+</p:notesMaster>
+</file>
+
+<file path=ppt/notesSlides/notesSlide1.xml><?xml version="1.0" encoding="utf-8"?>
+<p:notes xmlns:a="http://schemas.openxmlformats.org/drawingml/2006/main" xmlns:r="http://schemas.openxmlformats.org/officeDocument/2006/relationships" xmlns:p="http://schemas.openxmlformats.org/presentationml/2006/main">
+  <p:cSld>
+    <p:spTree>
+      <p:nvGrpSpPr>
+        <p:cNvPr id="1" name=""/>
+        <p:cNvGrpSpPr/>
+        <p:nvPr/>
+      </p:nvGrpSpPr>
+      <p:grpSpPr>
+        <a:xfrm>
+          <a:off x="0" y="0"/>
+          <a:ext cx="0" cy="0"/>
+          <a:chOff x="0" y="0"/>
+          <a:chExt cx="0" cy="0"/>
+        </a:xfrm>
+      </p:grpSpPr>
+      <p:sp>
+        <p:nvSpPr>
+          <p:cNvPr id="7170" name="幻灯片图像占位符 1">
+            <a:extLst>
+              <a:ext uri="{FF2B5EF4-FFF2-40B4-BE49-F238E27FC236}">
+                <a16:creationId xmlns:a16="http://schemas.microsoft.com/office/drawing/2014/main" id="{C49A8B1D-6D48-4B07-89AD-07C8DD924086}"/>
+              </a:ext>
+            </a:extLst>
+          </p:cNvPr>
+          <p:cNvSpPr>
+            <a:spLocks noGrp="1" noRot="1" noChangeAspect="1" noChangeArrowheads="1" noTextEdit="1"/>
+          </p:cNvSpPr>
+          <p:nvPr>
+            <p:ph type="sldImg"/>
+          </p:nvPr>
+        </p:nvSpPr>
+        <p:spPr bwMode="auto">
+          <a:noFill/>
+          <a:ln>
+            <a:solidFill>
+              <a:srgbClr val="000000"/>
+            </a:solidFill>
+            <a:miter lim="800000"/>
+            <a:headEnd/>
+            <a:tailEnd/>
+          </a:ln>
+          <a:extLst>
+            <a:ext uri="{909E8E84-426E-40DD-AFC4-6F175D3DCCD1}">
+              <a14:hiddenFill xmlns:a14="http://schemas.microsoft.com/office/drawing/2010/main">
+                <a:solidFill>
+                  <a:srgbClr val="FFFFFF"/>
+                </a:solidFill>
+              </a14:hiddenFill>
+            </a:ext>
+          </a:extLst>
+        </p:spPr>
+      </p:sp>
+      <p:sp>
+        <p:nvSpPr>
+          <p:cNvPr id="7171" name="备注占位符 2">
+            <a:extLst>
+              <a:ext uri="{FF2B5EF4-FFF2-40B4-BE49-F238E27FC236}">
+                <a16:creationId xmlns:a16="http://schemas.microsoft.com/office/drawing/2014/main" id="{36AE5DBF-C476-434E-9914-40B563362DAF}"/>
+              </a:ext>
+            </a:extLst>
+          </p:cNvPr>
+          <p:cNvSpPr>
+            <a:spLocks noGrp="1" noChangeArrowheads="1"/>
+          </p:cNvSpPr>
+          <p:nvPr>
+            <p:ph type="body" idx="1"/>
+          </p:nvPr>
+        </p:nvSpPr>
+        <p:spPr bwMode="auto">
+          <a:noFill/>
+          <a:extLst>
+            <a:ext uri="{909E8E84-426E-40DD-AFC4-6F175D3DCCD1}">
+              <a14:hiddenFill xmlns:a14="http://schemas.microsoft.com/office/drawing/2010/main">
+                <a:solidFill>
+                  <a:srgbClr val="FFFFFF"/>
+                </a:solidFill>
+              </a14:hiddenFill>
+            </a:ext>
+            <a:ext uri="{91240B29-F687-4F45-9708-019B960494DF}">
+              <a14:hiddenLine xmlns:a14="http://schemas.microsoft.com/office/drawing/2010/main" w="9525">
+                <a:solidFill>
+                  <a:srgbClr val="000000"/>
+                </a:solidFill>
+                <a:miter lim="800000"/>
+                <a:headEnd/>
+                <a:tailEnd/>
+              </a14:hiddenLine>
+            </a:ext>
+          </a:extLst>
+        </p:spPr>
+        <p:txBody>
+          <a:bodyPr wrap="square" numCol="1" anchor="t" anchorCtr="0" compatLnSpc="1">
+            <a:prstTxWarp prst="textNoShape">
+              <a:avLst/>
+            </a:prstTxWarp>
+          </a:bodyPr>
+          <a:lstStyle/>
+          <a:p>
+            <a:pPr eaLnBrk="1" hangingPunct="1">
+              <a:spcBef>
+                <a:spcPct val="0"/>
+              </a:spcBef>
+            </a:pPr>
+            <a:endParaRPr lang="zh-CN" altLang="en-US"/>
+          </a:p>
+        </p:txBody>
+      </p:sp>
+      <p:sp>
+        <p:nvSpPr>
+          <p:cNvPr id="7172" name="灯片编号占位符 3">
+            <a:extLst>
+              <a:ext uri="{FF2B5EF4-FFF2-40B4-BE49-F238E27FC236}">
+                <a16:creationId xmlns:a16="http://schemas.microsoft.com/office/drawing/2014/main" id="{0DF104CF-C4A0-47A4-B2D1-8A05C489011B}"/>
+              </a:ext>
+            </a:extLst>
+          </p:cNvPr>
+          <p:cNvSpPr>
+            <a:spLocks noGrp="1" noChangeArrowheads="1"/>
+          </p:cNvSpPr>
+          <p:nvPr>
+            <p:ph type="sldNum" sz="quarter" idx="5"/>
+          </p:nvPr>
+        </p:nvSpPr>
+        <p:spPr bwMode="auto">
+          <a:noFill/>
+          <a:extLst>
+            <a:ext uri="{909E8E84-426E-40DD-AFC4-6F175D3DCCD1}">
+              <a14:hiddenFill xmlns:a14="http://schemas.microsoft.com/office/drawing/2010/main">
+                <a:solidFill>
+                  <a:srgbClr val="FFFFFF"/>
+                </a:solidFill>
+              </a14:hiddenFill>
+            </a:ext>
+            <a:ext uri="{91240B29-F687-4F45-9708-019B960494DF}">
+              <a14:hiddenLine xmlns:a14="http://schemas.microsoft.com/office/drawing/2010/main" w="9525">
+                <a:solidFill>
+                  <a:srgbClr val="000000"/>
+                </a:solidFill>
+                <a:miter lim="800000"/>
+                <a:headEnd/>
+                <a:tailEnd/>
+              </a14:hiddenLine>
+            </a:ext>
+          </a:extLst>
+        </p:spPr>
+        <p:txBody>
+          <a:bodyPr/>
+          <a:lstStyle>
+            <a:lvl1pPr>
+              <a:defRPr>
+                <a:solidFill>
+                  <a:schemeClr val="tx1"/>
+                </a:solidFill>
+                <a:latin typeface="Arial" panose="020B0604020202020204" pitchFamily="34" charset="0"/>
+                <a:ea typeface="宋体" panose="02010600030101010101" pitchFamily="2" charset="-122"/>
+              </a:defRPr>
+            </a:lvl1pPr>
+            <a:lvl2pPr marL="742950" indent="-285750">
+              <a:defRPr>
+                <a:solidFill>
+                  <a:schemeClr val="tx1"/>
+                </a:solidFill>
+                <a:latin typeface="Arial" panose="020B0604020202020204" pitchFamily="34" charset="0"/>
+                <a:ea typeface="宋体" panose="02010600030101010101" pitchFamily="2" charset="-122"/>
+              </a:defRPr>
+            </a:lvl2pPr>
+            <a:lvl3pPr marL="1143000" indent="-228600">
+              <a:defRPr>
+                <a:solidFill>
+                  <a:schemeClr val="tx1"/>
+                </a:solidFill>
+                <a:latin typeface="Arial" panose="020B0604020202020204" pitchFamily="34" charset="0"/>
+                <a:ea typeface="宋体" panose="02010600030101010101" pitchFamily="2" charset="-122"/>
+              </a:defRPr>
+            </a:lvl3pPr>
+            <a:lvl4pPr marL="1600200" indent="-228600">
+              <a:defRPr>
+                <a:solidFill>
+                  <a:schemeClr val="tx1"/>
+                </a:solidFill>
+                <a:latin typeface="Arial" panose="020B0604020202020204" pitchFamily="34" charset="0"/>
+                <a:ea typeface="宋体" panose="02010600030101010101" pitchFamily="2" charset="-122"/>
+              </a:defRPr>
+            </a:lvl4pPr>
+            <a:lvl5pPr marL="2057400" indent="-228600">
+              <a:defRPr>
+                <a:solidFill>
+                  <a:schemeClr val="tx1"/>
+                </a:solidFill>
+                <a:latin typeface="Arial" panose="020B0604020202020204" pitchFamily="34" charset="0"/>
+                <a:ea typeface="宋体" panose="02010600030101010101" pitchFamily="2" charset="-122"/>
+              </a:defRPr>
+            </a:lvl5pPr>
+            <a:lvl6pPr marL="2514600" indent="-228600" eaLnBrk="0" fontAlgn="base" hangingPunct="0">
+              <a:spcBef>
+                <a:spcPct val="0"/>
+              </a:spcBef>
+              <a:spcAft>
+                <a:spcPct val="0"/>
+              </a:spcAft>
+              <a:defRPr>
+                <a:solidFill>
+                  <a:schemeClr val="tx1"/>
+                </a:solidFill>
+                <a:latin typeface="Arial" panose="020B0604020202020204" pitchFamily="34" charset="0"/>
+                <a:ea typeface="宋体" panose="02010600030101010101" pitchFamily="2" charset="-122"/>
+              </a:defRPr>
+            </a:lvl6pPr>
+            <a:lvl7pPr marL="2971800" indent="-228600" eaLnBrk="0" fontAlgn="base" hangingPunct="0">
+              <a:spcBef>
+                <a:spcPct val="0"/>
+              </a:spcBef>
+              <a:spcAft>
+                <a:spcPct val="0"/>
+              </a:spcAft>
+              <a:defRPr>
+                <a:solidFill>
+                  <a:schemeClr val="tx1"/>
+                </a:solidFill>
+                <a:latin typeface="Arial" panose="020B0604020202020204" pitchFamily="34" charset="0"/>
+                <a:ea typeface="宋体" panose="02010600030101010101" pitchFamily="2" charset="-122"/>
+              </a:defRPr>
+            </a:lvl7pPr>
+            <a:lvl8pPr marL="3429000" indent="-228600" eaLnBrk="0" fontAlgn="base" hangingPunct="0">
+              <a:spcBef>
+                <a:spcPct val="0"/>
+              </a:spcBef>
+              <a:spcAft>
+                <a:spcPct val="0"/>
+              </a:spcAft>
+              <a:defRPr>
+                <a:solidFill>
+                  <a:schemeClr val="tx1"/>
+                </a:solidFill>
+                <a:latin typeface="Arial" panose="020B0604020202020204" pitchFamily="34" charset="0"/>
+                <a:ea typeface="宋体" panose="02010600030101010101" pitchFamily="2" charset="-122"/>
+              </a:defRPr>
+            </a:lvl8pPr>
+            <a:lvl9pPr marL="3886200" indent="-228600" eaLnBrk="0" fontAlgn="base" hangingPunct="0">
+              <a:spcBef>
+                <a:spcPct val="0"/>
+              </a:spcBef>
+              <a:spcAft>
+                <a:spcPct val="0"/>
+              </a:spcAft>
+              <a:defRPr>
+                <a:solidFill>
+                  <a:schemeClr val="tx1"/>
+                </a:solidFill>
+                <a:latin typeface="Arial" panose="020B0604020202020204" pitchFamily="34" charset="0"/>
+                <a:ea typeface="宋体" panose="02010600030101010101" pitchFamily="2" charset="-122"/>
+              </a:defRPr>
+            </a:lvl9pPr>
+          </a:lstStyle>
+          <a:p>
+            <a:fld id="{6A0BBBB5-7994-40F6-A12B-E920EE3162FC}" type="slidenum">
+              <a:rPr lang="zh-CN" altLang="en-US"/>
+              <a:pPr/>
+              <a:t>4</a:t>
+            </a:fld>
+            <a:endParaRPr lang="zh-CN" altLang="en-US"/>
+          </a:p>
+        </p:txBody>
+      </p:sp>
+    </p:spTree>
+  </p:cSld>
+  <p:clrMapOvr>
+    <a:masterClrMapping/>
+  </p:clrMapOvr>
+</p:notes>
+</file>
+
 <file path=ppt/slideLayouts/slideLayout1.xml><?xml version="1.0" encoding="utf-8"?>
 <p:sldLayout xmlns:a="http://schemas.openxmlformats.org/drawingml/2006/main" xmlns:r="http://schemas.openxmlformats.org/officeDocument/2006/relationships" xmlns:p="http://schemas.openxmlformats.org/presentationml/2006/main" type="title" preserve="1">
   <p:cSld name="标题幻灯片">
@@ -264,7 +895,7 @@
           <a:p>
             <a:fld id="{0D5E03DA-256A-4C2E-870E-F60DBB56BF95}" type="datetimeFigureOut">
               <a:rPr lang="zh-CN" altLang="en-US" smtClean="0"/>
-              <a:t>2020/10/27</a:t>
+              <a:t>2020/11/2</a:t>
             </a:fld>
             <a:endParaRPr lang="zh-CN" altLang="en-US"/>
           </a:p>
@@ -462,7 +1093,7 @@
           <a:p>
             <a:fld id="{0D5E03DA-256A-4C2E-870E-F60DBB56BF95}" type="datetimeFigureOut">
               <a:rPr lang="zh-CN" altLang="en-US" smtClean="0"/>
-              <a:t>2020/10/27</a:t>
+              <a:t>2020/11/2</a:t>
             </a:fld>
             <a:endParaRPr lang="zh-CN" altLang="en-US"/>
           </a:p>
@@ -670,7 +1301,7 @@
           <a:p>
             <a:fld id="{0D5E03DA-256A-4C2E-870E-F60DBB56BF95}" type="datetimeFigureOut">
               <a:rPr lang="zh-CN" altLang="en-US" smtClean="0"/>
-              <a:t>2020/10/27</a:t>
+              <a:t>2020/11/2</a:t>
             </a:fld>
             <a:endParaRPr lang="zh-CN" altLang="en-US"/>
           </a:p>
@@ -868,7 +1499,7 @@
           <a:p>
             <a:fld id="{0D5E03DA-256A-4C2E-870E-F60DBB56BF95}" type="datetimeFigureOut">
               <a:rPr lang="zh-CN" altLang="en-US" smtClean="0"/>
-              <a:t>2020/10/27</a:t>
+              <a:t>2020/11/2</a:t>
             </a:fld>
             <a:endParaRPr lang="zh-CN" altLang="en-US"/>
           </a:p>
@@ -1143,7 +1774,7 @@
           <a:p>
             <a:fld id="{0D5E03DA-256A-4C2E-870E-F60DBB56BF95}" type="datetimeFigureOut">
               <a:rPr lang="zh-CN" altLang="en-US" smtClean="0"/>
-              <a:t>2020/10/27</a:t>
+              <a:t>2020/11/2</a:t>
             </a:fld>
             <a:endParaRPr lang="zh-CN" altLang="en-US"/>
           </a:p>
@@ -1408,7 +2039,7 @@
           <a:p>
             <a:fld id="{0D5E03DA-256A-4C2E-870E-F60DBB56BF95}" type="datetimeFigureOut">
               <a:rPr lang="zh-CN" altLang="en-US" smtClean="0"/>
-              <a:t>2020/10/27</a:t>
+              <a:t>2020/11/2</a:t>
             </a:fld>
             <a:endParaRPr lang="zh-CN" altLang="en-US"/>
           </a:p>
@@ -1820,7 +2451,7 @@
           <a:p>
             <a:fld id="{0D5E03DA-256A-4C2E-870E-F60DBB56BF95}" type="datetimeFigureOut">
               <a:rPr lang="zh-CN" altLang="en-US" smtClean="0"/>
-              <a:t>2020/10/27</a:t>
+              <a:t>2020/11/2</a:t>
             </a:fld>
             <a:endParaRPr lang="zh-CN" altLang="en-US"/>
           </a:p>
@@ -1961,7 +2592,7 @@
           <a:p>
             <a:fld id="{0D5E03DA-256A-4C2E-870E-F60DBB56BF95}" type="datetimeFigureOut">
               <a:rPr lang="zh-CN" altLang="en-US" smtClean="0"/>
-              <a:t>2020/10/27</a:t>
+              <a:t>2020/11/2</a:t>
             </a:fld>
             <a:endParaRPr lang="zh-CN" altLang="en-US"/>
           </a:p>
@@ -2074,7 +2705,7 @@
           <a:p>
             <a:fld id="{0D5E03DA-256A-4C2E-870E-F60DBB56BF95}" type="datetimeFigureOut">
               <a:rPr lang="zh-CN" altLang="en-US" smtClean="0"/>
-              <a:t>2020/10/27</a:t>
+              <a:t>2020/11/2</a:t>
             </a:fld>
             <a:endParaRPr lang="zh-CN" altLang="en-US"/>
           </a:p>
@@ -2385,7 +3016,7 @@
           <a:p>
             <a:fld id="{0D5E03DA-256A-4C2E-870E-F60DBB56BF95}" type="datetimeFigureOut">
               <a:rPr lang="zh-CN" altLang="en-US" smtClean="0"/>
-              <a:t>2020/10/27</a:t>
+              <a:t>2020/11/2</a:t>
             </a:fld>
             <a:endParaRPr lang="zh-CN" altLang="en-US"/>
           </a:p>
@@ -2673,7 +3304,7 @@
           <a:p>
             <a:fld id="{0D5E03DA-256A-4C2E-870E-F60DBB56BF95}" type="datetimeFigureOut">
               <a:rPr lang="zh-CN" altLang="en-US" smtClean="0"/>
-              <a:t>2020/10/27</a:t>
+              <a:t>2020/11/2</a:t>
             </a:fld>
             <a:endParaRPr lang="zh-CN" altLang="en-US"/>
           </a:p>
@@ -2914,7 +3545,7 @@
           <a:p>
             <a:fld id="{0D5E03DA-256A-4C2E-870E-F60DBB56BF95}" type="datetimeFigureOut">
               <a:rPr lang="zh-CN" altLang="en-US" smtClean="0"/>
-              <a:t>2020/10/27</a:t>
+              <a:t>2020/11/2</a:t>
             </a:fld>
             <a:endParaRPr lang="zh-CN" altLang="en-US"/>
           </a:p>
@@ -3397,6 +4028,1245 @@
 </p:sld>
 </file>
 
+<file path=ppt/slides/slide10.xml><?xml version="1.0" encoding="utf-8"?>
+<p:sld xmlns:a="http://schemas.openxmlformats.org/drawingml/2006/main" xmlns:r="http://schemas.openxmlformats.org/officeDocument/2006/relationships" xmlns:p="http://schemas.openxmlformats.org/presentationml/2006/main">
+  <p:cSld>
+    <p:spTree>
+      <p:nvGrpSpPr>
+        <p:cNvPr id="1" name=""/>
+        <p:cNvGrpSpPr/>
+        <p:nvPr/>
+      </p:nvGrpSpPr>
+      <p:grpSpPr>
+        <a:xfrm>
+          <a:off x="0" y="0"/>
+          <a:ext cx="0" cy="0"/>
+          <a:chOff x="0" y="0"/>
+          <a:chExt cx="0" cy="0"/>
+        </a:xfrm>
+      </p:grpSpPr>
+      <p:sp>
+        <p:nvSpPr>
+          <p:cNvPr id="4" name="灯片编号占位符 3">
+            <a:extLst>
+              <a:ext uri="{FF2B5EF4-FFF2-40B4-BE49-F238E27FC236}">
+                <a16:creationId xmlns:a16="http://schemas.microsoft.com/office/drawing/2014/main" id="{088ED61E-E217-0C4C-94A1-33137150A5E2}"/>
+              </a:ext>
+            </a:extLst>
+          </p:cNvPr>
+          <p:cNvSpPr>
+            <a:spLocks noGrp="1"/>
+          </p:cNvSpPr>
+          <p:nvPr>
+            <p:ph type="sldNum" sz="quarter" idx="12"/>
+          </p:nvPr>
+        </p:nvSpPr>
+        <p:spPr/>
+        <p:txBody>
+          <a:bodyPr/>
+          <a:lstStyle/>
+          <a:p>
+            <a:pPr rtl="0"/>
+            <a:fld id="{D57F1E4F-1CFF-5643-939E-217C01CDF565}" type="slidenum">
+              <a:rPr lang="en-US" altLang="zh-CN" noProof="0" smtClean="0"/>
+              <a:pPr rtl="0"/>
+              <a:t>10</a:t>
+            </a:fld>
+            <a:endParaRPr lang="zh-CN" altLang="en-US" noProof="0" dirty="0"/>
+          </a:p>
+        </p:txBody>
+      </p:sp>
+      <p:sp>
+        <p:nvSpPr>
+          <p:cNvPr id="3" name="内容占位符 2">
+            <a:extLst>
+              <a:ext uri="{FF2B5EF4-FFF2-40B4-BE49-F238E27FC236}">
+                <a16:creationId xmlns:a16="http://schemas.microsoft.com/office/drawing/2014/main" id="{62C276D8-1640-874F-B1B8-337F1DAC86E7}"/>
+              </a:ext>
+            </a:extLst>
+          </p:cNvPr>
+          <p:cNvSpPr>
+            <a:spLocks noGrp="1"/>
+          </p:cNvSpPr>
+          <p:nvPr>
+            <p:ph idx="4294967295"/>
+          </p:nvPr>
+        </p:nvSpPr>
+        <p:spPr>
+          <a:xfrm>
+            <a:off x="483220" y="473947"/>
+            <a:ext cx="11029950" cy="6300926"/>
+          </a:xfrm>
+        </p:spPr>
+        <p:txBody>
+          <a:bodyPr>
+            <a:normAutofit fontScale="85000" lnSpcReduction="20000"/>
+          </a:bodyPr>
+          <a:lstStyle/>
+          <a:p>
+            <a:pPr>
+              <a:lnSpc>
+                <a:spcPct val="150000"/>
+              </a:lnSpc>
+            </a:pPr>
+            <a:r>
+              <a:rPr lang="en-US" altLang="zh-CN" sz="2400" dirty="0">
+                <a:solidFill>
+                  <a:schemeClr val="tx1"/>
+                </a:solidFill>
+                <a:latin typeface="Microsoft YaHei" panose="020B0503020204020204" pitchFamily="34" charset="-122"/>
+                <a:ea typeface="Microsoft YaHei" panose="020B0503020204020204" pitchFamily="34" charset="-122"/>
+              </a:rPr>
+              <a:t>2.5 </a:t>
+            </a:r>
+            <a:r>
+              <a:rPr lang="zh-CN" altLang="zh-CN" sz="2400" dirty="0">
+                <a:solidFill>
+                  <a:schemeClr val="tx1"/>
+                </a:solidFill>
+                <a:latin typeface="Microsoft YaHei" panose="020B0503020204020204" pitchFamily="34" charset="-122"/>
+                <a:ea typeface="Microsoft YaHei" panose="020B0503020204020204" pitchFamily="34" charset="-122"/>
+              </a:rPr>
+              <a:t>将以下</a:t>
+            </a:r>
+            <a:r>
+              <a:rPr lang="en-US" altLang="zh-CN" sz="2400" dirty="0">
+                <a:solidFill>
+                  <a:schemeClr val="tx1"/>
+                </a:solidFill>
+                <a:latin typeface="Microsoft YaHei" panose="020B0503020204020204" pitchFamily="34" charset="-122"/>
+                <a:ea typeface="Microsoft YaHei" panose="020B0503020204020204" pitchFamily="34" charset="-122"/>
+              </a:rPr>
+              <a:t>BNF</a:t>
+            </a:r>
+            <a:r>
+              <a:rPr lang="zh-CN" altLang="zh-CN" sz="2400" dirty="0">
+                <a:solidFill>
+                  <a:schemeClr val="tx1"/>
+                </a:solidFill>
+                <a:latin typeface="Microsoft YaHei" panose="020B0503020204020204" pitchFamily="34" charset="-122"/>
+                <a:ea typeface="Microsoft YaHei" panose="020B0503020204020204" pitchFamily="34" charset="-122"/>
+              </a:rPr>
+              <a:t>表示的</a:t>
+            </a:r>
+            <a:r>
+              <a:rPr lang="en-US" altLang="zh-CN" sz="2400" dirty="0">
+                <a:solidFill>
+                  <a:schemeClr val="tx1"/>
+                </a:solidFill>
+                <a:latin typeface="Microsoft YaHei" panose="020B0503020204020204" pitchFamily="34" charset="-122"/>
+                <a:ea typeface="Microsoft YaHei" panose="020B0503020204020204" pitchFamily="34" charset="-122"/>
+              </a:rPr>
+              <a:t>Algol60</a:t>
+            </a:r>
+            <a:r>
+              <a:rPr lang="zh-CN" altLang="zh-CN" sz="2400" dirty="0">
+                <a:solidFill>
+                  <a:schemeClr val="tx1"/>
+                </a:solidFill>
+                <a:latin typeface="Microsoft YaHei" panose="020B0503020204020204" pitchFamily="34" charset="-122"/>
+                <a:ea typeface="Microsoft YaHei" panose="020B0503020204020204" pitchFamily="34" charset="-122"/>
+              </a:rPr>
+              <a:t>部分产生式画成语法图</a:t>
+            </a:r>
+            <a:endParaRPr lang="en-US" altLang="zh-CN" sz="2400" dirty="0">
+              <a:solidFill>
+                <a:schemeClr val="tx1"/>
+              </a:solidFill>
+              <a:latin typeface="Microsoft YaHei" panose="020B0503020204020204" pitchFamily="34" charset="-122"/>
+              <a:ea typeface="Microsoft YaHei" panose="020B0503020204020204" pitchFamily="34" charset="-122"/>
+            </a:endParaRPr>
+          </a:p>
+          <a:p>
+            <a:pPr marL="0" indent="0">
+              <a:buNone/>
+            </a:pPr>
+            <a:r>
+              <a:rPr lang="en-US" altLang="zh-CN" sz="2400" dirty="0">
+                <a:solidFill>
+                  <a:schemeClr val="tx1"/>
+                </a:solidFill>
+                <a:latin typeface="Microsoft YaHei" panose="020B0503020204020204" pitchFamily="34" charset="-122"/>
+                <a:ea typeface="Microsoft YaHei" panose="020B0503020204020204" pitchFamily="34" charset="-122"/>
+              </a:rPr>
+              <a:t>&lt;unsigned integer&gt; </a:t>
+            </a:r>
+            <a:r>
+              <a:rPr lang="zh-CN" altLang="zh-CN" sz="2400" dirty="0">
+                <a:solidFill>
+                  <a:schemeClr val="tx1"/>
+                </a:solidFill>
+                <a:latin typeface="Microsoft YaHei" panose="020B0503020204020204" pitchFamily="34" charset="-122"/>
+                <a:ea typeface="Microsoft YaHei" panose="020B0503020204020204" pitchFamily="34" charset="-122"/>
+              </a:rPr>
+              <a:t>：：</a:t>
+            </a:r>
+            <a:r>
+              <a:rPr lang="en-US" altLang="zh-CN" sz="2400" dirty="0">
+                <a:solidFill>
+                  <a:schemeClr val="tx1"/>
+                </a:solidFill>
+                <a:latin typeface="Microsoft YaHei" panose="020B0503020204020204" pitchFamily="34" charset="-122"/>
+                <a:ea typeface="Microsoft YaHei" panose="020B0503020204020204" pitchFamily="34" charset="-122"/>
+              </a:rPr>
+              <a:t>= &lt;digit&gt;</a:t>
+            </a:r>
+            <a:endParaRPr lang="zh-CN" altLang="zh-CN" sz="2400" dirty="0">
+              <a:solidFill>
+                <a:schemeClr val="tx1"/>
+              </a:solidFill>
+              <a:latin typeface="Microsoft YaHei" panose="020B0503020204020204" pitchFamily="34" charset="-122"/>
+              <a:ea typeface="Microsoft YaHei" panose="020B0503020204020204" pitchFamily="34" charset="-122"/>
+            </a:endParaRPr>
+          </a:p>
+          <a:p>
+            <a:pPr marL="0" indent="0">
+              <a:buNone/>
+            </a:pPr>
+            <a:r>
+              <a:rPr lang="en-US" altLang="zh-CN" sz="2400" dirty="0">
+                <a:solidFill>
+                  <a:schemeClr val="tx1"/>
+                </a:solidFill>
+                <a:latin typeface="Microsoft YaHei" panose="020B0503020204020204" pitchFamily="34" charset="-122"/>
+                <a:ea typeface="Microsoft YaHei" panose="020B0503020204020204" pitchFamily="34" charset="-122"/>
+              </a:rPr>
+              <a:t>                            | &lt;unsigned integer&gt; &lt;digit&gt;</a:t>
+            </a:r>
+            <a:endParaRPr lang="zh-CN" altLang="zh-CN" sz="2400" dirty="0">
+              <a:solidFill>
+                <a:schemeClr val="tx1"/>
+              </a:solidFill>
+              <a:latin typeface="Microsoft YaHei" panose="020B0503020204020204" pitchFamily="34" charset="-122"/>
+              <a:ea typeface="Microsoft YaHei" panose="020B0503020204020204" pitchFamily="34" charset="-122"/>
+            </a:endParaRPr>
+          </a:p>
+          <a:p>
+            <a:pPr marL="0" indent="0">
+              <a:buNone/>
+            </a:pPr>
+            <a:r>
+              <a:rPr lang="en-US" altLang="zh-CN" sz="2400" dirty="0">
+                <a:solidFill>
+                  <a:schemeClr val="tx1"/>
+                </a:solidFill>
+                <a:latin typeface="Microsoft YaHei" panose="020B0503020204020204" pitchFamily="34" charset="-122"/>
+                <a:ea typeface="Microsoft YaHei" panose="020B0503020204020204" pitchFamily="34" charset="-122"/>
+              </a:rPr>
+              <a:t>     &lt;integer&gt; </a:t>
+            </a:r>
+            <a:r>
+              <a:rPr lang="zh-CN" altLang="zh-CN" sz="2400" dirty="0">
+                <a:solidFill>
+                  <a:schemeClr val="tx1"/>
+                </a:solidFill>
+                <a:latin typeface="Microsoft YaHei" panose="020B0503020204020204" pitchFamily="34" charset="-122"/>
+                <a:ea typeface="Microsoft YaHei" panose="020B0503020204020204" pitchFamily="34" charset="-122"/>
+              </a:rPr>
+              <a:t>：：</a:t>
+            </a:r>
+            <a:r>
+              <a:rPr lang="en-US" altLang="zh-CN" sz="2400" dirty="0">
+                <a:solidFill>
+                  <a:schemeClr val="tx1"/>
+                </a:solidFill>
+                <a:latin typeface="Microsoft YaHei" panose="020B0503020204020204" pitchFamily="34" charset="-122"/>
+                <a:ea typeface="Microsoft YaHei" panose="020B0503020204020204" pitchFamily="34" charset="-122"/>
+              </a:rPr>
+              <a:t>= +&lt;unsigned integer&gt;</a:t>
+            </a:r>
+            <a:endParaRPr lang="zh-CN" altLang="zh-CN" sz="2400" dirty="0">
+              <a:solidFill>
+                <a:schemeClr val="tx1"/>
+              </a:solidFill>
+              <a:latin typeface="Microsoft YaHei" panose="020B0503020204020204" pitchFamily="34" charset="-122"/>
+              <a:ea typeface="Microsoft YaHei" panose="020B0503020204020204" pitchFamily="34" charset="-122"/>
+            </a:endParaRPr>
+          </a:p>
+          <a:p>
+            <a:pPr marL="0" indent="0">
+              <a:buNone/>
+            </a:pPr>
+            <a:r>
+              <a:rPr lang="en-US" altLang="zh-CN" sz="2400" dirty="0">
+                <a:solidFill>
+                  <a:schemeClr val="tx1"/>
+                </a:solidFill>
+                <a:latin typeface="Microsoft YaHei" panose="020B0503020204020204" pitchFamily="34" charset="-122"/>
+                <a:ea typeface="Microsoft YaHei" panose="020B0503020204020204" pitchFamily="34" charset="-122"/>
+              </a:rPr>
+              <a:t>                    | -&lt;unsigned integer&gt;</a:t>
+            </a:r>
+            <a:endParaRPr lang="zh-CN" altLang="zh-CN" sz="2400" dirty="0">
+              <a:solidFill>
+                <a:schemeClr val="tx1"/>
+              </a:solidFill>
+              <a:latin typeface="Microsoft YaHei" panose="020B0503020204020204" pitchFamily="34" charset="-122"/>
+              <a:ea typeface="Microsoft YaHei" panose="020B0503020204020204" pitchFamily="34" charset="-122"/>
+            </a:endParaRPr>
+          </a:p>
+          <a:p>
+            <a:pPr marL="0" indent="0">
+              <a:buNone/>
+            </a:pPr>
+            <a:r>
+              <a:rPr lang="en-US" altLang="zh-CN" sz="2400" dirty="0">
+                <a:solidFill>
+                  <a:schemeClr val="tx1"/>
+                </a:solidFill>
+                <a:latin typeface="Microsoft YaHei" panose="020B0503020204020204" pitchFamily="34" charset="-122"/>
+                <a:ea typeface="Microsoft YaHei" panose="020B0503020204020204" pitchFamily="34" charset="-122"/>
+              </a:rPr>
+              <a:t>                    |  &lt;unsigned integer&gt;</a:t>
+            </a:r>
+            <a:endParaRPr lang="zh-CN" altLang="zh-CN" sz="2400" dirty="0">
+              <a:solidFill>
+                <a:schemeClr val="tx1"/>
+              </a:solidFill>
+              <a:latin typeface="Microsoft YaHei" panose="020B0503020204020204" pitchFamily="34" charset="-122"/>
+              <a:ea typeface="Microsoft YaHei" panose="020B0503020204020204" pitchFamily="34" charset="-122"/>
+            </a:endParaRPr>
+          </a:p>
+          <a:p>
+            <a:pPr marL="0" indent="0">
+              <a:buNone/>
+            </a:pPr>
+            <a:r>
+              <a:rPr lang="en-US" altLang="zh-CN" sz="2400" dirty="0">
+                <a:solidFill>
+                  <a:schemeClr val="tx1"/>
+                </a:solidFill>
+                <a:latin typeface="Microsoft YaHei" panose="020B0503020204020204" pitchFamily="34" charset="-122"/>
+                <a:ea typeface="Microsoft YaHei" panose="020B0503020204020204" pitchFamily="34" charset="-122"/>
+              </a:rPr>
+              <a:t>     &lt;decimal fraction&gt; </a:t>
+            </a:r>
+            <a:r>
+              <a:rPr lang="zh-CN" altLang="zh-CN" sz="2400" dirty="0">
+                <a:solidFill>
+                  <a:schemeClr val="tx1"/>
+                </a:solidFill>
+                <a:latin typeface="Microsoft YaHei" panose="020B0503020204020204" pitchFamily="34" charset="-122"/>
+                <a:ea typeface="Microsoft YaHei" panose="020B0503020204020204" pitchFamily="34" charset="-122"/>
+              </a:rPr>
+              <a:t>：：</a:t>
+            </a:r>
+            <a:r>
+              <a:rPr lang="en-US" altLang="zh-CN" sz="2400" dirty="0">
+                <a:solidFill>
+                  <a:schemeClr val="tx1"/>
+                </a:solidFill>
+                <a:latin typeface="Microsoft YaHei" panose="020B0503020204020204" pitchFamily="34" charset="-122"/>
+                <a:ea typeface="Microsoft YaHei" panose="020B0503020204020204" pitchFamily="34" charset="-122"/>
+              </a:rPr>
+              <a:t>= . &lt;unsigned integer&gt;</a:t>
+            </a:r>
+            <a:endParaRPr lang="zh-CN" altLang="zh-CN" sz="2400" dirty="0">
+              <a:solidFill>
+                <a:schemeClr val="tx1"/>
+              </a:solidFill>
+              <a:latin typeface="Microsoft YaHei" panose="020B0503020204020204" pitchFamily="34" charset="-122"/>
+              <a:ea typeface="Microsoft YaHei" panose="020B0503020204020204" pitchFamily="34" charset="-122"/>
+            </a:endParaRPr>
+          </a:p>
+          <a:p>
+            <a:pPr marL="0" indent="0">
+              <a:lnSpc>
+                <a:spcPct val="120000"/>
+              </a:lnSpc>
+              <a:buNone/>
+            </a:pPr>
+            <a:r>
+              <a:rPr lang="en-US" altLang="zh-CN" sz="2400" dirty="0">
+                <a:solidFill>
+                  <a:schemeClr val="tx1"/>
+                </a:solidFill>
+                <a:latin typeface="Microsoft YaHei" panose="020B0503020204020204" pitchFamily="34" charset="-122"/>
+                <a:ea typeface="Microsoft YaHei" panose="020B0503020204020204" pitchFamily="34" charset="-122"/>
+              </a:rPr>
+              <a:t>     &lt;exponent part&gt; </a:t>
+            </a:r>
+            <a:r>
+              <a:rPr lang="zh-CN" altLang="zh-CN" sz="2400" dirty="0">
+                <a:solidFill>
+                  <a:schemeClr val="tx1"/>
+                </a:solidFill>
+                <a:latin typeface="Microsoft YaHei" panose="020B0503020204020204" pitchFamily="34" charset="-122"/>
+                <a:ea typeface="Microsoft YaHei" panose="020B0503020204020204" pitchFamily="34" charset="-122"/>
+              </a:rPr>
+              <a:t>：：</a:t>
+            </a:r>
+            <a:r>
+              <a:rPr lang="en-US" altLang="zh-CN" sz="2400" dirty="0">
+                <a:solidFill>
+                  <a:schemeClr val="tx1"/>
+                </a:solidFill>
+                <a:latin typeface="Microsoft YaHei" panose="020B0503020204020204" pitchFamily="34" charset="-122"/>
+                <a:ea typeface="Microsoft YaHei" panose="020B0503020204020204" pitchFamily="34" charset="-122"/>
+              </a:rPr>
+              <a:t>= 10&lt;integer&gt;                     //10</a:t>
+            </a:r>
+            <a:r>
+              <a:rPr lang="zh-CN" altLang="zh-CN" sz="2400" dirty="0">
+                <a:solidFill>
+                  <a:schemeClr val="tx1"/>
+                </a:solidFill>
+                <a:latin typeface="Microsoft YaHei" panose="020B0503020204020204" pitchFamily="34" charset="-122"/>
+                <a:ea typeface="Microsoft YaHei" panose="020B0503020204020204" pitchFamily="34" charset="-122"/>
+              </a:rPr>
+              <a:t>为下标。</a:t>
+            </a:r>
+          </a:p>
+          <a:p>
+            <a:pPr marL="0" indent="0">
+              <a:lnSpc>
+                <a:spcPct val="120000"/>
+              </a:lnSpc>
+              <a:buNone/>
+            </a:pPr>
+            <a:r>
+              <a:rPr lang="en-US" altLang="zh-CN" sz="2400" dirty="0">
+                <a:solidFill>
+                  <a:schemeClr val="tx1"/>
+                </a:solidFill>
+                <a:latin typeface="Microsoft YaHei" panose="020B0503020204020204" pitchFamily="34" charset="-122"/>
+                <a:ea typeface="Microsoft YaHei" panose="020B0503020204020204" pitchFamily="34" charset="-122"/>
+              </a:rPr>
+              <a:t>&lt;decimal number&gt; </a:t>
+            </a:r>
+            <a:r>
+              <a:rPr lang="zh-CN" altLang="zh-CN" sz="2400" dirty="0">
+                <a:solidFill>
+                  <a:schemeClr val="tx1"/>
+                </a:solidFill>
+                <a:latin typeface="Microsoft YaHei" panose="020B0503020204020204" pitchFamily="34" charset="-122"/>
+                <a:ea typeface="Microsoft YaHei" panose="020B0503020204020204" pitchFamily="34" charset="-122"/>
+              </a:rPr>
+              <a:t>：：</a:t>
+            </a:r>
+            <a:r>
+              <a:rPr lang="en-US" altLang="zh-CN" sz="2400" dirty="0">
+                <a:solidFill>
+                  <a:schemeClr val="tx1"/>
+                </a:solidFill>
+                <a:latin typeface="Microsoft YaHei" panose="020B0503020204020204" pitchFamily="34" charset="-122"/>
+                <a:ea typeface="Microsoft YaHei" panose="020B0503020204020204" pitchFamily="34" charset="-122"/>
+              </a:rPr>
+              <a:t>= &lt;unsigned integer&gt;</a:t>
+            </a:r>
+            <a:endParaRPr lang="zh-CN" altLang="zh-CN" sz="2400" dirty="0">
+              <a:solidFill>
+                <a:schemeClr val="tx1"/>
+              </a:solidFill>
+              <a:latin typeface="Microsoft YaHei" panose="020B0503020204020204" pitchFamily="34" charset="-122"/>
+              <a:ea typeface="Microsoft YaHei" panose="020B0503020204020204" pitchFamily="34" charset="-122"/>
+            </a:endParaRPr>
+          </a:p>
+          <a:p>
+            <a:pPr marL="0" indent="0">
+              <a:buNone/>
+            </a:pPr>
+            <a:r>
+              <a:rPr lang="en-US" altLang="zh-CN" sz="2400" dirty="0">
+                <a:solidFill>
+                  <a:schemeClr val="tx1"/>
+                </a:solidFill>
+                <a:latin typeface="Microsoft YaHei" panose="020B0503020204020204" pitchFamily="34" charset="-122"/>
+                <a:ea typeface="Microsoft YaHei" panose="020B0503020204020204" pitchFamily="34" charset="-122"/>
+              </a:rPr>
+              <a:t>                      | &lt;decimal fraction&gt;</a:t>
+            </a:r>
+            <a:endParaRPr lang="zh-CN" altLang="zh-CN" sz="2400" dirty="0">
+              <a:solidFill>
+                <a:schemeClr val="tx1"/>
+              </a:solidFill>
+              <a:latin typeface="Microsoft YaHei" panose="020B0503020204020204" pitchFamily="34" charset="-122"/>
+              <a:ea typeface="Microsoft YaHei" panose="020B0503020204020204" pitchFamily="34" charset="-122"/>
+            </a:endParaRPr>
+          </a:p>
+          <a:p>
+            <a:pPr marL="0" indent="0">
+              <a:buNone/>
+            </a:pPr>
+            <a:r>
+              <a:rPr lang="en-US" altLang="zh-CN" sz="2400" dirty="0">
+                <a:solidFill>
+                  <a:schemeClr val="tx1"/>
+                </a:solidFill>
+                <a:latin typeface="Microsoft YaHei" panose="020B0503020204020204" pitchFamily="34" charset="-122"/>
+                <a:ea typeface="Microsoft YaHei" panose="020B0503020204020204" pitchFamily="34" charset="-122"/>
+              </a:rPr>
+              <a:t>                      | &lt;unsigned integer&gt; &lt;decimal fraction&gt;</a:t>
+            </a:r>
+            <a:endParaRPr lang="zh-CN" altLang="zh-CN" sz="2400" dirty="0">
+              <a:solidFill>
+                <a:schemeClr val="tx1"/>
+              </a:solidFill>
+              <a:latin typeface="Microsoft YaHei" panose="020B0503020204020204" pitchFamily="34" charset="-122"/>
+              <a:ea typeface="Microsoft YaHei" panose="020B0503020204020204" pitchFamily="34" charset="-122"/>
+            </a:endParaRPr>
+          </a:p>
+          <a:p>
+            <a:pPr marL="0" indent="0">
+              <a:buNone/>
+            </a:pPr>
+            <a:r>
+              <a:rPr lang="en-US" altLang="zh-CN" sz="2400" dirty="0">
+                <a:solidFill>
+                  <a:schemeClr val="tx1"/>
+                </a:solidFill>
+                <a:latin typeface="Microsoft YaHei" panose="020B0503020204020204" pitchFamily="34" charset="-122"/>
+                <a:ea typeface="Microsoft YaHei" panose="020B0503020204020204" pitchFamily="34" charset="-122"/>
+              </a:rPr>
+              <a:t>     &lt;unsigned number&gt; </a:t>
+            </a:r>
+            <a:r>
+              <a:rPr lang="zh-CN" altLang="zh-CN" sz="2400" dirty="0">
+                <a:solidFill>
+                  <a:schemeClr val="tx1"/>
+                </a:solidFill>
+                <a:latin typeface="Microsoft YaHei" panose="020B0503020204020204" pitchFamily="34" charset="-122"/>
+                <a:ea typeface="Microsoft YaHei" panose="020B0503020204020204" pitchFamily="34" charset="-122"/>
+              </a:rPr>
+              <a:t>：：</a:t>
+            </a:r>
+            <a:r>
+              <a:rPr lang="en-US" altLang="zh-CN" sz="2400" dirty="0">
+                <a:solidFill>
+                  <a:schemeClr val="tx1"/>
+                </a:solidFill>
+                <a:latin typeface="Microsoft YaHei" panose="020B0503020204020204" pitchFamily="34" charset="-122"/>
+                <a:ea typeface="Microsoft YaHei" panose="020B0503020204020204" pitchFamily="34" charset="-122"/>
+              </a:rPr>
+              <a:t>= &lt;decimal number&gt;</a:t>
+            </a:r>
+            <a:endParaRPr lang="zh-CN" altLang="zh-CN" sz="2400" dirty="0">
+              <a:solidFill>
+                <a:schemeClr val="tx1"/>
+              </a:solidFill>
+              <a:latin typeface="Microsoft YaHei" panose="020B0503020204020204" pitchFamily="34" charset="-122"/>
+              <a:ea typeface="Microsoft YaHei" panose="020B0503020204020204" pitchFamily="34" charset="-122"/>
+            </a:endParaRPr>
+          </a:p>
+          <a:p>
+            <a:pPr marL="0" indent="0">
+              <a:buNone/>
+            </a:pPr>
+            <a:r>
+              <a:rPr lang="en-US" altLang="zh-CN" sz="2400" dirty="0">
+                <a:solidFill>
+                  <a:schemeClr val="tx1"/>
+                </a:solidFill>
+                <a:latin typeface="Microsoft YaHei" panose="020B0503020204020204" pitchFamily="34" charset="-122"/>
+                <a:ea typeface="Microsoft YaHei" panose="020B0503020204020204" pitchFamily="34" charset="-122"/>
+              </a:rPr>
+              <a:t>                         | &lt;exponent part&gt;</a:t>
+            </a:r>
+            <a:endParaRPr lang="zh-CN" altLang="zh-CN" sz="2400" dirty="0">
+              <a:solidFill>
+                <a:schemeClr val="tx1"/>
+              </a:solidFill>
+              <a:latin typeface="Microsoft YaHei" panose="020B0503020204020204" pitchFamily="34" charset="-122"/>
+              <a:ea typeface="Microsoft YaHei" panose="020B0503020204020204" pitchFamily="34" charset="-122"/>
+            </a:endParaRPr>
+          </a:p>
+          <a:p>
+            <a:pPr marL="0" indent="0">
+              <a:buNone/>
+            </a:pPr>
+            <a:r>
+              <a:rPr lang="en-US" altLang="zh-CN" sz="2400" dirty="0">
+                <a:solidFill>
+                  <a:schemeClr val="tx1"/>
+                </a:solidFill>
+                <a:latin typeface="Microsoft YaHei" panose="020B0503020204020204" pitchFamily="34" charset="-122"/>
+                <a:ea typeface="Microsoft YaHei" panose="020B0503020204020204" pitchFamily="34" charset="-122"/>
+              </a:rPr>
+              <a:t>                         | &lt;decimal number&gt; &lt;exponent part&gt;           </a:t>
+            </a:r>
+            <a:endParaRPr lang="zh-CN" altLang="zh-CN" sz="2400" dirty="0">
+              <a:solidFill>
+                <a:schemeClr val="tx1"/>
+              </a:solidFill>
+              <a:latin typeface="Microsoft YaHei" panose="020B0503020204020204" pitchFamily="34" charset="-122"/>
+              <a:ea typeface="Microsoft YaHei" panose="020B0503020204020204" pitchFamily="34" charset="-122"/>
+            </a:endParaRPr>
+          </a:p>
+          <a:p>
+            <a:pPr marL="0" indent="0">
+              <a:buNone/>
+            </a:pPr>
+            <a:r>
+              <a:rPr lang="en-US" altLang="zh-CN" sz="2400" dirty="0">
+                <a:solidFill>
+                  <a:schemeClr val="tx1"/>
+                </a:solidFill>
+                <a:latin typeface="Microsoft YaHei" panose="020B0503020204020204" pitchFamily="34" charset="-122"/>
+                <a:ea typeface="Microsoft YaHei" panose="020B0503020204020204" pitchFamily="34" charset="-122"/>
+              </a:rPr>
+              <a:t>     &lt;number&gt; </a:t>
+            </a:r>
+            <a:r>
+              <a:rPr lang="zh-CN" altLang="zh-CN" sz="2400" dirty="0">
+                <a:solidFill>
+                  <a:schemeClr val="tx1"/>
+                </a:solidFill>
+                <a:latin typeface="Microsoft YaHei" panose="020B0503020204020204" pitchFamily="34" charset="-122"/>
+                <a:ea typeface="Microsoft YaHei" panose="020B0503020204020204" pitchFamily="34" charset="-122"/>
+              </a:rPr>
+              <a:t>：：</a:t>
+            </a:r>
+            <a:r>
+              <a:rPr lang="en-US" altLang="zh-CN" sz="2400" dirty="0">
+                <a:solidFill>
+                  <a:schemeClr val="tx1"/>
+                </a:solidFill>
+                <a:latin typeface="Microsoft YaHei" panose="020B0503020204020204" pitchFamily="34" charset="-122"/>
+                <a:ea typeface="Microsoft YaHei" panose="020B0503020204020204" pitchFamily="34" charset="-122"/>
+              </a:rPr>
+              <a:t>= +&lt;unsigned number&gt;</a:t>
+            </a:r>
+            <a:endParaRPr lang="zh-CN" altLang="zh-CN" sz="2400" dirty="0">
+              <a:solidFill>
+                <a:schemeClr val="tx1"/>
+              </a:solidFill>
+              <a:latin typeface="Microsoft YaHei" panose="020B0503020204020204" pitchFamily="34" charset="-122"/>
+              <a:ea typeface="Microsoft YaHei" panose="020B0503020204020204" pitchFamily="34" charset="-122"/>
+            </a:endParaRPr>
+          </a:p>
+          <a:p>
+            <a:pPr marL="0" indent="0">
+              <a:buNone/>
+            </a:pPr>
+            <a:r>
+              <a:rPr lang="en-US" altLang="zh-CN" sz="2400" dirty="0">
+                <a:solidFill>
+                  <a:schemeClr val="tx1"/>
+                </a:solidFill>
+                <a:latin typeface="Microsoft YaHei" panose="020B0503020204020204" pitchFamily="34" charset="-122"/>
+                <a:ea typeface="Microsoft YaHei" panose="020B0503020204020204" pitchFamily="34" charset="-122"/>
+              </a:rPr>
+              <a:t>               | -&lt;unsigned number&gt;</a:t>
+            </a:r>
+            <a:endParaRPr lang="zh-CN" altLang="zh-CN" sz="2400" dirty="0">
+              <a:solidFill>
+                <a:schemeClr val="tx1"/>
+              </a:solidFill>
+              <a:latin typeface="Microsoft YaHei" panose="020B0503020204020204" pitchFamily="34" charset="-122"/>
+              <a:ea typeface="Microsoft YaHei" panose="020B0503020204020204" pitchFamily="34" charset="-122"/>
+            </a:endParaRPr>
+          </a:p>
+          <a:p>
+            <a:pPr marL="0" indent="0">
+              <a:buNone/>
+            </a:pPr>
+            <a:r>
+              <a:rPr lang="en-US" altLang="zh-CN" sz="2400" dirty="0">
+                <a:solidFill>
+                  <a:schemeClr val="tx1"/>
+                </a:solidFill>
+                <a:latin typeface="Microsoft YaHei" panose="020B0503020204020204" pitchFamily="34" charset="-122"/>
+                <a:ea typeface="Microsoft YaHei" panose="020B0503020204020204" pitchFamily="34" charset="-122"/>
+              </a:rPr>
+              <a:t>               |  &lt;unsigned number&gt;</a:t>
+            </a:r>
+            <a:endParaRPr kumimoji="1" lang="zh-CN" altLang="en-US" sz="2400" dirty="0">
+              <a:solidFill>
+                <a:schemeClr val="tx1"/>
+              </a:solidFill>
+            </a:endParaRPr>
+          </a:p>
+        </p:txBody>
+      </p:sp>
+      <p:sp>
+        <p:nvSpPr>
+          <p:cNvPr id="7" name="矩形 6">
+            <a:extLst>
+              <a:ext uri="{FF2B5EF4-FFF2-40B4-BE49-F238E27FC236}">
+                <a16:creationId xmlns:a16="http://schemas.microsoft.com/office/drawing/2014/main" id="{6EEF9A6E-C639-7049-A9F2-146C89C82F87}"/>
+              </a:ext>
+            </a:extLst>
+          </p:cNvPr>
+          <p:cNvSpPr/>
+          <p:nvPr/>
+        </p:nvSpPr>
+        <p:spPr>
+          <a:xfrm>
+            <a:off x="5644429" y="-13855"/>
+            <a:ext cx="902811" cy="523220"/>
+          </a:xfrm>
+          <a:prstGeom prst="rect">
+            <a:avLst/>
+          </a:prstGeom>
+        </p:spPr>
+        <p:txBody>
+          <a:bodyPr wrap="none">
+            <a:spAutoFit/>
+          </a:bodyPr>
+          <a:lstStyle/>
+          <a:p>
+            <a:r>
+              <a:rPr lang="zh-CN" altLang="en-US" sz="2800" b="1" dirty="0">
+                <a:latin typeface="Microsoft YaHei" panose="020B0503020204020204" pitchFamily="34" charset="-122"/>
+                <a:ea typeface="Microsoft YaHei" panose="020B0503020204020204" pitchFamily="34" charset="-122"/>
+              </a:rPr>
+              <a:t>作业</a:t>
+            </a:r>
+          </a:p>
+        </p:txBody>
+      </p:sp>
+    </p:spTree>
+    <p:extLst>
+      <p:ext uri="{BB962C8B-B14F-4D97-AF65-F5344CB8AC3E}">
+        <p14:creationId xmlns:p14="http://schemas.microsoft.com/office/powerpoint/2010/main" val="3584776021"/>
+      </p:ext>
+    </p:extLst>
+  </p:cSld>
+  <p:clrMapOvr>
+    <a:masterClrMapping/>
+  </p:clrMapOvr>
+</p:sld>
+</file>
+
+<file path=ppt/slides/slide11.xml><?xml version="1.0" encoding="utf-8"?>
+<p:sld xmlns:a="http://schemas.openxmlformats.org/drawingml/2006/main" xmlns:r="http://schemas.openxmlformats.org/officeDocument/2006/relationships" xmlns:p="http://schemas.openxmlformats.org/presentationml/2006/main">
+  <p:cSld>
+    <p:spTree>
+      <p:nvGrpSpPr>
+        <p:cNvPr id="1" name=""/>
+        <p:cNvGrpSpPr/>
+        <p:nvPr/>
+      </p:nvGrpSpPr>
+      <p:grpSpPr>
+        <a:xfrm>
+          <a:off x="0" y="0"/>
+          <a:ext cx="0" cy="0"/>
+          <a:chOff x="0" y="0"/>
+          <a:chExt cx="0" cy="0"/>
+        </a:xfrm>
+      </p:grpSpPr>
+      <p:sp>
+        <p:nvSpPr>
+          <p:cNvPr id="4" name="灯片编号占位符 3">
+            <a:extLst>
+              <a:ext uri="{FF2B5EF4-FFF2-40B4-BE49-F238E27FC236}">
+                <a16:creationId xmlns:a16="http://schemas.microsoft.com/office/drawing/2014/main" id="{86B0EDB5-61FA-F242-9BEF-1A0CB8648882}"/>
+              </a:ext>
+            </a:extLst>
+          </p:cNvPr>
+          <p:cNvSpPr>
+            <a:spLocks noGrp="1"/>
+          </p:cNvSpPr>
+          <p:nvPr>
+            <p:ph type="sldNum" sz="quarter" idx="12"/>
+          </p:nvPr>
+        </p:nvSpPr>
+        <p:spPr/>
+        <p:txBody>
+          <a:bodyPr/>
+          <a:lstStyle/>
+          <a:p>
+            <a:pPr rtl="0"/>
+            <a:fld id="{D57F1E4F-1CFF-5643-939E-217C01CDF565}" type="slidenum">
+              <a:rPr lang="en-US" altLang="zh-CN" noProof="0" smtClean="0"/>
+              <a:pPr rtl="0"/>
+              <a:t>11</a:t>
+            </a:fld>
+            <a:endParaRPr lang="zh-CN" altLang="en-US" noProof="0" dirty="0"/>
+          </a:p>
+        </p:txBody>
+      </p:sp>
+      <p:sp>
+        <p:nvSpPr>
+          <p:cNvPr id="3" name="内容占位符 2">
+            <a:extLst>
+              <a:ext uri="{FF2B5EF4-FFF2-40B4-BE49-F238E27FC236}">
+                <a16:creationId xmlns:a16="http://schemas.microsoft.com/office/drawing/2014/main" id="{74301BE9-4A52-5B48-9FAD-C411D5CFA272}"/>
+              </a:ext>
+            </a:extLst>
+          </p:cNvPr>
+          <p:cNvSpPr>
+            <a:spLocks noGrp="1"/>
+          </p:cNvSpPr>
+          <p:nvPr>
+            <p:ph idx="4294967295"/>
+          </p:nvPr>
+        </p:nvSpPr>
+        <p:spPr>
+          <a:xfrm>
+            <a:off x="580860" y="789105"/>
+            <a:ext cx="11029950" cy="5756662"/>
+          </a:xfrm>
+        </p:spPr>
+        <p:txBody>
+          <a:bodyPr>
+            <a:noAutofit/>
+          </a:bodyPr>
+          <a:lstStyle/>
+          <a:p>
+            <a:pPr>
+              <a:lnSpc>
+                <a:spcPct val="114000"/>
+              </a:lnSpc>
+              <a:spcBef>
+                <a:spcPts val="800"/>
+              </a:spcBef>
+              <a:spcAft>
+                <a:spcPts val="800"/>
+              </a:spcAft>
+            </a:pPr>
+            <a:r>
+              <a:rPr lang="en-US" altLang="zh-CN" sz="2400" dirty="0">
+                <a:solidFill>
+                  <a:schemeClr val="tx1"/>
+                </a:solidFill>
+              </a:rPr>
+              <a:t>2.6 </a:t>
+            </a:r>
+            <a:r>
+              <a:rPr lang="zh-CN" altLang="zh-CN" sz="2400" dirty="0">
+                <a:solidFill>
+                  <a:schemeClr val="tx1"/>
+                </a:solidFill>
+              </a:rPr>
+              <a:t>将下面的</a:t>
+            </a:r>
+            <a:r>
+              <a:rPr lang="en-US" altLang="zh-CN" sz="2400" dirty="0">
+                <a:solidFill>
+                  <a:schemeClr val="tx1"/>
+                </a:solidFill>
+              </a:rPr>
+              <a:t>EBNF</a:t>
+            </a:r>
+            <a:r>
+              <a:rPr lang="zh-CN" altLang="zh-CN" sz="2400" dirty="0">
+                <a:solidFill>
+                  <a:schemeClr val="tx1"/>
+                </a:solidFill>
+              </a:rPr>
+              <a:t>转换为</a:t>
+            </a:r>
+            <a:r>
+              <a:rPr lang="en-US" altLang="zh-CN" sz="2400" dirty="0">
+                <a:solidFill>
+                  <a:schemeClr val="tx1"/>
+                </a:solidFill>
+              </a:rPr>
+              <a:t>BNF</a:t>
+            </a:r>
+            <a:r>
+              <a:rPr lang="zh-CN" altLang="zh-CN" sz="2400" dirty="0">
+                <a:solidFill>
+                  <a:schemeClr val="tx1"/>
+                </a:solidFill>
+              </a:rPr>
+              <a:t>：</a:t>
+            </a:r>
+          </a:p>
+          <a:p>
+            <a:pPr marL="0" indent="0">
+              <a:spcBef>
+                <a:spcPts val="600"/>
+              </a:spcBef>
+              <a:buNone/>
+            </a:pPr>
+            <a:r>
+              <a:rPr lang="zh-CN" altLang="en-US" sz="2000" dirty="0">
+                <a:solidFill>
+                  <a:schemeClr val="tx1"/>
+                </a:solidFill>
+              </a:rPr>
+              <a:t>         </a:t>
+            </a:r>
+            <a:r>
+              <a:rPr lang="en-US" altLang="zh-CN" sz="2000" dirty="0">
+                <a:solidFill>
+                  <a:schemeClr val="tx1"/>
+                </a:solidFill>
+              </a:rPr>
+              <a:t>S -&gt; A { </a:t>
+            </a:r>
+            <a:r>
+              <a:rPr lang="en-US" altLang="zh-CN" sz="2000" dirty="0" err="1">
+                <a:solidFill>
+                  <a:schemeClr val="tx1"/>
+                </a:solidFill>
+              </a:rPr>
+              <a:t>bA</a:t>
+            </a:r>
+            <a:r>
+              <a:rPr lang="en-US" altLang="zh-CN" sz="2000" dirty="0">
+                <a:solidFill>
+                  <a:schemeClr val="tx1"/>
+                </a:solidFill>
+              </a:rPr>
+              <a:t> }</a:t>
+            </a:r>
+            <a:endParaRPr lang="zh-CN" altLang="zh-CN" sz="2000" dirty="0">
+              <a:solidFill>
+                <a:schemeClr val="tx1"/>
+              </a:solidFill>
+            </a:endParaRPr>
+          </a:p>
+          <a:p>
+            <a:pPr marL="0" indent="0">
+              <a:spcBef>
+                <a:spcPts val="600"/>
+              </a:spcBef>
+              <a:buNone/>
+            </a:pPr>
+            <a:r>
+              <a:rPr lang="zh-CN" altLang="en-US" sz="2000" dirty="0">
+                <a:solidFill>
+                  <a:schemeClr val="tx1"/>
+                </a:solidFill>
+              </a:rPr>
+              <a:t>         </a:t>
+            </a:r>
+            <a:r>
+              <a:rPr lang="en-US" altLang="zh-CN" sz="2000" dirty="0">
+                <a:solidFill>
+                  <a:schemeClr val="tx1"/>
+                </a:solidFill>
+              </a:rPr>
+              <a:t>A -&gt; a [ b ] A</a:t>
+            </a:r>
+            <a:endParaRPr lang="zh-CN" altLang="zh-CN" sz="2000" dirty="0">
+              <a:solidFill>
+                <a:schemeClr val="tx1"/>
+              </a:solidFill>
+            </a:endParaRPr>
+          </a:p>
+          <a:p>
+            <a:pPr>
+              <a:lnSpc>
+                <a:spcPct val="114000"/>
+              </a:lnSpc>
+              <a:spcBef>
+                <a:spcPts val="800"/>
+              </a:spcBef>
+              <a:spcAft>
+                <a:spcPts val="800"/>
+              </a:spcAft>
+            </a:pPr>
+            <a:r>
+              <a:rPr lang="en-US" altLang="zh-CN" sz="2400" dirty="0">
+                <a:solidFill>
+                  <a:schemeClr val="tx1"/>
+                </a:solidFill>
+              </a:rPr>
+              <a:t>2.7 </a:t>
+            </a:r>
+            <a:r>
+              <a:rPr lang="zh-CN" altLang="zh-CN" sz="2400" dirty="0">
+                <a:solidFill>
+                  <a:schemeClr val="tx1"/>
+                </a:solidFill>
+              </a:rPr>
+              <a:t>考虑下列文法：</a:t>
+            </a:r>
+          </a:p>
+          <a:p>
+            <a:pPr marL="0" indent="0">
+              <a:spcBef>
+                <a:spcPts val="600"/>
+              </a:spcBef>
+              <a:buNone/>
+            </a:pPr>
+            <a:r>
+              <a:rPr lang="en-US" altLang="zh-CN" sz="2000" dirty="0">
+                <a:solidFill>
+                  <a:schemeClr val="tx1"/>
+                </a:solidFill>
+              </a:rPr>
+              <a:t>     </a:t>
+            </a:r>
+            <a:r>
+              <a:rPr lang="zh-CN" altLang="en-US" sz="2000" dirty="0">
+                <a:solidFill>
+                  <a:schemeClr val="tx1"/>
+                </a:solidFill>
+              </a:rPr>
+              <a:t>    </a:t>
+            </a:r>
+            <a:r>
+              <a:rPr lang="en-US" altLang="zh-CN" sz="2000" dirty="0">
+                <a:solidFill>
+                  <a:schemeClr val="tx1"/>
+                </a:solidFill>
+              </a:rPr>
+              <a:t>&lt; S &gt; -&gt; &lt; A &gt; a &lt; B &gt; b</a:t>
+            </a:r>
+            <a:endParaRPr lang="zh-CN" altLang="zh-CN" sz="2000" dirty="0">
+              <a:solidFill>
+                <a:schemeClr val="tx1"/>
+              </a:solidFill>
+            </a:endParaRPr>
+          </a:p>
+          <a:p>
+            <a:pPr marL="0" indent="0">
+              <a:spcBef>
+                <a:spcPts val="600"/>
+              </a:spcBef>
+              <a:buNone/>
+            </a:pPr>
+            <a:r>
+              <a:rPr lang="en-US" altLang="zh-CN" sz="2000" dirty="0">
+                <a:solidFill>
+                  <a:schemeClr val="tx1"/>
+                </a:solidFill>
+              </a:rPr>
+              <a:t>     </a:t>
+            </a:r>
+            <a:r>
+              <a:rPr lang="zh-CN" altLang="en-US" sz="2000" dirty="0">
+                <a:solidFill>
+                  <a:schemeClr val="tx1"/>
+                </a:solidFill>
+              </a:rPr>
+              <a:t>    </a:t>
+            </a:r>
+            <a:r>
+              <a:rPr lang="en-US" altLang="zh-CN" sz="2000" dirty="0">
+                <a:solidFill>
+                  <a:schemeClr val="tx1"/>
+                </a:solidFill>
+              </a:rPr>
+              <a:t>&lt; A &gt; -&gt; &lt; A &gt; b | b</a:t>
+            </a:r>
+            <a:endParaRPr lang="zh-CN" altLang="zh-CN" sz="2000" dirty="0">
+              <a:solidFill>
+                <a:schemeClr val="tx1"/>
+              </a:solidFill>
+            </a:endParaRPr>
+          </a:p>
+          <a:p>
+            <a:pPr marL="0" indent="0">
+              <a:spcBef>
+                <a:spcPts val="600"/>
+              </a:spcBef>
+              <a:buNone/>
+            </a:pPr>
+            <a:r>
+              <a:rPr lang="en-US" altLang="zh-CN" sz="2000" dirty="0">
+                <a:solidFill>
+                  <a:schemeClr val="tx1"/>
+                </a:solidFill>
+              </a:rPr>
+              <a:t>     </a:t>
+            </a:r>
+            <a:r>
+              <a:rPr lang="zh-CN" altLang="en-US" sz="2000" dirty="0">
+                <a:solidFill>
+                  <a:schemeClr val="tx1"/>
+                </a:solidFill>
+              </a:rPr>
+              <a:t>    </a:t>
+            </a:r>
+            <a:r>
+              <a:rPr lang="en-US" altLang="zh-CN" sz="2000" dirty="0">
+                <a:solidFill>
+                  <a:schemeClr val="tx1"/>
+                </a:solidFill>
+              </a:rPr>
+              <a:t>&lt; B &gt; -&gt; a &lt; B &gt; | a</a:t>
+            </a:r>
+            <a:endParaRPr lang="zh-CN" altLang="zh-CN" sz="2000" dirty="0">
+              <a:solidFill>
+                <a:schemeClr val="tx1"/>
+              </a:solidFill>
+            </a:endParaRPr>
+          </a:p>
+          <a:p>
+            <a:pPr>
+              <a:lnSpc>
+                <a:spcPct val="114000"/>
+              </a:lnSpc>
+              <a:spcBef>
+                <a:spcPts val="800"/>
+              </a:spcBef>
+              <a:spcAft>
+                <a:spcPts val="800"/>
+              </a:spcAft>
+            </a:pPr>
+            <a:r>
+              <a:rPr lang="zh-CN" altLang="zh-CN" sz="2400" dirty="0">
+                <a:solidFill>
+                  <a:schemeClr val="tx1"/>
+                </a:solidFill>
+              </a:rPr>
+              <a:t>下面的哪些句子属于这些文法所产生的语言？</a:t>
+            </a:r>
+          </a:p>
+          <a:p>
+            <a:pPr marL="0" indent="0">
+              <a:spcBef>
+                <a:spcPts val="600"/>
+              </a:spcBef>
+              <a:buNone/>
+            </a:pPr>
+            <a:r>
+              <a:rPr lang="zh-CN" altLang="en-US" sz="2000" dirty="0">
+                <a:solidFill>
+                  <a:schemeClr val="tx1"/>
+                </a:solidFill>
+              </a:rPr>
+              <a:t>    </a:t>
+            </a:r>
+            <a:r>
+              <a:rPr lang="en-US" altLang="zh-CN" sz="2000" dirty="0" err="1">
+                <a:solidFill>
+                  <a:schemeClr val="tx1"/>
+                </a:solidFill>
+              </a:rPr>
+              <a:t>baab</a:t>
+            </a:r>
+            <a:endParaRPr lang="zh-CN" altLang="zh-CN" sz="2000" dirty="0">
+              <a:solidFill>
+                <a:schemeClr val="tx1"/>
+              </a:solidFill>
+            </a:endParaRPr>
+          </a:p>
+          <a:p>
+            <a:pPr marL="0" indent="0">
+              <a:spcBef>
+                <a:spcPts val="600"/>
+              </a:spcBef>
+              <a:buNone/>
+            </a:pPr>
+            <a:r>
+              <a:rPr lang="zh-CN" altLang="en-US" sz="2000" dirty="0">
+                <a:solidFill>
+                  <a:schemeClr val="tx1"/>
+                </a:solidFill>
+              </a:rPr>
+              <a:t>    </a:t>
+            </a:r>
+            <a:r>
+              <a:rPr lang="en-US" altLang="zh-CN" sz="2000" dirty="0" err="1">
+                <a:solidFill>
+                  <a:schemeClr val="tx1"/>
+                </a:solidFill>
+              </a:rPr>
+              <a:t>bbbab</a:t>
+            </a:r>
+            <a:endParaRPr lang="zh-CN" altLang="zh-CN" sz="2000" dirty="0">
+              <a:solidFill>
+                <a:schemeClr val="tx1"/>
+              </a:solidFill>
+            </a:endParaRPr>
+          </a:p>
+          <a:p>
+            <a:pPr marL="0" indent="0">
+              <a:spcBef>
+                <a:spcPts val="600"/>
+              </a:spcBef>
+              <a:buNone/>
+            </a:pPr>
+            <a:r>
+              <a:rPr lang="zh-CN" altLang="en-US" sz="2000" dirty="0">
+                <a:solidFill>
+                  <a:schemeClr val="tx1"/>
+                </a:solidFill>
+              </a:rPr>
+              <a:t>    </a:t>
+            </a:r>
+            <a:r>
+              <a:rPr lang="en-US" altLang="zh-CN" sz="2000" dirty="0" err="1">
+                <a:solidFill>
+                  <a:schemeClr val="tx1"/>
+                </a:solidFill>
+              </a:rPr>
+              <a:t>bbaaaaa</a:t>
+            </a:r>
+            <a:endParaRPr lang="zh-CN" altLang="zh-CN" sz="2000" dirty="0">
+              <a:solidFill>
+                <a:schemeClr val="tx1"/>
+              </a:solidFill>
+            </a:endParaRPr>
+          </a:p>
+          <a:p>
+            <a:pPr marL="0" indent="0">
+              <a:spcBef>
+                <a:spcPts val="600"/>
+              </a:spcBef>
+              <a:buNone/>
+            </a:pPr>
+            <a:r>
+              <a:rPr lang="zh-CN" altLang="en-US" sz="2000" dirty="0">
+                <a:solidFill>
+                  <a:schemeClr val="tx1"/>
+                </a:solidFill>
+              </a:rPr>
+              <a:t>    </a:t>
+            </a:r>
+            <a:r>
+              <a:rPr lang="en-US" altLang="zh-CN" sz="2000" dirty="0" err="1">
+                <a:solidFill>
+                  <a:schemeClr val="tx1"/>
+                </a:solidFill>
+              </a:rPr>
+              <a:t>bbaab</a:t>
+            </a:r>
+            <a:endParaRPr lang="zh-CN" altLang="zh-CN" sz="2000" dirty="0">
+              <a:solidFill>
+                <a:schemeClr val="tx1"/>
+              </a:solidFill>
+            </a:endParaRPr>
+          </a:p>
+        </p:txBody>
+      </p:sp>
+      <p:sp>
+        <p:nvSpPr>
+          <p:cNvPr id="6" name="矩形 5">
+            <a:extLst>
+              <a:ext uri="{FF2B5EF4-FFF2-40B4-BE49-F238E27FC236}">
+                <a16:creationId xmlns:a16="http://schemas.microsoft.com/office/drawing/2014/main" id="{A2CE1302-5661-6640-94E2-089BDE97EA88}"/>
+              </a:ext>
+            </a:extLst>
+          </p:cNvPr>
+          <p:cNvSpPr/>
+          <p:nvPr/>
+        </p:nvSpPr>
+        <p:spPr>
+          <a:xfrm>
+            <a:off x="5644429" y="-13855"/>
+            <a:ext cx="902811" cy="523220"/>
+          </a:xfrm>
+          <a:prstGeom prst="rect">
+            <a:avLst/>
+          </a:prstGeom>
+        </p:spPr>
+        <p:txBody>
+          <a:bodyPr wrap="none">
+            <a:spAutoFit/>
+          </a:bodyPr>
+          <a:lstStyle/>
+          <a:p>
+            <a:r>
+              <a:rPr lang="zh-CN" altLang="en-US" sz="2800" b="1" dirty="0">
+                <a:latin typeface="Microsoft YaHei" panose="020B0503020204020204" pitchFamily="34" charset="-122"/>
+                <a:ea typeface="Microsoft YaHei" panose="020B0503020204020204" pitchFamily="34" charset="-122"/>
+              </a:rPr>
+              <a:t>作业</a:t>
+            </a:r>
+          </a:p>
+        </p:txBody>
+      </p:sp>
+    </p:spTree>
+    <p:extLst>
+      <p:ext uri="{BB962C8B-B14F-4D97-AF65-F5344CB8AC3E}">
+        <p14:creationId xmlns:p14="http://schemas.microsoft.com/office/powerpoint/2010/main" val="1733270570"/>
+      </p:ext>
+    </p:extLst>
+  </p:cSld>
+  <p:clrMapOvr>
+    <a:masterClrMapping/>
+  </p:clrMapOvr>
+</p:sld>
+</file>
+
 <file path=ppt/slides/slide2.xml><?xml version="1.0" encoding="utf-8"?>
 <p:sld xmlns:a="http://schemas.openxmlformats.org/drawingml/2006/main" xmlns:r="http://schemas.openxmlformats.org/officeDocument/2006/relationships" xmlns:p="http://schemas.openxmlformats.org/presentationml/2006/main">
   <p:cSld>
@@ -3416,15 +5286,15 @@
       </p:grpSpPr>
       <p:sp>
         <p:nvSpPr>
-          <p:cNvPr id="2" name="标题 1">
-            <a:extLst>
-              <a:ext uri="{FF2B5EF4-FFF2-40B4-BE49-F238E27FC236}">
-                <a16:creationId xmlns:a16="http://schemas.microsoft.com/office/drawing/2014/main" id="{A7DFDD63-82DA-4499-B06F-5F1232474A1E}"/>
-              </a:ext>
-            </a:extLst>
-          </p:cNvPr>
-          <p:cNvSpPr>
-            <a:spLocks noGrp="1"/>
+          <p:cNvPr id="4098" name="标题 1">
+            <a:extLst>
+              <a:ext uri="{FF2B5EF4-FFF2-40B4-BE49-F238E27FC236}">
+                <a16:creationId xmlns:a16="http://schemas.microsoft.com/office/drawing/2014/main" id="{2451B737-017A-4BE7-92B1-ACD34632127F}"/>
+              </a:ext>
+            </a:extLst>
+          </p:cNvPr>
+          <p:cNvSpPr>
+            <a:spLocks noGrp="1" noChangeArrowheads="1"/>
           </p:cNvSpPr>
           <p:nvPr>
             <p:ph type="title"/>
@@ -3437,7 +5307,7 @@
           <a:p>
             <a:r>
               <a:rPr lang="en-US" altLang="zh-CN" dirty="0"/>
-              <a:t>Lec03</a:t>
+              <a:t>Lec04</a:t>
             </a:r>
             <a:endParaRPr lang="zh-CN" altLang="en-US" dirty="0"/>
           </a:p>
@@ -3445,15 +5315,15 @@
       </p:sp>
       <p:sp>
         <p:nvSpPr>
-          <p:cNvPr id="3" name="内容占位符 2">
-            <a:extLst>
-              <a:ext uri="{FF2B5EF4-FFF2-40B4-BE49-F238E27FC236}">
-                <a16:creationId xmlns:a16="http://schemas.microsoft.com/office/drawing/2014/main" id="{D22DF771-6A2F-4171-AD79-F2C9537F1BA7}"/>
-              </a:ext>
-            </a:extLst>
-          </p:cNvPr>
-          <p:cNvSpPr>
-            <a:spLocks noGrp="1"/>
+          <p:cNvPr id="4099" name="内容占位符 2">
+            <a:extLst>
+              <a:ext uri="{FF2B5EF4-FFF2-40B4-BE49-F238E27FC236}">
+                <a16:creationId xmlns:a16="http://schemas.microsoft.com/office/drawing/2014/main" id="{9F27693D-8BDA-4383-A92B-E32834E11450}"/>
+              </a:ext>
+            </a:extLst>
+          </p:cNvPr>
+          <p:cNvSpPr>
+            <a:spLocks noGrp="1" noChangeArrowheads="1"/>
           </p:cNvSpPr>
           <p:nvPr>
             <p:ph idx="1"/>
@@ -3461,197 +5331,98 @@
         </p:nvSpPr>
         <p:spPr/>
         <p:txBody>
-          <a:bodyPr>
-            <a:normAutofit fontScale="92500" lnSpcReduction="10000"/>
-          </a:bodyPr>
+          <a:bodyPr/>
           <a:lstStyle/>
           <a:p>
             <a:r>
-              <a:rPr lang="zh-CN" altLang="en-US" dirty="0"/>
-              <a:t>给出指针类型的运算说明。生存期如何？（</a:t>
-            </a:r>
-            <a:r>
-              <a:rPr lang="en-US" altLang="zh-CN" dirty="0"/>
-              <a:t>V</a:t>
-            </a:r>
-            <a:r>
-              <a:rPr lang="zh-CN" altLang="en-US" dirty="0"/>
-              <a:t>，</a:t>
-            </a:r>
-            <a:r>
-              <a:rPr lang="en-US" altLang="zh-CN" dirty="0"/>
-              <a:t>OP</a:t>
-            </a:r>
-            <a:r>
-              <a:rPr lang="zh-CN" altLang="en-US" dirty="0"/>
-              <a:t>）</a:t>
-            </a:r>
-            <a:endParaRPr lang="en-US" altLang="zh-CN" dirty="0"/>
-          </a:p>
-          <a:p>
-            <a:r>
-              <a:rPr lang="zh-CN" altLang="en-US" dirty="0"/>
-              <a:t>静态作用域有无闭包机制，比如</a:t>
-            </a:r>
-            <a:r>
-              <a:rPr lang="en-US" altLang="zh-CN" dirty="0"/>
-              <a:t>basic</a:t>
-            </a:r>
-            <a:r>
-              <a:rPr lang="zh-CN" altLang="en-US" dirty="0"/>
-              <a:t>语言。为什么？</a:t>
-            </a:r>
-            <a:endParaRPr lang="en-US" altLang="zh-CN" dirty="0"/>
-          </a:p>
-          <a:p>
-            <a:r>
-              <a:rPr lang="en-US" altLang="zh-CN" dirty="0"/>
-              <a:t>C</a:t>
-            </a:r>
-            <a:r>
-              <a:rPr lang="zh-CN" altLang="en-US" dirty="0"/>
-              <a:t>语言中，在函数外定义一个</a:t>
-            </a:r>
-            <a:r>
-              <a:rPr lang="en-US" altLang="zh-CN" dirty="0"/>
-              <a:t>static</a:t>
-            </a:r>
-            <a:r>
-              <a:rPr lang="zh-CN" altLang="en-US" dirty="0"/>
-              <a:t>变量和在函数内定义一个</a:t>
-            </a:r>
-            <a:r>
-              <a:rPr lang="en-US" altLang="zh-CN" dirty="0"/>
-              <a:t>static</a:t>
-            </a:r>
-            <a:r>
-              <a:rPr lang="zh-CN" altLang="en-US" dirty="0"/>
-              <a:t>变量的区别是什么？</a:t>
-            </a:r>
-            <a:endParaRPr lang="en-US" altLang="zh-CN" dirty="0"/>
-          </a:p>
-          <a:p>
-            <a:r>
-              <a:rPr lang="zh-CN" altLang="en-US" dirty="0"/>
-              <a:t>考虑下面的</a:t>
-            </a:r>
-            <a:r>
-              <a:rPr lang="en-US" altLang="zh-CN" dirty="0"/>
-              <a:t>C</a:t>
-            </a:r>
-            <a:r>
-              <a:rPr lang="zh-CN" altLang="en-US" dirty="0"/>
-              <a:t>程序：</a:t>
-            </a:r>
-            <a:endParaRPr lang="en-US" altLang="zh-CN" dirty="0"/>
-          </a:p>
-          <a:p>
-            <a:pPr marL="0" indent="0">
-              <a:buNone/>
-            </a:pPr>
-            <a:r>
-              <a:rPr lang="en-US" altLang="zh-CN" dirty="0"/>
-              <a:t>	int fun(int *</a:t>
-            </a:r>
-            <a:r>
-              <a:rPr lang="en-US" altLang="zh-CN" dirty="0" err="1"/>
-              <a:t>i</a:t>
-            </a:r>
-            <a:r>
-              <a:rPr lang="en-US" altLang="zh-CN" dirty="0"/>
-              <a:t>){	*</a:t>
-            </a:r>
-            <a:r>
-              <a:rPr lang="en-US" altLang="zh-CN" dirty="0" err="1"/>
-              <a:t>i</a:t>
-            </a:r>
-            <a:r>
-              <a:rPr lang="en-US" altLang="zh-CN" dirty="0"/>
-              <a:t> += 5;	return 4;}</a:t>
-            </a:r>
-          </a:p>
-          <a:p>
-            <a:pPr marL="0" indent="0">
-              <a:buNone/>
-            </a:pPr>
-            <a:r>
-              <a:rPr lang="en-US" altLang="zh-CN" dirty="0"/>
-              <a:t>	void main(){ int x = 3; 	x=</a:t>
-            </a:r>
-            <a:r>
-              <a:rPr lang="en-US" altLang="zh-CN" dirty="0" err="1"/>
-              <a:t>x+fun</a:t>
-            </a:r>
-            <a:r>
-              <a:rPr lang="en-US" altLang="zh-CN" dirty="0"/>
-              <a:t>(&amp;x);}</a:t>
-            </a:r>
-          </a:p>
-          <a:p>
-            <a:pPr marL="0" indent="0">
-              <a:buNone/>
-            </a:pPr>
-            <a:r>
-              <a:rPr lang="en-US" altLang="zh-CN" dirty="0"/>
-              <a:t>	</a:t>
-            </a:r>
-            <a:r>
-              <a:rPr lang="zh-CN" altLang="en-US" dirty="0"/>
-              <a:t>在</a:t>
-            </a:r>
-            <a:r>
-              <a:rPr lang="en-US" altLang="zh-CN" dirty="0"/>
-              <a:t>main</a:t>
-            </a:r>
-            <a:r>
-              <a:rPr lang="zh-CN" altLang="en-US" dirty="0"/>
-              <a:t>中的赋值语句之后，</a:t>
-            </a:r>
-            <a:r>
-              <a:rPr lang="en-US" altLang="zh-CN" dirty="0"/>
-              <a:t>x</a:t>
-            </a:r>
-            <a:r>
-              <a:rPr lang="zh-CN" altLang="en-US" dirty="0"/>
-              <a:t>的值是什么，假设</a:t>
-            </a:r>
-            <a:endParaRPr lang="en-US" altLang="zh-CN" dirty="0"/>
-          </a:p>
-          <a:p>
-            <a:pPr marL="0" indent="0">
-              <a:buNone/>
-            </a:pPr>
-            <a:r>
-              <a:rPr lang="en-US" altLang="zh-CN" dirty="0"/>
-              <a:t>	a.	</a:t>
-            </a:r>
-            <a:r>
-              <a:rPr lang="zh-CN" altLang="en-US" dirty="0"/>
-              <a:t>操作数是以从左到右的顺序来求值的。</a:t>
-            </a:r>
-            <a:endParaRPr lang="en-US" altLang="zh-CN" dirty="0"/>
-          </a:p>
-          <a:p>
-            <a:pPr marL="0" indent="0">
-              <a:buNone/>
-            </a:pPr>
-            <a:r>
-              <a:rPr lang="en-US" altLang="zh-CN" dirty="0"/>
-              <a:t>	b.	</a:t>
-            </a:r>
-            <a:r>
-              <a:rPr lang="zh-CN" altLang="en-US" dirty="0"/>
-              <a:t>操作数是以从右到左的顺序来求值的。</a:t>
-            </a:r>
+              <a:rPr lang="en-US" altLang="zh-CN"/>
+              <a:t>Java</a:t>
+            </a:r>
+            <a:r>
+              <a:rPr lang="zh-CN" altLang="en-US"/>
+              <a:t>的对象如何算相同</a:t>
+            </a:r>
+            <a:endParaRPr lang="en-US" altLang="zh-CN"/>
+          </a:p>
+          <a:p>
+            <a:pPr lvl="1"/>
+            <a:r>
+              <a:rPr lang="zh-CN" altLang="en-US"/>
+              <a:t>举出一个场景，你必须改写现有类库的</a:t>
+            </a:r>
+            <a:r>
+              <a:rPr lang="en-US" altLang="zh-CN"/>
+              <a:t>equals</a:t>
+            </a:r>
+            <a:r>
+              <a:rPr lang="zh-CN" altLang="en-US"/>
+              <a:t>方法</a:t>
+            </a:r>
+            <a:endParaRPr lang="en-US" altLang="zh-CN"/>
+          </a:p>
+          <a:p>
+            <a:r>
+              <a:rPr lang="zh-CN" altLang="en-US">
+                <a:latin typeface="宋体" panose="02010600030101010101" pitchFamily="2" charset="-122"/>
+              </a:rPr>
+              <a:t>总结</a:t>
+            </a:r>
+            <a:r>
+              <a:rPr lang="en-US" altLang="zh-CN">
+                <a:latin typeface="宋体" panose="02010600030101010101" pitchFamily="2" charset="-122"/>
+              </a:rPr>
+              <a:t>JavaScript</a:t>
+            </a:r>
+            <a:r>
+              <a:rPr lang="zh-CN" altLang="en-US">
+                <a:latin typeface="宋体" panose="02010600030101010101" pitchFamily="2" charset="-122"/>
+              </a:rPr>
+              <a:t>语言的面向对象特征，你认为</a:t>
+            </a:r>
+            <a:r>
+              <a:rPr lang="en-US" altLang="zh-CN">
+                <a:latin typeface="宋体" panose="02010600030101010101" pitchFamily="2" charset="-122"/>
+              </a:rPr>
+              <a:t>JavaScript(</a:t>
+            </a:r>
+            <a:r>
+              <a:rPr lang="zh-CN" altLang="en-US">
+                <a:latin typeface="宋体" panose="02010600030101010101" pitchFamily="2" charset="-122"/>
+              </a:rPr>
+              <a:t>是</a:t>
+            </a:r>
+            <a:r>
+              <a:rPr lang="en-US" altLang="zh-CN">
+                <a:latin typeface="宋体" panose="02010600030101010101" pitchFamily="2" charset="-122"/>
+              </a:rPr>
+              <a:t>/</a:t>
+            </a:r>
+            <a:r>
+              <a:rPr lang="zh-CN" altLang="en-US">
+                <a:latin typeface="宋体" panose="02010600030101010101" pitchFamily="2" charset="-122"/>
+              </a:rPr>
+              <a:t>否</a:t>
+            </a:r>
+            <a:r>
+              <a:rPr lang="en-US" altLang="zh-CN">
+                <a:latin typeface="宋体" panose="02010600030101010101" pitchFamily="2" charset="-122"/>
+              </a:rPr>
+              <a:t>)</a:t>
+            </a:r>
+            <a:r>
+              <a:rPr lang="zh-CN" altLang="en-US">
+                <a:latin typeface="宋体" panose="02010600030101010101" pitchFamily="2" charset="-122"/>
+              </a:rPr>
+              <a:t>归属于面向对象语言的理由是什么？</a:t>
+            </a:r>
+            <a:endParaRPr lang="zh-CN" altLang="en-US"/>
+          </a:p>
+          <a:p>
+            <a:endParaRPr lang="zh-CN" altLang="en-US"/>
           </a:p>
         </p:txBody>
       </p:sp>
     </p:spTree>
-    <p:extLst>
-      <p:ext uri="{BB962C8B-B14F-4D97-AF65-F5344CB8AC3E}">
-        <p14:creationId xmlns:p14="http://schemas.microsoft.com/office/powerpoint/2010/main" val="325360047"/>
-      </p:ext>
-    </p:extLst>
   </p:cSld>
   <p:clrMapOvr>
     <a:masterClrMapping/>
@@ -3678,224 +5449,639 @@
       </p:grpSpPr>
       <p:sp>
         <p:nvSpPr>
-          <p:cNvPr id="2" name="标题 1">
-            <a:extLst>
-              <a:ext uri="{FF2B5EF4-FFF2-40B4-BE49-F238E27FC236}">
-                <a16:creationId xmlns:a16="http://schemas.microsoft.com/office/drawing/2014/main" id="{75D88021-0853-4D28-AC76-23DB83E2308A}"/>
-              </a:ext>
-            </a:extLst>
-          </p:cNvPr>
-          <p:cNvSpPr>
-            <a:spLocks noGrp="1"/>
-          </p:cNvSpPr>
-          <p:nvPr>
-            <p:ph type="title"/>
-          </p:nvPr>
-        </p:nvSpPr>
-        <p:spPr/>
+          <p:cNvPr id="2" name="Rectangle 2">
+            <a:extLst>
+              <a:ext uri="{FF2B5EF4-FFF2-40B4-BE49-F238E27FC236}">
+                <a16:creationId xmlns:a16="http://schemas.microsoft.com/office/drawing/2014/main" id="{9B5135E6-48B3-4C6B-911C-8F22455ABE2C}"/>
+              </a:ext>
+            </a:extLst>
+          </p:cNvPr>
+          <p:cNvSpPr txBox="1">
+            <a:spLocks noChangeArrowheads="1"/>
+          </p:cNvSpPr>
+          <p:nvPr/>
+        </p:nvSpPr>
+        <p:spPr bwMode="auto">
+          <a:xfrm>
+            <a:off x="2209800" y="34926"/>
+            <a:ext cx="7772400" cy="938213"/>
+          </a:xfrm>
+          <a:prstGeom prst="rect">
+            <a:avLst/>
+          </a:prstGeom>
+          <a:noFill/>
+          <a:ln w="9525">
+            <a:noFill/>
+            <a:miter lim="800000"/>
+            <a:headEnd/>
+            <a:tailEnd/>
+          </a:ln>
+        </p:spPr>
+        <p:txBody>
+          <a:bodyPr anchor="ctr"/>
+          <a:lstStyle/>
+          <a:p>
+            <a:pPr algn="ctr" eaLnBrk="1" hangingPunct="1">
+              <a:defRPr/>
+            </a:pPr>
+            <a:r>
+              <a:rPr lang="en-US" altLang="zh-CN" sz="3200" kern="0" dirty="0">
+                <a:solidFill>
+                  <a:schemeClr val="tx2"/>
+                </a:solidFill>
+                <a:latin typeface="+mj-lt"/>
+                <a:ea typeface="+mj-ea"/>
+                <a:cs typeface="+mj-cs"/>
+              </a:rPr>
+              <a:t>Java </a:t>
+            </a:r>
+            <a:r>
+              <a:rPr lang="zh-CN" altLang="en-US" sz="3200" kern="0" dirty="0">
+                <a:solidFill>
+                  <a:schemeClr val="tx2"/>
+                </a:solidFill>
+                <a:latin typeface="+mj-lt"/>
+                <a:ea typeface="+mj-ea"/>
+                <a:cs typeface="+mj-cs"/>
+              </a:rPr>
+              <a:t>类的多态</a:t>
+            </a:r>
+            <a:endParaRPr lang="zh-CN" altLang="zh-CN" sz="3200" kern="0" dirty="0">
+              <a:solidFill>
+                <a:schemeClr val="tx2"/>
+              </a:solidFill>
+              <a:latin typeface="+mj-lt"/>
+              <a:ea typeface="+mj-ea"/>
+              <a:cs typeface="+mj-cs"/>
+            </a:endParaRPr>
+          </a:p>
+        </p:txBody>
+      </p:sp>
+      <p:sp>
+        <p:nvSpPr>
+          <p:cNvPr id="3" name="Rectangle 3">
+            <a:extLst>
+              <a:ext uri="{FF2B5EF4-FFF2-40B4-BE49-F238E27FC236}">
+                <a16:creationId xmlns:a16="http://schemas.microsoft.com/office/drawing/2014/main" id="{4A3279EF-CF16-4A16-B0DA-E31A3CB84151}"/>
+              </a:ext>
+            </a:extLst>
+          </p:cNvPr>
+          <p:cNvSpPr txBox="1">
+            <a:spLocks noChangeArrowheads="1"/>
+          </p:cNvSpPr>
+          <p:nvPr/>
+        </p:nvSpPr>
+        <p:spPr bwMode="auto">
+          <a:xfrm>
+            <a:off x="1573213" y="1155701"/>
+            <a:ext cx="4824412" cy="4225925"/>
+          </a:xfrm>
+          <a:prstGeom prst="rect">
+            <a:avLst/>
+          </a:prstGeom>
+          <a:noFill/>
+          <a:ln w="9525">
+            <a:noFill/>
+            <a:miter lim="800000"/>
+            <a:headEnd/>
+            <a:tailEnd/>
+          </a:ln>
+        </p:spPr>
+        <p:txBody>
+          <a:bodyPr/>
+          <a:lstStyle/>
+          <a:p>
+            <a:pPr eaLnBrk="1" hangingPunct="1">
+              <a:spcBef>
+                <a:spcPct val="20000"/>
+              </a:spcBef>
+              <a:defRPr/>
+            </a:pPr>
+            <a:r>
+              <a:rPr lang="en-US" altLang="zh-CN" sz="1600" kern="0" dirty="0"/>
+              <a:t>class </a:t>
+            </a:r>
+            <a:r>
+              <a:rPr lang="en-US" altLang="zh-CN" sz="1600" kern="0" dirty="0" err="1"/>
+              <a:t>TalkingClock</a:t>
+            </a:r>
+            <a:endParaRPr lang="en-US" altLang="zh-CN" sz="1600" kern="0" dirty="0"/>
+          </a:p>
+          <a:p>
+            <a:pPr eaLnBrk="1" hangingPunct="1">
+              <a:spcBef>
+                <a:spcPct val="20000"/>
+              </a:spcBef>
+              <a:defRPr/>
+            </a:pPr>
+            <a:r>
+              <a:rPr lang="en-US" altLang="zh-CN" sz="1600" kern="0" dirty="0"/>
+              <a:t>{</a:t>
+            </a:r>
+          </a:p>
+          <a:p>
+            <a:pPr eaLnBrk="1" hangingPunct="1">
+              <a:spcBef>
+                <a:spcPct val="20000"/>
+              </a:spcBef>
+              <a:defRPr/>
+            </a:pPr>
+            <a:r>
+              <a:rPr lang="en-US" altLang="zh-CN" sz="1600" kern="0" dirty="0"/>
+              <a:t>     private int interval;</a:t>
+            </a:r>
+          </a:p>
+          <a:p>
+            <a:pPr eaLnBrk="1" hangingPunct="1">
+              <a:spcBef>
+                <a:spcPct val="20000"/>
+              </a:spcBef>
+              <a:defRPr/>
+            </a:pPr>
+            <a:r>
+              <a:rPr lang="en-US" altLang="zh-CN" sz="1600" kern="0" dirty="0"/>
+              <a:t>     private </a:t>
+            </a:r>
+            <a:r>
+              <a:rPr lang="en-US" altLang="zh-CN" sz="1600" kern="0" dirty="0" err="1"/>
+              <a:t>boolean</a:t>
+            </a:r>
+            <a:r>
+              <a:rPr lang="en-US" altLang="zh-CN" sz="1600" kern="0" dirty="0"/>
+              <a:t> beep;</a:t>
+            </a:r>
+          </a:p>
+          <a:p>
+            <a:pPr eaLnBrk="1" hangingPunct="1">
+              <a:spcBef>
+                <a:spcPct val="20000"/>
+              </a:spcBef>
+              <a:defRPr/>
+            </a:pPr>
+            <a:r>
+              <a:rPr lang="en-US" altLang="zh-CN" sz="1600" kern="0" dirty="0"/>
+              <a:t>     public </a:t>
+            </a:r>
+            <a:r>
+              <a:rPr lang="en-US" altLang="zh-CN" sz="1600" kern="0" dirty="0" err="1"/>
+              <a:t>TalkingClock</a:t>
+            </a:r>
+            <a:r>
+              <a:rPr lang="en-US" altLang="zh-CN" sz="1600" kern="0" dirty="0"/>
+              <a:t>(int interval, </a:t>
+            </a:r>
+            <a:r>
+              <a:rPr lang="en-US" altLang="zh-CN" sz="1600" kern="0" dirty="0" err="1"/>
+              <a:t>boolean</a:t>
+            </a:r>
+            <a:r>
+              <a:rPr lang="en-US" altLang="zh-CN" sz="1600" kern="0" dirty="0"/>
+              <a:t> beep){…}</a:t>
+            </a:r>
+          </a:p>
+          <a:p>
+            <a:pPr eaLnBrk="1" hangingPunct="1">
+              <a:spcBef>
+                <a:spcPct val="20000"/>
+              </a:spcBef>
+              <a:defRPr/>
+            </a:pPr>
+            <a:r>
+              <a:rPr lang="en-US" altLang="zh-CN" sz="1600" kern="0" dirty="0"/>
+              <a:t>     public void start(){…}</a:t>
+            </a:r>
+          </a:p>
+          <a:p>
+            <a:pPr eaLnBrk="1" hangingPunct="1">
+              <a:spcBef>
+                <a:spcPct val="20000"/>
+              </a:spcBef>
+              <a:defRPr/>
+            </a:pPr>
+            <a:endParaRPr lang="en-US" altLang="zh-CN" sz="1600" kern="0" dirty="0"/>
+          </a:p>
+          <a:p>
+            <a:pPr eaLnBrk="1" hangingPunct="1">
+              <a:spcBef>
+                <a:spcPct val="20000"/>
+              </a:spcBef>
+              <a:defRPr/>
+            </a:pPr>
+            <a:r>
+              <a:rPr lang="en-US" altLang="zh-CN" sz="1600" kern="0" dirty="0"/>
+              <a:t>     public class </a:t>
+            </a:r>
+            <a:r>
+              <a:rPr lang="en-US" altLang="zh-CN" sz="1600" kern="0" dirty="0" err="1"/>
+              <a:t>TimePrinter</a:t>
+            </a:r>
+            <a:r>
+              <a:rPr lang="en-US" altLang="zh-CN" sz="1600" kern="0" dirty="0"/>
+              <a:t> implements ActionListener</a:t>
+            </a:r>
+          </a:p>
+          <a:p>
+            <a:pPr eaLnBrk="1" hangingPunct="1">
+              <a:spcBef>
+                <a:spcPct val="20000"/>
+              </a:spcBef>
+              <a:defRPr/>
+            </a:pPr>
+            <a:r>
+              <a:rPr lang="en-US" altLang="zh-CN" sz="1600" kern="0" dirty="0"/>
+              <a:t>     // an inner class</a:t>
+            </a:r>
+          </a:p>
+          <a:p>
+            <a:pPr eaLnBrk="1" hangingPunct="1">
+              <a:spcBef>
+                <a:spcPct val="20000"/>
+              </a:spcBef>
+              <a:defRPr/>
+            </a:pPr>
+            <a:r>
+              <a:rPr lang="en-US" altLang="zh-CN" sz="1600" kern="0" dirty="0"/>
+              <a:t>    {</a:t>
+            </a:r>
+          </a:p>
+          <a:p>
+            <a:pPr eaLnBrk="1" hangingPunct="1">
+              <a:spcBef>
+                <a:spcPct val="20000"/>
+              </a:spcBef>
+              <a:defRPr/>
+            </a:pPr>
+            <a:r>
+              <a:rPr lang="en-US" altLang="zh-CN" sz="1600" kern="0" dirty="0"/>
+              <a:t>       …</a:t>
+            </a:r>
+          </a:p>
+          <a:p>
+            <a:pPr eaLnBrk="1" hangingPunct="1">
+              <a:spcBef>
+                <a:spcPct val="20000"/>
+              </a:spcBef>
+              <a:defRPr/>
+            </a:pPr>
+            <a:r>
+              <a:rPr lang="en-US" altLang="zh-CN" sz="1600" kern="0" dirty="0"/>
+              <a:t>    }</a:t>
+            </a:r>
+          </a:p>
+          <a:p>
+            <a:pPr eaLnBrk="1" hangingPunct="1">
+              <a:spcBef>
+                <a:spcPct val="20000"/>
+              </a:spcBef>
+              <a:defRPr/>
+            </a:pPr>
+            <a:r>
+              <a:rPr lang="en-US" altLang="zh-CN" sz="1600" kern="0" dirty="0"/>
+              <a:t>}</a:t>
+            </a:r>
+          </a:p>
+        </p:txBody>
+      </p:sp>
+      <p:sp>
+        <p:nvSpPr>
+          <p:cNvPr id="4" name="Rectangle 3">
+            <a:extLst>
+              <a:ext uri="{FF2B5EF4-FFF2-40B4-BE49-F238E27FC236}">
+                <a16:creationId xmlns:a16="http://schemas.microsoft.com/office/drawing/2014/main" id="{6015D4F8-828B-40F5-AACD-791178BBD449}"/>
+              </a:ext>
+            </a:extLst>
+          </p:cNvPr>
+          <p:cNvSpPr txBox="1">
+            <a:spLocks noChangeArrowheads="1"/>
+          </p:cNvSpPr>
+          <p:nvPr/>
+        </p:nvSpPr>
+        <p:spPr bwMode="auto">
+          <a:xfrm>
+            <a:off x="4511675" y="4149725"/>
+            <a:ext cx="5943600" cy="2528888"/>
+          </a:xfrm>
+          <a:prstGeom prst="rect">
+            <a:avLst/>
+          </a:prstGeom>
+          <a:noFill/>
+          <a:ln w="9525">
+            <a:noFill/>
+            <a:miter lim="800000"/>
+            <a:headEnd/>
+            <a:tailEnd/>
+          </a:ln>
+        </p:spPr>
+        <p:txBody>
+          <a:bodyPr/>
+          <a:lstStyle/>
+          <a:p>
+            <a:pPr eaLnBrk="1" hangingPunct="1">
+              <a:spcBef>
+                <a:spcPct val="20000"/>
+              </a:spcBef>
+              <a:defRPr/>
+            </a:pPr>
+            <a:r>
+              <a:rPr lang="en-US" altLang="zh-CN" sz="1600" kern="0" dirty="0"/>
+              <a:t>class </a:t>
+            </a:r>
+            <a:r>
+              <a:rPr lang="en-US" altLang="zh-CN" sz="1600" kern="0" dirty="0" err="1"/>
+              <a:t>TimePrinter</a:t>
+            </a:r>
+            <a:r>
+              <a:rPr lang="en-US" altLang="zh-CN" sz="1600" kern="0" dirty="0"/>
+              <a:t> implements </a:t>
+            </a:r>
+            <a:r>
+              <a:rPr lang="en-US" altLang="zh-CN" sz="1600" kern="0" dirty="0" err="1"/>
+              <a:t>ActionListener</a:t>
+            </a:r>
+            <a:endParaRPr lang="en-US" altLang="zh-CN" sz="1600" kern="0" dirty="0"/>
+          </a:p>
+          <a:p>
+            <a:pPr eaLnBrk="1" hangingPunct="1">
+              <a:spcBef>
+                <a:spcPct val="20000"/>
+              </a:spcBef>
+              <a:defRPr/>
+            </a:pPr>
+            <a:r>
+              <a:rPr lang="en-US" altLang="zh-CN" sz="1600" kern="0" dirty="0"/>
+              <a:t>{</a:t>
+            </a:r>
+          </a:p>
+          <a:p>
+            <a:pPr lvl="1" eaLnBrk="1" hangingPunct="1">
+              <a:spcBef>
+                <a:spcPct val="20000"/>
+              </a:spcBef>
+              <a:defRPr/>
+            </a:pPr>
+            <a:r>
+              <a:rPr lang="en-US" altLang="zh-CN" sz="1600" kern="0" dirty="0"/>
+              <a:t>   public void </a:t>
+            </a:r>
+            <a:r>
+              <a:rPr lang="en-US" altLang="zh-CN" sz="1600" kern="0" dirty="0" err="1"/>
+              <a:t>actionPerformed</a:t>
+            </a:r>
+            <a:r>
+              <a:rPr lang="en-US" altLang="zh-CN" sz="1600" kern="0" dirty="0"/>
+              <a:t>(</a:t>
+            </a:r>
+            <a:r>
+              <a:rPr lang="en-US" altLang="zh-CN" sz="1600" kern="0" dirty="0" err="1"/>
+              <a:t>ActionEvent</a:t>
+            </a:r>
+            <a:r>
+              <a:rPr lang="en-US" altLang="zh-CN" sz="1600" kern="0" dirty="0"/>
+              <a:t> event)</a:t>
+            </a:r>
+          </a:p>
+          <a:p>
+            <a:pPr lvl="1" eaLnBrk="1" hangingPunct="1">
+              <a:spcBef>
+                <a:spcPct val="20000"/>
+              </a:spcBef>
+              <a:defRPr/>
+            </a:pPr>
+            <a:r>
+              <a:rPr lang="en-US" altLang="zh-CN" sz="1600" kern="0" dirty="0"/>
+              <a:t>   {</a:t>
+            </a:r>
+          </a:p>
+          <a:p>
+            <a:pPr lvl="1" eaLnBrk="1" hangingPunct="1">
+              <a:spcBef>
+                <a:spcPct val="20000"/>
+              </a:spcBef>
+              <a:defRPr/>
+            </a:pPr>
+            <a:r>
+              <a:rPr lang="en-US" altLang="zh-CN" sz="1600" kern="0" dirty="0"/>
+              <a:t>      </a:t>
+            </a:r>
+            <a:r>
+              <a:rPr lang="en-US" altLang="zh-CN" sz="1600" kern="0" dirty="0" err="1"/>
+              <a:t>System.out.println</a:t>
+            </a:r>
+            <a:r>
+              <a:rPr lang="en-US" altLang="zh-CN" sz="1600" kern="0" dirty="0"/>
+              <a:t>("At the tone, the time is " + new Date());</a:t>
+            </a:r>
+          </a:p>
+          <a:p>
+            <a:pPr lvl="1" eaLnBrk="1" hangingPunct="1">
+              <a:spcBef>
+                <a:spcPct val="20000"/>
+              </a:spcBef>
+              <a:defRPr/>
+            </a:pPr>
+            <a:r>
+              <a:rPr lang="en-US" altLang="zh-CN" sz="1600" kern="0" dirty="0"/>
+              <a:t>      if(beep) </a:t>
+            </a:r>
+            <a:r>
+              <a:rPr lang="en-US" altLang="zh-CN" sz="1600" kern="0" dirty="0" err="1"/>
+              <a:t>Toolkit.getDefaultToolkit</a:t>
+            </a:r>
+            <a:r>
+              <a:rPr lang="en-US" altLang="zh-CN" sz="1600" kern="0" dirty="0"/>
+              <a:t>().beep();</a:t>
+            </a:r>
+          </a:p>
+          <a:p>
+            <a:pPr lvl="1" eaLnBrk="1" hangingPunct="1">
+              <a:spcBef>
+                <a:spcPct val="20000"/>
+              </a:spcBef>
+              <a:defRPr/>
+            </a:pPr>
+            <a:r>
+              <a:rPr lang="en-US" altLang="zh-CN" sz="1600" kern="0" dirty="0"/>
+              <a:t>   }</a:t>
+            </a:r>
+          </a:p>
+          <a:p>
+            <a:pPr eaLnBrk="1" hangingPunct="1">
+              <a:spcBef>
+                <a:spcPct val="20000"/>
+              </a:spcBef>
+              <a:defRPr/>
+            </a:pPr>
+            <a:r>
+              <a:rPr lang="en-US" altLang="zh-CN" sz="1600" kern="0" dirty="0"/>
+              <a:t>}</a:t>
+            </a:r>
+            <a:endParaRPr lang="zh-CN" altLang="en-US" sz="1600" kern="0" dirty="0"/>
+          </a:p>
+        </p:txBody>
+      </p:sp>
+      <p:sp>
+        <p:nvSpPr>
+          <p:cNvPr id="5" name="矩形 4">
+            <a:extLst>
+              <a:ext uri="{FF2B5EF4-FFF2-40B4-BE49-F238E27FC236}">
+                <a16:creationId xmlns:a16="http://schemas.microsoft.com/office/drawing/2014/main" id="{4AF35A67-E92E-4872-88B1-4B4F1193A551}"/>
+              </a:ext>
+            </a:extLst>
+          </p:cNvPr>
+          <p:cNvSpPr/>
+          <p:nvPr/>
+        </p:nvSpPr>
+        <p:spPr>
+          <a:xfrm>
+            <a:off x="6207125" y="930276"/>
+            <a:ext cx="4248150" cy="1630363"/>
+          </a:xfrm>
+          <a:prstGeom prst="rect">
+            <a:avLst/>
+          </a:prstGeom>
+        </p:spPr>
         <p:txBody>
           <a:bodyPr>
-            <a:normAutofit/>
+            <a:spAutoFit/>
           </a:bodyPr>
           <a:lstStyle/>
           <a:p>
-            <a:r>
-              <a:rPr lang="zh-CN" altLang="en-US" dirty="0"/>
-              <a:t>作业</a:t>
-            </a:r>
-          </a:p>
-        </p:txBody>
-      </p:sp>
-      <p:sp>
-        <p:nvSpPr>
-          <p:cNvPr id="3" name="内容占位符 2">
-            <a:extLst>
-              <a:ext uri="{FF2B5EF4-FFF2-40B4-BE49-F238E27FC236}">
-                <a16:creationId xmlns:a16="http://schemas.microsoft.com/office/drawing/2014/main" id="{556A76BA-5CD7-4AF3-BEA1-5096F9BAFAE5}"/>
-              </a:ext>
-            </a:extLst>
-          </p:cNvPr>
-          <p:cNvSpPr>
-            <a:spLocks noGrp="1"/>
-          </p:cNvSpPr>
-          <p:nvPr>
-            <p:ph idx="1"/>
-          </p:nvPr>
-        </p:nvSpPr>
-        <p:spPr/>
-        <p:txBody>
-          <a:bodyPr/>
-          <a:lstStyle/>
-          <a:p>
-            <a:r>
-              <a:rPr lang="zh-CN" altLang="en-US" dirty="0"/>
-              <a:t>使用</a:t>
-            </a:r>
-            <a:r>
-              <a:rPr lang="en-US" altLang="zh-CN" dirty="0"/>
-              <a:t>c</a:t>
-            </a:r>
-            <a:r>
-              <a:rPr lang="zh-CN" altLang="en-US" dirty="0"/>
-              <a:t>语言中的多向选择语句重新编写下面的代码段：</a:t>
-            </a:r>
-            <a:endParaRPr lang="en-US" altLang="zh-CN" dirty="0"/>
-          </a:p>
-          <a:p>
-            <a:pPr marL="0" indent="0">
-              <a:buNone/>
-            </a:pPr>
-            <a:r>
-              <a:rPr lang="en-US" altLang="zh-CN" dirty="0">
-                <a:latin typeface="Times New Roman" panose="02020603050405020304" pitchFamily="18" charset="0"/>
-                <a:cs typeface="Times New Roman" panose="02020603050405020304" pitchFamily="18" charset="0"/>
-              </a:rPr>
-              <a:t>	if (( k==1) || (k==2)) j= 2*k-1</a:t>
-            </a:r>
-            <a:r>
-              <a:rPr lang="zh-CN" altLang="en-US" dirty="0">
-                <a:latin typeface="Times New Roman" panose="02020603050405020304" pitchFamily="18" charset="0"/>
-                <a:cs typeface="Times New Roman" panose="02020603050405020304" pitchFamily="18" charset="0"/>
-              </a:rPr>
-              <a:t>；</a:t>
-            </a:r>
-            <a:endParaRPr lang="en-US" altLang="zh-CN" dirty="0">
-              <a:latin typeface="Times New Roman" panose="02020603050405020304" pitchFamily="18" charset="0"/>
-              <a:cs typeface="Times New Roman" panose="02020603050405020304" pitchFamily="18" charset="0"/>
+            <a:pPr>
+              <a:defRPr/>
+            </a:pPr>
+            <a:r>
+              <a:rPr lang="en-US" altLang="zh-CN" sz="2000" kern="0" dirty="0">
+                <a:solidFill>
+                  <a:schemeClr val="tx2">
+                    <a:lumMod val="75000"/>
+                  </a:schemeClr>
+                </a:solidFill>
+              </a:rPr>
+              <a:t>class </a:t>
+            </a:r>
+            <a:r>
+              <a:rPr lang="en-US" altLang="zh-CN" sz="2000" kern="0" dirty="0" err="1">
+                <a:solidFill>
+                  <a:schemeClr val="tx2">
+                    <a:lumMod val="75000"/>
+                  </a:schemeClr>
+                </a:solidFill>
+              </a:rPr>
+              <a:t>TalkingClock</a:t>
+            </a:r>
+            <a:r>
+              <a:rPr lang="zh-CN" altLang="en-US" sz="2000" kern="0" dirty="0">
+                <a:solidFill>
+                  <a:schemeClr val="tx2">
+                    <a:lumMod val="75000"/>
+                  </a:schemeClr>
+                </a:solidFill>
+              </a:rPr>
+              <a:t>是一个类，</a:t>
+            </a:r>
+            <a:endParaRPr lang="en-US" altLang="zh-CN" sz="2000" kern="0" dirty="0">
+              <a:solidFill>
+                <a:schemeClr val="tx2">
+                  <a:lumMod val="75000"/>
+                </a:schemeClr>
+              </a:solidFill>
             </a:endParaRPr>
           </a:p>
           <a:p>
-            <a:pPr marL="0" indent="0">
-              <a:buNone/>
-            </a:pPr>
-            <a:r>
-              <a:rPr lang="en-US" altLang="zh-CN" dirty="0">
-                <a:latin typeface="Times New Roman" panose="02020603050405020304" pitchFamily="18" charset="0"/>
-                <a:cs typeface="Times New Roman" panose="02020603050405020304" pitchFamily="18" charset="0"/>
-              </a:rPr>
-              <a:t>	if (( k==3) || (k==5)) j= 3*k+1</a:t>
-            </a:r>
-            <a:r>
-              <a:rPr lang="zh-CN" altLang="en-US" dirty="0">
-                <a:latin typeface="Times New Roman" panose="02020603050405020304" pitchFamily="18" charset="0"/>
-                <a:cs typeface="Times New Roman" panose="02020603050405020304" pitchFamily="18" charset="0"/>
-              </a:rPr>
-              <a:t>；</a:t>
-            </a:r>
-            <a:endParaRPr lang="en-US" altLang="zh-CN" dirty="0">
-              <a:latin typeface="Times New Roman" panose="02020603050405020304" pitchFamily="18" charset="0"/>
-              <a:cs typeface="Times New Roman" panose="02020603050405020304" pitchFamily="18" charset="0"/>
+            <a:pPr>
+              <a:defRPr/>
+            </a:pPr>
+            <a:r>
+              <a:rPr lang="en-US" altLang="zh-CN" sz="2000" kern="0" dirty="0">
+                <a:solidFill>
+                  <a:schemeClr val="tx2">
+                    <a:lumMod val="75000"/>
+                  </a:schemeClr>
+                </a:solidFill>
+              </a:rPr>
+              <a:t>class </a:t>
+            </a:r>
+            <a:r>
+              <a:rPr lang="en-US" altLang="zh-CN" sz="2000" kern="0" dirty="0" err="1">
+                <a:solidFill>
+                  <a:schemeClr val="tx2">
+                    <a:lumMod val="75000"/>
+                  </a:schemeClr>
+                </a:solidFill>
+              </a:rPr>
+              <a:t>TimePrinter</a:t>
+            </a:r>
+            <a:r>
+              <a:rPr lang="zh-CN" altLang="en-US" sz="2000" kern="0" dirty="0">
+                <a:solidFill>
+                  <a:schemeClr val="tx2">
+                    <a:lumMod val="75000"/>
+                  </a:schemeClr>
+                </a:solidFill>
+              </a:rPr>
+              <a:t>是一个类，为什么</a:t>
+            </a:r>
+            <a:r>
+              <a:rPr lang="en-US" altLang="zh-CN" sz="2000" kern="0" dirty="0" err="1">
+                <a:solidFill>
+                  <a:schemeClr val="tx2">
+                    <a:lumMod val="75000"/>
+                  </a:schemeClr>
+                </a:solidFill>
+              </a:rPr>
+              <a:t>TimePrinter</a:t>
+            </a:r>
+            <a:r>
+              <a:rPr lang="zh-CN" altLang="en-US" sz="2000" kern="0" dirty="0">
+                <a:solidFill>
+                  <a:schemeClr val="tx2">
+                    <a:lumMod val="75000"/>
+                  </a:schemeClr>
+                </a:solidFill>
+              </a:rPr>
+              <a:t>可以使用</a:t>
+            </a:r>
+            <a:r>
+              <a:rPr lang="en-US" altLang="zh-CN" sz="2000" kern="0" dirty="0">
+                <a:solidFill>
+                  <a:schemeClr val="tx2">
+                    <a:lumMod val="75000"/>
+                  </a:schemeClr>
+                </a:solidFill>
+              </a:rPr>
+              <a:t> </a:t>
+            </a:r>
+            <a:r>
+              <a:rPr lang="en-US" altLang="zh-CN" sz="2000" kern="0" dirty="0" err="1">
+                <a:solidFill>
+                  <a:schemeClr val="tx2">
+                    <a:lumMod val="75000"/>
+                  </a:schemeClr>
+                </a:solidFill>
+              </a:rPr>
+              <a:t>TalkingClock</a:t>
+            </a:r>
+            <a:r>
+              <a:rPr lang="zh-CN" altLang="en-US" sz="2000" kern="0" dirty="0">
+                <a:solidFill>
+                  <a:schemeClr val="tx2">
+                    <a:lumMod val="75000"/>
+                  </a:schemeClr>
+                </a:solidFill>
+              </a:rPr>
+              <a:t>的私有变量，请分析这么使用的潜在安全风险。</a:t>
+            </a:r>
+            <a:endParaRPr lang="zh-CN" altLang="en-US" sz="2000" dirty="0">
+              <a:solidFill>
+                <a:schemeClr val="tx2">
+                  <a:lumMod val="75000"/>
+                </a:schemeClr>
+              </a:solidFill>
             </a:endParaRPr>
           </a:p>
-          <a:p>
-            <a:pPr marL="0" indent="0">
-              <a:buNone/>
-            </a:pPr>
-            <a:r>
-              <a:rPr lang="en-US" altLang="zh-CN" dirty="0">
-                <a:latin typeface="Times New Roman" panose="02020603050405020304" pitchFamily="18" charset="0"/>
-                <a:cs typeface="Times New Roman" panose="02020603050405020304" pitchFamily="18" charset="0"/>
-              </a:rPr>
-              <a:t>	if ( k==4)  j= 4*k-1</a:t>
-            </a:r>
-            <a:r>
-              <a:rPr lang="zh-CN" altLang="en-US" dirty="0">
-                <a:latin typeface="Times New Roman" panose="02020603050405020304" pitchFamily="18" charset="0"/>
-                <a:cs typeface="Times New Roman" panose="02020603050405020304" pitchFamily="18" charset="0"/>
-              </a:rPr>
-              <a:t>；</a:t>
-            </a:r>
-            <a:endParaRPr lang="en-US" altLang="zh-CN" dirty="0">
-              <a:latin typeface="Times New Roman" panose="02020603050405020304" pitchFamily="18" charset="0"/>
-              <a:cs typeface="Times New Roman" panose="02020603050405020304" pitchFamily="18" charset="0"/>
-            </a:endParaRPr>
-          </a:p>
-          <a:p>
-            <a:pPr marL="0" indent="0">
-              <a:buNone/>
-            </a:pPr>
-            <a:r>
-              <a:rPr lang="en-US" altLang="zh-CN" dirty="0">
-                <a:latin typeface="Times New Roman" panose="02020603050405020304" pitchFamily="18" charset="0"/>
-                <a:cs typeface="Times New Roman" panose="02020603050405020304" pitchFamily="18" charset="0"/>
-              </a:rPr>
-              <a:t>	 if (( k==6) || (k==7) || (k==8)) j= k-2</a:t>
-            </a:r>
-            <a:r>
-              <a:rPr lang="zh-CN" altLang="en-US" dirty="0">
-                <a:latin typeface="Times New Roman" panose="02020603050405020304" pitchFamily="18" charset="0"/>
-                <a:cs typeface="Times New Roman" panose="02020603050405020304" pitchFamily="18" charset="0"/>
-              </a:rPr>
-              <a:t>；</a:t>
-            </a:r>
-            <a:endParaRPr lang="en-US" altLang="zh-CN" dirty="0">
-              <a:latin typeface="Times New Roman" panose="02020603050405020304" pitchFamily="18" charset="0"/>
-              <a:cs typeface="Times New Roman" panose="02020603050405020304" pitchFamily="18" charset="0"/>
-            </a:endParaRPr>
-          </a:p>
-          <a:p>
-            <a:pPr marL="0" indent="0">
-              <a:buNone/>
-            </a:pPr>
-            <a:r>
-              <a:rPr lang="zh-CN" altLang="en-US" dirty="0">
-                <a:latin typeface="Times New Roman" panose="02020603050405020304" pitchFamily="18" charset="0"/>
-                <a:cs typeface="Times New Roman" panose="02020603050405020304" pitchFamily="18" charset="0"/>
-              </a:rPr>
-              <a:t>思考题：</a:t>
-            </a:r>
-            <a:r>
-              <a:rPr lang="zh-CN" altLang="en-US" sz="2800" dirty="0"/>
-              <a:t>使用回调写排序有什么好处</a:t>
-            </a:r>
-            <a:endParaRPr lang="en-US" altLang="zh-CN" sz="2800" dirty="0"/>
-          </a:p>
-          <a:p>
-            <a:pPr marL="0" indent="0">
-              <a:buNone/>
-            </a:pPr>
-            <a:endParaRPr lang="en-US" altLang="zh-CN" dirty="0">
-              <a:latin typeface="Times New Roman" panose="02020603050405020304" pitchFamily="18" charset="0"/>
-              <a:cs typeface="Times New Roman" panose="02020603050405020304" pitchFamily="18" charset="0"/>
-            </a:endParaRPr>
-          </a:p>
-        </p:txBody>
-      </p:sp>
-      <p:sp>
-        <p:nvSpPr>
-          <p:cNvPr id="4" name="灯片编号占位符 3">
-            <a:extLst>
-              <a:ext uri="{FF2B5EF4-FFF2-40B4-BE49-F238E27FC236}">
-                <a16:creationId xmlns:a16="http://schemas.microsoft.com/office/drawing/2014/main" id="{0AF0EAEC-7E65-48AC-A36B-8BDA78375CEE}"/>
-              </a:ext>
-            </a:extLst>
-          </p:cNvPr>
-          <p:cNvSpPr>
-            <a:spLocks noGrp="1"/>
-          </p:cNvSpPr>
-          <p:nvPr>
-            <p:ph type="sldNum" sz="quarter" idx="12"/>
-          </p:nvPr>
-        </p:nvSpPr>
-        <p:spPr/>
-        <p:txBody>
-          <a:bodyPr/>
-          <a:lstStyle/>
-          <a:p>
-            <a:fld id="{73EACCBA-2B8E-C843-BA3D-1AB655D40860}" type="slidenum">
-              <a:rPr kumimoji="1" lang="zh-CN" altLang="en-US" smtClean="0"/>
-              <a:t>3</a:t>
-            </a:fld>
-            <a:endParaRPr kumimoji="1" lang="zh-CN" altLang="en-US"/>
-          </a:p>
         </p:txBody>
       </p:sp>
     </p:spTree>
-    <p:extLst>
-      <p:ext uri="{BB962C8B-B14F-4D97-AF65-F5344CB8AC3E}">
-        <p14:creationId xmlns:p14="http://schemas.microsoft.com/office/powerpoint/2010/main" val="1620606754"/>
-      </p:ext>
-    </p:extLst>
   </p:cSld>
   <p:clrMapOvr>
     <a:masterClrMapping/>
@@ -3922,175 +6108,413 @@
       </p:grpSpPr>
       <p:sp>
         <p:nvSpPr>
-          <p:cNvPr id="2" name="标题 1">
-            <a:extLst>
-              <a:ext uri="{FF2B5EF4-FFF2-40B4-BE49-F238E27FC236}">
-                <a16:creationId xmlns:a16="http://schemas.microsoft.com/office/drawing/2014/main" id="{B8B44A88-D9AF-4D5B-B2DA-D81756948EA6}"/>
-              </a:ext>
-            </a:extLst>
-          </p:cNvPr>
-          <p:cNvSpPr>
-            <a:spLocks noGrp="1"/>
-          </p:cNvSpPr>
-          <p:nvPr>
-            <p:ph type="title"/>
-          </p:nvPr>
-        </p:nvSpPr>
-        <p:spPr/>
+          <p:cNvPr id="3" name="Rectangle 3">
+            <a:extLst>
+              <a:ext uri="{FF2B5EF4-FFF2-40B4-BE49-F238E27FC236}">
+                <a16:creationId xmlns:a16="http://schemas.microsoft.com/office/drawing/2014/main" id="{BFF4D7EF-8E87-48C8-98E9-F9C43E2B959D}"/>
+              </a:ext>
+            </a:extLst>
+          </p:cNvPr>
+          <p:cNvSpPr txBox="1">
+            <a:spLocks noChangeArrowheads="1"/>
+          </p:cNvSpPr>
+          <p:nvPr/>
+        </p:nvSpPr>
+        <p:spPr bwMode="auto">
+          <a:xfrm>
+            <a:off x="1917700" y="700089"/>
+            <a:ext cx="8356600" cy="5824537"/>
+          </a:xfrm>
+          <a:prstGeom prst="rect">
+            <a:avLst/>
+          </a:prstGeom>
+          <a:noFill/>
+          <a:ln w="9525">
+            <a:noFill/>
+            <a:miter lim="800000"/>
+          </a:ln>
+        </p:spPr>
         <p:txBody>
           <a:bodyPr/>
           <a:lstStyle/>
           <a:p>
-            <a:r>
-              <a:rPr lang="en-US" altLang="zh-CN" dirty="0"/>
-              <a:t>Lec02</a:t>
-            </a:r>
-            <a:r>
-              <a:rPr lang="zh-CN" altLang="en-US" dirty="0"/>
-              <a:t>作业：</a:t>
-            </a:r>
-          </a:p>
-        </p:txBody>
-      </p:sp>
-      <p:sp>
-        <p:nvSpPr>
-          <p:cNvPr id="3" name="内容占位符 2">
-            <a:extLst>
-              <a:ext uri="{FF2B5EF4-FFF2-40B4-BE49-F238E27FC236}">
-                <a16:creationId xmlns:a16="http://schemas.microsoft.com/office/drawing/2014/main" id="{0C76A666-2201-4B0F-BD00-DDBE6CA3226D}"/>
-              </a:ext>
-            </a:extLst>
-          </p:cNvPr>
-          <p:cNvSpPr>
-            <a:spLocks noGrp="1"/>
-          </p:cNvSpPr>
-          <p:nvPr>
-            <p:ph idx="1"/>
-          </p:nvPr>
-        </p:nvSpPr>
-        <p:spPr/>
-        <p:txBody>
-          <a:bodyPr/>
-          <a:lstStyle/>
-          <a:p>
-            <a:pPr>
-              <a:lnSpc>
-                <a:spcPct val="150000"/>
-              </a:lnSpc>
-            </a:pPr>
-            <a:r>
-              <a:rPr lang="zh-CN" altLang="en-US" sz="3600" dirty="0">
-                <a:solidFill>
-                  <a:schemeClr val="tx1"/>
-                </a:solidFill>
-              </a:rPr>
-              <a:t>根据课堂讲义</a:t>
-            </a:r>
-            <a:r>
-              <a:rPr lang="en-US" altLang="zh-CN" sz="3600" dirty="0">
-                <a:solidFill>
-                  <a:schemeClr val="tx1"/>
-                </a:solidFill>
-              </a:rPr>
-              <a:t>P49-P50</a:t>
-            </a:r>
-            <a:r>
-              <a:rPr lang="zh-CN" altLang="en-US" sz="3600" dirty="0">
-                <a:solidFill>
-                  <a:schemeClr val="tx1"/>
-                </a:solidFill>
-              </a:rPr>
-              <a:t>中</a:t>
-            </a:r>
-            <a:r>
-              <a:rPr lang="en-US" altLang="zh-CN" sz="3600" dirty="0">
-                <a:solidFill>
-                  <a:schemeClr val="tx1"/>
-                </a:solidFill>
-              </a:rPr>
-              <a:t>BNF</a:t>
-            </a:r>
-            <a:r>
-              <a:rPr lang="zh-CN" altLang="en-US" sz="3600" dirty="0"/>
-              <a:t>所描述的“</a:t>
-            </a:r>
-            <a:r>
-              <a:rPr lang="en-US" altLang="zh-CN" sz="3600" dirty="0"/>
-              <a:t>program</a:t>
-            </a:r>
-            <a:r>
-              <a:rPr lang="zh-CN" altLang="en-US" sz="3600" dirty="0"/>
-              <a:t>”文法，</a:t>
-            </a:r>
-            <a:r>
-              <a:rPr lang="zh-CN" altLang="en-US" sz="3600" dirty="0">
-                <a:solidFill>
-                  <a:schemeClr val="tx1"/>
-                </a:solidFill>
-              </a:rPr>
-              <a:t>针对上述</a:t>
-            </a:r>
-            <a:r>
-              <a:rPr lang="zh-CN" altLang="en-US" sz="3600" b="1" u="sng" dirty="0">
-                <a:solidFill>
-                  <a:schemeClr val="tx1"/>
-                </a:solidFill>
-              </a:rPr>
-              <a:t>每个产生式</a:t>
-            </a:r>
-            <a:r>
-              <a:rPr lang="zh-CN" altLang="en-US" sz="3600" dirty="0">
-                <a:solidFill>
-                  <a:schemeClr val="tx1"/>
-                </a:solidFill>
-              </a:rPr>
-              <a:t>，给出一组满足规则的语言实例，要求覆盖基本分支。既一个产生式至少给出一个满足该文法的字符串示例。</a:t>
-            </a:r>
-            <a:endParaRPr lang="en-US" altLang="zh-CN" sz="3600" dirty="0">
-              <a:solidFill>
-                <a:schemeClr val="tx1"/>
-              </a:solidFill>
+            <a:pPr eaLnBrk="1" hangingPunct="1">
+              <a:spcBef>
+                <a:spcPct val="20000"/>
+              </a:spcBef>
+              <a:defRPr/>
+            </a:pPr>
+            <a:r>
+              <a:rPr lang="zh-CN" altLang="en-US" sz="2400" kern="0" dirty="0"/>
+              <a:t>多态作业：</a:t>
+            </a:r>
+            <a:endParaRPr lang="en-US" altLang="zh-CN" sz="2400" kern="0" dirty="0"/>
+          </a:p>
+          <a:p>
+            <a:pPr marL="0" lvl="2">
+              <a:spcBef>
+                <a:spcPct val="20000"/>
+              </a:spcBef>
+              <a:defRPr/>
+            </a:pPr>
+            <a:r>
+              <a:rPr lang="zh-CN" altLang="en-US" sz="2000" kern="0" dirty="0"/>
+              <a:t>       已知需求如下。要求：</a:t>
+            </a:r>
+            <a:r>
+              <a:rPr lang="zh-CN" altLang="en-US" sz="2000" kern="0" dirty="0">
+                <a:sym typeface="+mn-ea"/>
+              </a:rPr>
+              <a:t>利用继承与多态的思想，编写</a:t>
+            </a:r>
+            <a:r>
+              <a:rPr lang="en-US" altLang="zh-CN" sz="2000" kern="0" dirty="0">
+                <a:sym typeface="+mn-ea"/>
+              </a:rPr>
+              <a:t>java</a:t>
+            </a:r>
+            <a:r>
+              <a:rPr lang="zh-CN" altLang="en-US" sz="2000" kern="0" dirty="0">
+                <a:sym typeface="+mn-ea"/>
+              </a:rPr>
+              <a:t>程序解答题目。合理设计程序结构，以期最大限度的复用代码。</a:t>
+            </a:r>
+            <a:endParaRPr lang="zh-CN" altLang="en-US" sz="2000" kern="0" dirty="0"/>
+          </a:p>
+          <a:p>
+            <a:pPr marL="800100" lvl="2" indent="-342900">
+              <a:spcBef>
+                <a:spcPct val="20000"/>
+              </a:spcBef>
+              <a:buFont typeface="Arial" panose="020B0604020202020204" pitchFamily="34" charset="0"/>
+              <a:buChar char="•"/>
+              <a:defRPr/>
+            </a:pPr>
+            <a:r>
+              <a:rPr lang="zh-CN" altLang="en-US" sz="2000" kern="0" dirty="0"/>
+              <a:t>我们将动物</a:t>
+            </a:r>
+            <a:r>
+              <a:rPr lang="en-US" altLang="zh-CN" sz="2000" kern="0" dirty="0"/>
+              <a:t>(Animal)</a:t>
+            </a:r>
+            <a:r>
+              <a:rPr lang="zh-CN" altLang="en-US" sz="2000" kern="0" dirty="0"/>
+              <a:t>可分为猫科动物</a:t>
+            </a:r>
+            <a:r>
+              <a:rPr lang="en-US" altLang="zh-CN" sz="2000" kern="0" dirty="0"/>
+              <a:t>(Felidae)</a:t>
+            </a:r>
+            <a:r>
+              <a:rPr lang="zh-CN" altLang="en-US" sz="2000" kern="0" dirty="0"/>
+              <a:t>和犬科动物</a:t>
+            </a:r>
+            <a:r>
+              <a:rPr lang="en-US" altLang="zh-CN" sz="2000" kern="0" dirty="0"/>
+              <a:t>(Canine)</a:t>
+            </a:r>
+            <a:r>
+              <a:rPr lang="zh-CN" altLang="en-US" sz="2000" kern="0" dirty="0"/>
+              <a:t>；</a:t>
+            </a:r>
+          </a:p>
+          <a:p>
+            <a:pPr marL="800100" lvl="2" indent="-342900">
+              <a:spcBef>
+                <a:spcPct val="20000"/>
+              </a:spcBef>
+              <a:buFont typeface="Arial" panose="020B0604020202020204" pitchFamily="34" charset="0"/>
+              <a:buChar char="•"/>
+              <a:defRPr/>
+            </a:pPr>
+            <a:r>
+              <a:rPr lang="zh-CN" altLang="en-US" sz="2000" kern="0" dirty="0">
+                <a:sym typeface="+mn-ea"/>
+              </a:rPr>
+              <a:t>所有动物都有自己的名字</a:t>
+            </a:r>
+            <a:r>
+              <a:rPr lang="en-US" altLang="zh-CN" sz="2000" kern="0" dirty="0">
+                <a:sym typeface="+mn-ea"/>
+              </a:rPr>
+              <a:t>(name)</a:t>
+            </a:r>
+            <a:r>
+              <a:rPr lang="zh-CN" altLang="en-US" sz="2000" kern="0" dirty="0">
+                <a:sym typeface="+mn-ea"/>
+              </a:rPr>
+              <a:t>，在初始化时传参获得；</a:t>
+            </a:r>
+          </a:p>
+          <a:p>
+            <a:pPr marL="800100" lvl="2" indent="-342900">
+              <a:spcBef>
+                <a:spcPct val="20000"/>
+              </a:spcBef>
+              <a:buFont typeface="Arial" panose="020B0604020202020204" pitchFamily="34" charset="0"/>
+              <a:buChar char="•"/>
+              <a:defRPr/>
+            </a:pPr>
+            <a:r>
+              <a:rPr lang="zh-CN" altLang="en-US" sz="2000" kern="0" dirty="0">
+                <a:sym typeface="+mn-ea"/>
+              </a:rPr>
+              <a:t>每个动物都有</a:t>
+            </a:r>
+            <a:r>
+              <a:rPr lang="en-US" altLang="zh-CN" sz="2000" kern="0" dirty="0">
+                <a:sym typeface="+mn-ea"/>
+              </a:rPr>
+              <a:t>getName()</a:t>
+            </a:r>
+            <a:r>
+              <a:rPr lang="zh-CN" altLang="en-US" sz="2000" kern="0" dirty="0">
+                <a:sym typeface="+mn-ea"/>
+              </a:rPr>
+              <a:t>方法，用以输出自己的</a:t>
+            </a:r>
+            <a:r>
+              <a:rPr lang="en-US" altLang="zh-CN" sz="2000" kern="0" dirty="0">
+                <a:sym typeface="+mn-ea"/>
+              </a:rPr>
+              <a:t>name</a:t>
+            </a:r>
+            <a:r>
+              <a:rPr lang="zh-CN" altLang="en-US" sz="2000" kern="0" dirty="0">
+                <a:sym typeface="+mn-ea"/>
+              </a:rPr>
+              <a:t>；</a:t>
+            </a:r>
+          </a:p>
+          <a:p>
+            <a:pPr marL="800100" lvl="2" indent="-342900">
+              <a:spcBef>
+                <a:spcPct val="20000"/>
+              </a:spcBef>
+              <a:buFont typeface="Arial" panose="020B0604020202020204" pitchFamily="34" charset="0"/>
+              <a:buChar char="•"/>
+              <a:defRPr/>
+            </a:pPr>
+            <a:r>
+              <a:rPr lang="zh-CN" altLang="en-US" sz="2000" kern="0"/>
+              <a:t>每类动物</a:t>
+            </a:r>
+            <a:r>
+              <a:rPr lang="zh-CN" altLang="en-US" sz="2000" kern="0" dirty="0"/>
+              <a:t>都有一个</a:t>
+            </a:r>
+            <a:r>
+              <a:rPr lang="en-US" altLang="zh-CN" sz="2000" kern="0" dirty="0"/>
+              <a:t>getClassification()</a:t>
+            </a:r>
+            <a:r>
+              <a:rPr lang="zh-CN" altLang="en-US" sz="2000" kern="0" dirty="0"/>
+              <a:t>方法，用以输出自身的类别；</a:t>
+            </a:r>
+          </a:p>
+          <a:p>
+            <a:pPr marL="800100" lvl="2" indent="-342900">
+              <a:spcBef>
+                <a:spcPct val="20000"/>
+              </a:spcBef>
+              <a:buFont typeface="Arial" panose="020B0604020202020204" pitchFamily="34" charset="0"/>
+              <a:buChar char="•"/>
+              <a:defRPr/>
+            </a:pPr>
+            <a:r>
+              <a:rPr lang="zh-CN" altLang="en-US" sz="2000" kern="0" dirty="0"/>
+              <a:t>每个</a:t>
+            </a:r>
+            <a:r>
+              <a:rPr lang="en-US" altLang="zh-CN" sz="2000" kern="0" dirty="0"/>
+              <a:t>/</a:t>
+            </a:r>
+            <a:r>
+              <a:rPr lang="zh-CN" altLang="en-US" sz="2000" kern="0" dirty="0"/>
+              <a:t>类动物都有</a:t>
+            </a:r>
+            <a:r>
+              <a:rPr lang="en-US" altLang="zh-CN" sz="2000" kern="0" dirty="0"/>
+              <a:t>talk()</a:t>
+            </a:r>
+            <a:r>
+              <a:rPr lang="zh-CN" altLang="en-US" sz="2000" kern="0" dirty="0"/>
+              <a:t>方法；</a:t>
+            </a:r>
+          </a:p>
+          <a:p>
+            <a:pPr marL="800100" lvl="2" indent="-342900">
+              <a:spcBef>
+                <a:spcPct val="20000"/>
+              </a:spcBef>
+              <a:buFont typeface="Arial" panose="020B0604020202020204" pitchFamily="34" charset="0"/>
+              <a:buChar char="•"/>
+              <a:defRPr/>
+            </a:pPr>
+            <a:r>
+              <a:rPr lang="zh-CN" altLang="en-US" sz="2000" kern="0" dirty="0"/>
+              <a:t>现猫科动物有猫类</a:t>
+            </a:r>
+            <a:r>
+              <a:rPr lang="en-US" altLang="zh-CN" sz="2000" kern="0" dirty="0"/>
+              <a:t>(Cat)</a:t>
+            </a:r>
+            <a:r>
+              <a:rPr lang="zh-CN" altLang="en-US" sz="2000" kern="0" dirty="0"/>
+              <a:t>和狮子类</a:t>
+            </a:r>
+            <a:r>
+              <a:rPr lang="en-US" altLang="zh-CN" sz="2000" kern="0" dirty="0"/>
+              <a:t>(Lion);</a:t>
+            </a:r>
+          </a:p>
+          <a:p>
+            <a:pPr marL="800100" lvl="2" indent="-342900">
+              <a:spcBef>
+                <a:spcPct val="20000"/>
+              </a:spcBef>
+              <a:buFont typeface="Arial" panose="020B0604020202020204" pitchFamily="34" charset="0"/>
+              <a:buChar char="•"/>
+              <a:defRPr/>
+            </a:pPr>
+            <a:r>
+              <a:rPr lang="zh-CN" altLang="en-US" sz="2000" kern="0" dirty="0"/>
+              <a:t>犬科动物有狗类</a:t>
+            </a:r>
+            <a:r>
+              <a:rPr lang="en-US" altLang="zh-CN" sz="2000" kern="0" dirty="0"/>
+              <a:t>(Dog)</a:t>
+            </a:r>
+            <a:r>
+              <a:rPr lang="zh-CN" altLang="en-US" sz="2000" kern="0" dirty="0"/>
+              <a:t>和狼类</a:t>
+            </a:r>
+            <a:r>
+              <a:rPr lang="en-US" altLang="zh-CN" sz="2000" kern="0" dirty="0"/>
+              <a:t>(Wolf);</a:t>
+            </a:r>
+          </a:p>
+          <a:p>
+            <a:pPr marL="800100" lvl="2" indent="-342900">
+              <a:spcBef>
+                <a:spcPct val="20000"/>
+              </a:spcBef>
+              <a:buFont typeface="Arial" panose="020B0604020202020204" pitchFamily="34" charset="0"/>
+              <a:buChar char="•"/>
+              <a:defRPr/>
+            </a:pPr>
+            <a:r>
+              <a:rPr lang="zh-CN" altLang="en-US" sz="2000" kern="0" dirty="0"/>
+              <a:t>猫类</a:t>
+            </a:r>
+            <a:r>
+              <a:rPr lang="en-US" altLang="zh-CN" sz="2000" kern="0" dirty="0"/>
+              <a:t>talk()</a:t>
+            </a:r>
+            <a:r>
+              <a:rPr lang="zh-CN" altLang="en-US" sz="2000" kern="0" dirty="0"/>
+              <a:t>方法输出</a:t>
+            </a:r>
+            <a:r>
+              <a:rPr lang="en-US" altLang="zh-CN" sz="2000" kern="0" dirty="0"/>
+              <a:t>”meow”</a:t>
+            </a:r>
+            <a:r>
+              <a:rPr lang="zh-CN" altLang="en-US" sz="2000" kern="0" dirty="0"/>
+              <a:t>，对应的，狮子为</a:t>
+            </a:r>
+            <a:r>
+              <a:rPr lang="en-US" altLang="zh-CN" sz="2000" kern="0" dirty="0"/>
+              <a:t>”roar”</a:t>
+            </a:r>
+            <a:r>
+              <a:rPr lang="zh-CN" altLang="en-US" sz="2000" kern="0" dirty="0"/>
+              <a:t>，</a:t>
+            </a:r>
+            <a:r>
+              <a:rPr lang="zh-CN" altLang="en-US" sz="2000" kern="0" dirty="0">
+                <a:sym typeface="+mn-ea"/>
+              </a:rPr>
+              <a:t>狼类为</a:t>
+            </a:r>
+            <a:r>
+              <a:rPr lang="en-US" altLang="zh-CN" sz="2000" kern="0" dirty="0">
+                <a:sym typeface="+mn-ea"/>
+              </a:rPr>
+              <a:t>”howl”</a:t>
+            </a:r>
+            <a:r>
+              <a:rPr lang="zh-CN" altLang="en-US" sz="2000" kern="0" dirty="0">
+                <a:sym typeface="+mn-ea"/>
+              </a:rPr>
+              <a:t>，</a:t>
+            </a:r>
+            <a:r>
+              <a:rPr lang="zh-CN" altLang="en-US" sz="2000" kern="0" dirty="0"/>
+              <a:t>狗类为</a:t>
+            </a:r>
+            <a:r>
+              <a:rPr lang="en-US" altLang="zh-CN" sz="2000" kern="0" dirty="0"/>
+              <a:t>”woof”</a:t>
+            </a:r>
+            <a:r>
+              <a:rPr lang="zh-CN" altLang="en-US" sz="2000" kern="0" dirty="0"/>
+              <a:t>；</a:t>
+            </a:r>
+          </a:p>
+          <a:p>
+            <a:pPr marL="800100" lvl="2" indent="-342900">
+              <a:spcBef>
+                <a:spcPct val="20000"/>
+              </a:spcBef>
+              <a:buFont typeface="Arial" panose="020B0604020202020204" pitchFamily="34" charset="0"/>
+              <a:buChar char="•"/>
+              <a:defRPr/>
+            </a:pPr>
+            <a:r>
+              <a:rPr lang="zh-CN" altLang="en-US" sz="2000" kern="0" dirty="0"/>
+              <a:t>编写一个测试类</a:t>
+            </a:r>
+            <a:r>
+              <a:rPr lang="en-US" altLang="zh-CN" sz="2000" kern="0" dirty="0"/>
+              <a:t>(Test)</a:t>
+            </a:r>
+            <a:r>
+              <a:rPr lang="zh-CN" altLang="en-US" sz="2000" kern="0" dirty="0"/>
+              <a:t>，要求实现一个数组，数组内可包含各种类别的动物，利用循环语句依次输出每只</a:t>
+            </a:r>
+            <a:r>
+              <a:rPr lang="en-US" altLang="zh-CN" sz="2000" kern="0" dirty="0"/>
+              <a:t>/</a:t>
+            </a:r>
+            <a:r>
+              <a:rPr lang="zh-CN" altLang="en-US" sz="2000" kern="0" dirty="0"/>
+              <a:t>每类动物的名字，类别以及如何</a:t>
+            </a:r>
+            <a:r>
+              <a:rPr lang="en-US" altLang="zh-CN" sz="2000" kern="0" dirty="0"/>
+              <a:t>”talk”</a:t>
+            </a:r>
+            <a:r>
+              <a:rPr lang="zh-CN" altLang="en-US" sz="2000" kern="0" dirty="0"/>
+              <a:t>。</a:t>
+            </a:r>
+          </a:p>
+          <a:p>
+            <a:pPr marL="457200" lvl="2">
+              <a:spcBef>
+                <a:spcPct val="20000"/>
+              </a:spcBef>
+              <a:defRPr/>
+            </a:pPr>
+            <a:endParaRPr lang="zh-CN" altLang="en-US" sz="2000" kern="0" dirty="0">
+              <a:sym typeface="+mn-ea"/>
             </a:endParaRPr>
           </a:p>
         </p:txBody>
       </p:sp>
-      <p:sp>
-        <p:nvSpPr>
-          <p:cNvPr id="4" name="灯片编号占位符 3">
-            <a:extLst>
-              <a:ext uri="{FF2B5EF4-FFF2-40B4-BE49-F238E27FC236}">
-                <a16:creationId xmlns:a16="http://schemas.microsoft.com/office/drawing/2014/main" id="{6980E69C-21B5-4046-9B27-D66D5594852D}"/>
-              </a:ext>
-            </a:extLst>
-          </p:cNvPr>
-          <p:cNvSpPr>
-            <a:spLocks noGrp="1"/>
-          </p:cNvSpPr>
-          <p:nvPr>
-            <p:ph type="sldNum" sz="quarter" idx="12"/>
-          </p:nvPr>
-        </p:nvSpPr>
-        <p:spPr/>
-        <p:txBody>
-          <a:bodyPr/>
-          <a:lstStyle/>
-          <a:p>
-            <a:pPr rtl="0"/>
-            <a:fld id="{D57F1E4F-1CFF-5643-939E-217C01CDF565}" type="slidenum">
-              <a:rPr lang="en-US" altLang="zh-CN" noProof="0" smtClean="0"/>
-              <a:pPr rtl="0"/>
-              <a:t>4</a:t>
-            </a:fld>
-            <a:endParaRPr lang="zh-CN" altLang="en-US" noProof="0" dirty="0"/>
-          </a:p>
-        </p:txBody>
-      </p:sp>
     </p:spTree>
-    <p:extLst>
-      <p:ext uri="{BB962C8B-B14F-4D97-AF65-F5344CB8AC3E}">
-        <p14:creationId xmlns:p14="http://schemas.microsoft.com/office/powerpoint/2010/main" val="1077662086"/>
-      </p:ext>
-    </p:extLst>
   </p:cSld>
   <p:clrMapOvr>
     <a:masterClrMapping/>
@@ -4117,680 +6541,212 @@
       </p:grpSpPr>
       <p:sp>
         <p:nvSpPr>
-          <p:cNvPr id="4" name="灯片编号占位符 3">
-            <a:extLst>
-              <a:ext uri="{FF2B5EF4-FFF2-40B4-BE49-F238E27FC236}">
-                <a16:creationId xmlns:a16="http://schemas.microsoft.com/office/drawing/2014/main" id="{088ED61E-E217-0C4C-94A1-33137150A5E2}"/>
-              </a:ext>
-            </a:extLst>
-          </p:cNvPr>
-          <p:cNvSpPr>
-            <a:spLocks noGrp="1"/>
-          </p:cNvSpPr>
-          <p:nvPr>
-            <p:ph type="sldNum" sz="quarter" idx="12"/>
-          </p:nvPr>
-        </p:nvSpPr>
-        <p:spPr/>
-        <p:txBody>
-          <a:bodyPr/>
-          <a:lstStyle/>
-          <a:p>
-            <a:pPr rtl="0"/>
-            <a:fld id="{D57F1E4F-1CFF-5643-939E-217C01CDF565}" type="slidenum">
-              <a:rPr lang="en-US" altLang="zh-CN" noProof="0" smtClean="0"/>
-              <a:pPr rtl="0"/>
-              <a:t>5</a:t>
-            </a:fld>
-            <a:endParaRPr lang="zh-CN" altLang="en-US" noProof="0" dirty="0"/>
-          </a:p>
-        </p:txBody>
-      </p:sp>
-      <p:sp>
-        <p:nvSpPr>
-          <p:cNvPr id="3" name="内容占位符 2">
-            <a:extLst>
-              <a:ext uri="{FF2B5EF4-FFF2-40B4-BE49-F238E27FC236}">
-                <a16:creationId xmlns:a16="http://schemas.microsoft.com/office/drawing/2014/main" id="{62C276D8-1640-874F-B1B8-337F1DAC86E7}"/>
-              </a:ext>
-            </a:extLst>
-          </p:cNvPr>
-          <p:cNvSpPr>
-            <a:spLocks noGrp="1"/>
-          </p:cNvSpPr>
-          <p:nvPr>
-            <p:ph idx="4294967295"/>
-          </p:nvPr>
-        </p:nvSpPr>
-        <p:spPr>
+          <p:cNvPr id="3" name="Rectangle 3">
+            <a:extLst>
+              <a:ext uri="{FF2B5EF4-FFF2-40B4-BE49-F238E27FC236}">
+                <a16:creationId xmlns:a16="http://schemas.microsoft.com/office/drawing/2014/main" id="{763F6E6B-5B69-4D9F-8938-BCE8B5F5B870}"/>
+              </a:ext>
+            </a:extLst>
+          </p:cNvPr>
+          <p:cNvSpPr txBox="1">
+            <a:spLocks noChangeArrowheads="1"/>
+          </p:cNvSpPr>
+          <p:nvPr/>
+        </p:nvSpPr>
+        <p:spPr bwMode="auto">
           <a:xfrm>
-            <a:off x="483220" y="473947"/>
-            <a:ext cx="11029950" cy="6300926"/>
-          </a:xfrm>
-        </p:spPr>
-        <p:txBody>
-          <a:bodyPr>
-            <a:normAutofit fontScale="85000" lnSpcReduction="20000"/>
-          </a:bodyPr>
-          <a:lstStyle/>
-          <a:p>
-            <a:pPr>
-              <a:lnSpc>
-                <a:spcPct val="150000"/>
-              </a:lnSpc>
-            </a:pPr>
-            <a:r>
-              <a:rPr lang="en-US" altLang="zh-CN" sz="2400" dirty="0">
-                <a:solidFill>
-                  <a:schemeClr val="tx1"/>
-                </a:solidFill>
-                <a:latin typeface="Microsoft YaHei" panose="020B0503020204020204" pitchFamily="34" charset="-122"/>
-                <a:ea typeface="Microsoft YaHei" panose="020B0503020204020204" pitchFamily="34" charset="-122"/>
-              </a:rPr>
-              <a:t>2.5 </a:t>
-            </a:r>
-            <a:r>
-              <a:rPr lang="zh-CN" altLang="zh-CN" sz="2400" dirty="0">
-                <a:solidFill>
-                  <a:schemeClr val="tx1"/>
-                </a:solidFill>
-                <a:latin typeface="Microsoft YaHei" panose="020B0503020204020204" pitchFamily="34" charset="-122"/>
-                <a:ea typeface="Microsoft YaHei" panose="020B0503020204020204" pitchFamily="34" charset="-122"/>
-              </a:rPr>
-              <a:t>将以下</a:t>
-            </a:r>
-            <a:r>
-              <a:rPr lang="en-US" altLang="zh-CN" sz="2400" dirty="0">
-                <a:solidFill>
-                  <a:schemeClr val="tx1"/>
-                </a:solidFill>
-                <a:latin typeface="Microsoft YaHei" panose="020B0503020204020204" pitchFamily="34" charset="-122"/>
-                <a:ea typeface="Microsoft YaHei" panose="020B0503020204020204" pitchFamily="34" charset="-122"/>
-              </a:rPr>
-              <a:t>BNF</a:t>
-            </a:r>
-            <a:r>
-              <a:rPr lang="zh-CN" altLang="zh-CN" sz="2400" dirty="0">
-                <a:solidFill>
-                  <a:schemeClr val="tx1"/>
-                </a:solidFill>
-                <a:latin typeface="Microsoft YaHei" panose="020B0503020204020204" pitchFamily="34" charset="-122"/>
-                <a:ea typeface="Microsoft YaHei" panose="020B0503020204020204" pitchFamily="34" charset="-122"/>
-              </a:rPr>
-              <a:t>表示的</a:t>
-            </a:r>
-            <a:r>
-              <a:rPr lang="en-US" altLang="zh-CN" sz="2400" dirty="0">
-                <a:solidFill>
-                  <a:schemeClr val="tx1"/>
-                </a:solidFill>
-                <a:latin typeface="Microsoft YaHei" panose="020B0503020204020204" pitchFamily="34" charset="-122"/>
-                <a:ea typeface="Microsoft YaHei" panose="020B0503020204020204" pitchFamily="34" charset="-122"/>
-              </a:rPr>
-              <a:t>Algol60</a:t>
-            </a:r>
-            <a:r>
-              <a:rPr lang="zh-CN" altLang="zh-CN" sz="2400" dirty="0">
-                <a:solidFill>
-                  <a:schemeClr val="tx1"/>
-                </a:solidFill>
-                <a:latin typeface="Microsoft YaHei" panose="020B0503020204020204" pitchFamily="34" charset="-122"/>
-                <a:ea typeface="Microsoft YaHei" panose="020B0503020204020204" pitchFamily="34" charset="-122"/>
-              </a:rPr>
-              <a:t>部分产生式画成语法图</a:t>
-            </a:r>
-            <a:endParaRPr lang="en-US" altLang="zh-CN" sz="2400" dirty="0">
-              <a:solidFill>
-                <a:schemeClr val="tx1"/>
-              </a:solidFill>
-              <a:latin typeface="Microsoft YaHei" panose="020B0503020204020204" pitchFamily="34" charset="-122"/>
-              <a:ea typeface="Microsoft YaHei" panose="020B0503020204020204" pitchFamily="34" charset="-122"/>
-            </a:endParaRPr>
-          </a:p>
-          <a:p>
-            <a:pPr marL="0" indent="0">
-              <a:buNone/>
-            </a:pPr>
-            <a:r>
-              <a:rPr lang="en-US" altLang="zh-CN" sz="2400" dirty="0">
-                <a:solidFill>
-                  <a:schemeClr val="tx1"/>
-                </a:solidFill>
-                <a:latin typeface="Microsoft YaHei" panose="020B0503020204020204" pitchFamily="34" charset="-122"/>
-                <a:ea typeface="Microsoft YaHei" panose="020B0503020204020204" pitchFamily="34" charset="-122"/>
-              </a:rPr>
-              <a:t>&lt;unsigned integer&gt; </a:t>
-            </a:r>
-            <a:r>
-              <a:rPr lang="zh-CN" altLang="zh-CN" sz="2400" dirty="0">
-                <a:solidFill>
-                  <a:schemeClr val="tx1"/>
-                </a:solidFill>
-                <a:latin typeface="Microsoft YaHei" panose="020B0503020204020204" pitchFamily="34" charset="-122"/>
-                <a:ea typeface="Microsoft YaHei" panose="020B0503020204020204" pitchFamily="34" charset="-122"/>
-              </a:rPr>
-              <a:t>：：</a:t>
-            </a:r>
-            <a:r>
-              <a:rPr lang="en-US" altLang="zh-CN" sz="2400" dirty="0">
-                <a:solidFill>
-                  <a:schemeClr val="tx1"/>
-                </a:solidFill>
-                <a:latin typeface="Microsoft YaHei" panose="020B0503020204020204" pitchFamily="34" charset="-122"/>
-                <a:ea typeface="Microsoft YaHei" panose="020B0503020204020204" pitchFamily="34" charset="-122"/>
-              </a:rPr>
-              <a:t>= &lt;digit&gt;</a:t>
-            </a:r>
-            <a:endParaRPr lang="zh-CN" altLang="zh-CN" sz="2400" dirty="0">
-              <a:solidFill>
-                <a:schemeClr val="tx1"/>
-              </a:solidFill>
-              <a:latin typeface="Microsoft YaHei" panose="020B0503020204020204" pitchFamily="34" charset="-122"/>
-              <a:ea typeface="Microsoft YaHei" panose="020B0503020204020204" pitchFamily="34" charset="-122"/>
-            </a:endParaRPr>
-          </a:p>
-          <a:p>
-            <a:pPr marL="0" indent="0">
-              <a:buNone/>
-            </a:pPr>
-            <a:r>
-              <a:rPr lang="en-US" altLang="zh-CN" sz="2400" dirty="0">
-                <a:solidFill>
-                  <a:schemeClr val="tx1"/>
-                </a:solidFill>
-                <a:latin typeface="Microsoft YaHei" panose="020B0503020204020204" pitchFamily="34" charset="-122"/>
-                <a:ea typeface="Microsoft YaHei" panose="020B0503020204020204" pitchFamily="34" charset="-122"/>
-              </a:rPr>
-              <a:t>                            | &lt;unsigned integer&gt; &lt;digit&gt;</a:t>
-            </a:r>
-            <a:endParaRPr lang="zh-CN" altLang="zh-CN" sz="2400" dirty="0">
-              <a:solidFill>
-                <a:schemeClr val="tx1"/>
-              </a:solidFill>
-              <a:latin typeface="Microsoft YaHei" panose="020B0503020204020204" pitchFamily="34" charset="-122"/>
-              <a:ea typeface="Microsoft YaHei" panose="020B0503020204020204" pitchFamily="34" charset="-122"/>
-            </a:endParaRPr>
-          </a:p>
-          <a:p>
-            <a:pPr marL="0" indent="0">
-              <a:buNone/>
-            </a:pPr>
-            <a:r>
-              <a:rPr lang="en-US" altLang="zh-CN" sz="2400" dirty="0">
-                <a:solidFill>
-                  <a:schemeClr val="tx1"/>
-                </a:solidFill>
-                <a:latin typeface="Microsoft YaHei" panose="020B0503020204020204" pitchFamily="34" charset="-122"/>
-                <a:ea typeface="Microsoft YaHei" panose="020B0503020204020204" pitchFamily="34" charset="-122"/>
-              </a:rPr>
-              <a:t>     &lt;integer&gt; </a:t>
-            </a:r>
-            <a:r>
-              <a:rPr lang="zh-CN" altLang="zh-CN" sz="2400" dirty="0">
-                <a:solidFill>
-                  <a:schemeClr val="tx1"/>
-                </a:solidFill>
-                <a:latin typeface="Microsoft YaHei" panose="020B0503020204020204" pitchFamily="34" charset="-122"/>
-                <a:ea typeface="Microsoft YaHei" panose="020B0503020204020204" pitchFamily="34" charset="-122"/>
-              </a:rPr>
-              <a:t>：：</a:t>
-            </a:r>
-            <a:r>
-              <a:rPr lang="en-US" altLang="zh-CN" sz="2400" dirty="0">
-                <a:solidFill>
-                  <a:schemeClr val="tx1"/>
-                </a:solidFill>
-                <a:latin typeface="Microsoft YaHei" panose="020B0503020204020204" pitchFamily="34" charset="-122"/>
-                <a:ea typeface="Microsoft YaHei" panose="020B0503020204020204" pitchFamily="34" charset="-122"/>
-              </a:rPr>
-              <a:t>= +&lt;unsigned integer&gt;</a:t>
-            </a:r>
-            <a:endParaRPr lang="zh-CN" altLang="zh-CN" sz="2400" dirty="0">
-              <a:solidFill>
-                <a:schemeClr val="tx1"/>
-              </a:solidFill>
-              <a:latin typeface="Microsoft YaHei" panose="020B0503020204020204" pitchFamily="34" charset="-122"/>
-              <a:ea typeface="Microsoft YaHei" panose="020B0503020204020204" pitchFamily="34" charset="-122"/>
-            </a:endParaRPr>
-          </a:p>
-          <a:p>
-            <a:pPr marL="0" indent="0">
-              <a:buNone/>
-            </a:pPr>
-            <a:r>
-              <a:rPr lang="en-US" altLang="zh-CN" sz="2400" dirty="0">
-                <a:solidFill>
-                  <a:schemeClr val="tx1"/>
-                </a:solidFill>
-                <a:latin typeface="Microsoft YaHei" panose="020B0503020204020204" pitchFamily="34" charset="-122"/>
-                <a:ea typeface="Microsoft YaHei" panose="020B0503020204020204" pitchFamily="34" charset="-122"/>
-              </a:rPr>
-              <a:t>                    | -&lt;unsigned integer&gt;</a:t>
-            </a:r>
-            <a:endParaRPr lang="zh-CN" altLang="zh-CN" sz="2400" dirty="0">
-              <a:solidFill>
-                <a:schemeClr val="tx1"/>
-              </a:solidFill>
-              <a:latin typeface="Microsoft YaHei" panose="020B0503020204020204" pitchFamily="34" charset="-122"/>
-              <a:ea typeface="Microsoft YaHei" panose="020B0503020204020204" pitchFamily="34" charset="-122"/>
-            </a:endParaRPr>
-          </a:p>
-          <a:p>
-            <a:pPr marL="0" indent="0">
-              <a:buNone/>
-            </a:pPr>
-            <a:r>
-              <a:rPr lang="en-US" altLang="zh-CN" sz="2400" dirty="0">
-                <a:solidFill>
-                  <a:schemeClr val="tx1"/>
-                </a:solidFill>
-                <a:latin typeface="Microsoft YaHei" panose="020B0503020204020204" pitchFamily="34" charset="-122"/>
-                <a:ea typeface="Microsoft YaHei" panose="020B0503020204020204" pitchFamily="34" charset="-122"/>
-              </a:rPr>
-              <a:t>                    |  &lt;unsigned integer&gt;</a:t>
-            </a:r>
-            <a:endParaRPr lang="zh-CN" altLang="zh-CN" sz="2400" dirty="0">
-              <a:solidFill>
-                <a:schemeClr val="tx1"/>
-              </a:solidFill>
-              <a:latin typeface="Microsoft YaHei" panose="020B0503020204020204" pitchFamily="34" charset="-122"/>
-              <a:ea typeface="Microsoft YaHei" panose="020B0503020204020204" pitchFamily="34" charset="-122"/>
-            </a:endParaRPr>
-          </a:p>
-          <a:p>
-            <a:pPr marL="0" indent="0">
-              <a:buNone/>
-            </a:pPr>
-            <a:r>
-              <a:rPr lang="en-US" altLang="zh-CN" sz="2400" dirty="0">
-                <a:solidFill>
-                  <a:schemeClr val="tx1"/>
-                </a:solidFill>
-                <a:latin typeface="Microsoft YaHei" panose="020B0503020204020204" pitchFamily="34" charset="-122"/>
-                <a:ea typeface="Microsoft YaHei" panose="020B0503020204020204" pitchFamily="34" charset="-122"/>
-              </a:rPr>
-              <a:t>     &lt;decimal fraction&gt; </a:t>
-            </a:r>
-            <a:r>
-              <a:rPr lang="zh-CN" altLang="zh-CN" sz="2400" dirty="0">
-                <a:solidFill>
-                  <a:schemeClr val="tx1"/>
-                </a:solidFill>
-                <a:latin typeface="Microsoft YaHei" panose="020B0503020204020204" pitchFamily="34" charset="-122"/>
-                <a:ea typeface="Microsoft YaHei" panose="020B0503020204020204" pitchFamily="34" charset="-122"/>
-              </a:rPr>
-              <a:t>：：</a:t>
-            </a:r>
-            <a:r>
-              <a:rPr lang="en-US" altLang="zh-CN" sz="2400" dirty="0">
-                <a:solidFill>
-                  <a:schemeClr val="tx1"/>
-                </a:solidFill>
-                <a:latin typeface="Microsoft YaHei" panose="020B0503020204020204" pitchFamily="34" charset="-122"/>
-                <a:ea typeface="Microsoft YaHei" panose="020B0503020204020204" pitchFamily="34" charset="-122"/>
-              </a:rPr>
-              <a:t>= . &lt;unsigned integer&gt;</a:t>
-            </a:r>
-            <a:endParaRPr lang="zh-CN" altLang="zh-CN" sz="2400" dirty="0">
-              <a:solidFill>
-                <a:schemeClr val="tx1"/>
-              </a:solidFill>
-              <a:latin typeface="Microsoft YaHei" panose="020B0503020204020204" pitchFamily="34" charset="-122"/>
-              <a:ea typeface="Microsoft YaHei" panose="020B0503020204020204" pitchFamily="34" charset="-122"/>
-            </a:endParaRPr>
-          </a:p>
-          <a:p>
-            <a:pPr marL="0" indent="0">
-              <a:lnSpc>
-                <a:spcPct val="120000"/>
-              </a:lnSpc>
-              <a:buNone/>
-            </a:pPr>
-            <a:r>
-              <a:rPr lang="en-US" altLang="zh-CN" sz="2400" dirty="0">
-                <a:solidFill>
-                  <a:schemeClr val="tx1"/>
-                </a:solidFill>
-                <a:latin typeface="Microsoft YaHei" panose="020B0503020204020204" pitchFamily="34" charset="-122"/>
-                <a:ea typeface="Microsoft YaHei" panose="020B0503020204020204" pitchFamily="34" charset="-122"/>
-              </a:rPr>
-              <a:t>     &lt;exponent part&gt; </a:t>
-            </a:r>
-            <a:r>
-              <a:rPr lang="zh-CN" altLang="zh-CN" sz="2400" dirty="0">
-                <a:solidFill>
-                  <a:schemeClr val="tx1"/>
-                </a:solidFill>
-                <a:latin typeface="Microsoft YaHei" panose="020B0503020204020204" pitchFamily="34" charset="-122"/>
-                <a:ea typeface="Microsoft YaHei" panose="020B0503020204020204" pitchFamily="34" charset="-122"/>
-              </a:rPr>
-              <a:t>：：</a:t>
-            </a:r>
-            <a:r>
-              <a:rPr lang="en-US" altLang="zh-CN" sz="2400" dirty="0">
-                <a:solidFill>
-                  <a:schemeClr val="tx1"/>
-                </a:solidFill>
-                <a:latin typeface="Microsoft YaHei" panose="020B0503020204020204" pitchFamily="34" charset="-122"/>
-                <a:ea typeface="Microsoft YaHei" panose="020B0503020204020204" pitchFamily="34" charset="-122"/>
-              </a:rPr>
-              <a:t>= 10&lt;integer&gt;                     //10</a:t>
-            </a:r>
-            <a:r>
-              <a:rPr lang="zh-CN" altLang="zh-CN" sz="2400" dirty="0">
-                <a:solidFill>
-                  <a:schemeClr val="tx1"/>
-                </a:solidFill>
-                <a:latin typeface="Microsoft YaHei" panose="020B0503020204020204" pitchFamily="34" charset="-122"/>
-                <a:ea typeface="Microsoft YaHei" panose="020B0503020204020204" pitchFamily="34" charset="-122"/>
-              </a:rPr>
-              <a:t>为下标。</a:t>
-            </a:r>
-          </a:p>
-          <a:p>
-            <a:pPr marL="0" indent="0">
-              <a:lnSpc>
-                <a:spcPct val="120000"/>
-              </a:lnSpc>
-              <a:buNone/>
-            </a:pPr>
-            <a:r>
-              <a:rPr lang="en-US" altLang="zh-CN" sz="2400" dirty="0">
-                <a:solidFill>
-                  <a:schemeClr val="tx1"/>
-                </a:solidFill>
-                <a:latin typeface="Microsoft YaHei" panose="020B0503020204020204" pitchFamily="34" charset="-122"/>
-                <a:ea typeface="Microsoft YaHei" panose="020B0503020204020204" pitchFamily="34" charset="-122"/>
-              </a:rPr>
-              <a:t>&lt;decimal number&gt; </a:t>
-            </a:r>
-            <a:r>
-              <a:rPr lang="zh-CN" altLang="zh-CN" sz="2400" dirty="0">
-                <a:solidFill>
-                  <a:schemeClr val="tx1"/>
-                </a:solidFill>
-                <a:latin typeface="Microsoft YaHei" panose="020B0503020204020204" pitchFamily="34" charset="-122"/>
-                <a:ea typeface="Microsoft YaHei" panose="020B0503020204020204" pitchFamily="34" charset="-122"/>
-              </a:rPr>
-              <a:t>：：</a:t>
-            </a:r>
-            <a:r>
-              <a:rPr lang="en-US" altLang="zh-CN" sz="2400" dirty="0">
-                <a:solidFill>
-                  <a:schemeClr val="tx1"/>
-                </a:solidFill>
-                <a:latin typeface="Microsoft YaHei" panose="020B0503020204020204" pitchFamily="34" charset="-122"/>
-                <a:ea typeface="Microsoft YaHei" panose="020B0503020204020204" pitchFamily="34" charset="-122"/>
-              </a:rPr>
-              <a:t>= &lt;unsigned integer&gt;</a:t>
-            </a:r>
-            <a:endParaRPr lang="zh-CN" altLang="zh-CN" sz="2400" dirty="0">
-              <a:solidFill>
-                <a:schemeClr val="tx1"/>
-              </a:solidFill>
-              <a:latin typeface="Microsoft YaHei" panose="020B0503020204020204" pitchFamily="34" charset="-122"/>
-              <a:ea typeface="Microsoft YaHei" panose="020B0503020204020204" pitchFamily="34" charset="-122"/>
-            </a:endParaRPr>
-          </a:p>
-          <a:p>
-            <a:pPr marL="0" indent="0">
-              <a:buNone/>
-            </a:pPr>
-            <a:r>
-              <a:rPr lang="en-US" altLang="zh-CN" sz="2400" dirty="0">
-                <a:solidFill>
-                  <a:schemeClr val="tx1"/>
-                </a:solidFill>
-                <a:latin typeface="Microsoft YaHei" panose="020B0503020204020204" pitchFamily="34" charset="-122"/>
-                <a:ea typeface="Microsoft YaHei" panose="020B0503020204020204" pitchFamily="34" charset="-122"/>
-              </a:rPr>
-              <a:t>                      | &lt;decimal fraction&gt;</a:t>
-            </a:r>
-            <a:endParaRPr lang="zh-CN" altLang="zh-CN" sz="2400" dirty="0">
-              <a:solidFill>
-                <a:schemeClr val="tx1"/>
-              </a:solidFill>
-              <a:latin typeface="Microsoft YaHei" panose="020B0503020204020204" pitchFamily="34" charset="-122"/>
-              <a:ea typeface="Microsoft YaHei" panose="020B0503020204020204" pitchFamily="34" charset="-122"/>
-            </a:endParaRPr>
-          </a:p>
-          <a:p>
-            <a:pPr marL="0" indent="0">
-              <a:buNone/>
-            </a:pPr>
-            <a:r>
-              <a:rPr lang="en-US" altLang="zh-CN" sz="2400" dirty="0">
-                <a:solidFill>
-                  <a:schemeClr val="tx1"/>
-                </a:solidFill>
-                <a:latin typeface="Microsoft YaHei" panose="020B0503020204020204" pitchFamily="34" charset="-122"/>
-                <a:ea typeface="Microsoft YaHei" panose="020B0503020204020204" pitchFamily="34" charset="-122"/>
-              </a:rPr>
-              <a:t>                      | &lt;unsigned integer&gt; &lt;decimal fraction&gt;</a:t>
-            </a:r>
-            <a:endParaRPr lang="zh-CN" altLang="zh-CN" sz="2400" dirty="0">
-              <a:solidFill>
-                <a:schemeClr val="tx1"/>
-              </a:solidFill>
-              <a:latin typeface="Microsoft YaHei" panose="020B0503020204020204" pitchFamily="34" charset="-122"/>
-              <a:ea typeface="Microsoft YaHei" panose="020B0503020204020204" pitchFamily="34" charset="-122"/>
-            </a:endParaRPr>
-          </a:p>
-          <a:p>
-            <a:pPr marL="0" indent="0">
-              <a:buNone/>
-            </a:pPr>
-            <a:r>
-              <a:rPr lang="en-US" altLang="zh-CN" sz="2400" dirty="0">
-                <a:solidFill>
-                  <a:schemeClr val="tx1"/>
-                </a:solidFill>
-                <a:latin typeface="Microsoft YaHei" panose="020B0503020204020204" pitchFamily="34" charset="-122"/>
-                <a:ea typeface="Microsoft YaHei" panose="020B0503020204020204" pitchFamily="34" charset="-122"/>
-              </a:rPr>
-              <a:t>     &lt;unsigned number&gt; </a:t>
-            </a:r>
-            <a:r>
-              <a:rPr lang="zh-CN" altLang="zh-CN" sz="2400" dirty="0">
-                <a:solidFill>
-                  <a:schemeClr val="tx1"/>
-                </a:solidFill>
-                <a:latin typeface="Microsoft YaHei" panose="020B0503020204020204" pitchFamily="34" charset="-122"/>
-                <a:ea typeface="Microsoft YaHei" panose="020B0503020204020204" pitchFamily="34" charset="-122"/>
-              </a:rPr>
-              <a:t>：：</a:t>
-            </a:r>
-            <a:r>
-              <a:rPr lang="en-US" altLang="zh-CN" sz="2400" dirty="0">
-                <a:solidFill>
-                  <a:schemeClr val="tx1"/>
-                </a:solidFill>
-                <a:latin typeface="Microsoft YaHei" panose="020B0503020204020204" pitchFamily="34" charset="-122"/>
-                <a:ea typeface="Microsoft YaHei" panose="020B0503020204020204" pitchFamily="34" charset="-122"/>
-              </a:rPr>
-              <a:t>= &lt;decimal number&gt;</a:t>
-            </a:r>
-            <a:endParaRPr lang="zh-CN" altLang="zh-CN" sz="2400" dirty="0">
-              <a:solidFill>
-                <a:schemeClr val="tx1"/>
-              </a:solidFill>
-              <a:latin typeface="Microsoft YaHei" panose="020B0503020204020204" pitchFamily="34" charset="-122"/>
-              <a:ea typeface="Microsoft YaHei" panose="020B0503020204020204" pitchFamily="34" charset="-122"/>
-            </a:endParaRPr>
-          </a:p>
-          <a:p>
-            <a:pPr marL="0" indent="0">
-              <a:buNone/>
-            </a:pPr>
-            <a:r>
-              <a:rPr lang="en-US" altLang="zh-CN" sz="2400" dirty="0">
-                <a:solidFill>
-                  <a:schemeClr val="tx1"/>
-                </a:solidFill>
-                <a:latin typeface="Microsoft YaHei" panose="020B0503020204020204" pitchFamily="34" charset="-122"/>
-                <a:ea typeface="Microsoft YaHei" panose="020B0503020204020204" pitchFamily="34" charset="-122"/>
-              </a:rPr>
-              <a:t>                         | &lt;exponent part&gt;</a:t>
-            </a:r>
-            <a:endParaRPr lang="zh-CN" altLang="zh-CN" sz="2400" dirty="0">
-              <a:solidFill>
-                <a:schemeClr val="tx1"/>
-              </a:solidFill>
-              <a:latin typeface="Microsoft YaHei" panose="020B0503020204020204" pitchFamily="34" charset="-122"/>
-              <a:ea typeface="Microsoft YaHei" panose="020B0503020204020204" pitchFamily="34" charset="-122"/>
-            </a:endParaRPr>
-          </a:p>
-          <a:p>
-            <a:pPr marL="0" indent="0">
-              <a:buNone/>
-            </a:pPr>
-            <a:r>
-              <a:rPr lang="en-US" altLang="zh-CN" sz="2400" dirty="0">
-                <a:solidFill>
-                  <a:schemeClr val="tx1"/>
-                </a:solidFill>
-                <a:latin typeface="Microsoft YaHei" panose="020B0503020204020204" pitchFamily="34" charset="-122"/>
-                <a:ea typeface="Microsoft YaHei" panose="020B0503020204020204" pitchFamily="34" charset="-122"/>
-              </a:rPr>
-              <a:t>                         | &lt;decimal number&gt; &lt;exponent part&gt;           </a:t>
-            </a:r>
-            <a:endParaRPr lang="zh-CN" altLang="zh-CN" sz="2400" dirty="0">
-              <a:solidFill>
-                <a:schemeClr val="tx1"/>
-              </a:solidFill>
-              <a:latin typeface="Microsoft YaHei" panose="020B0503020204020204" pitchFamily="34" charset="-122"/>
-              <a:ea typeface="Microsoft YaHei" panose="020B0503020204020204" pitchFamily="34" charset="-122"/>
-            </a:endParaRPr>
-          </a:p>
-          <a:p>
-            <a:pPr marL="0" indent="0">
-              <a:buNone/>
-            </a:pPr>
-            <a:r>
-              <a:rPr lang="en-US" altLang="zh-CN" sz="2400" dirty="0">
-                <a:solidFill>
-                  <a:schemeClr val="tx1"/>
-                </a:solidFill>
-                <a:latin typeface="Microsoft YaHei" panose="020B0503020204020204" pitchFamily="34" charset="-122"/>
-                <a:ea typeface="Microsoft YaHei" panose="020B0503020204020204" pitchFamily="34" charset="-122"/>
-              </a:rPr>
-              <a:t>     &lt;number&gt; </a:t>
-            </a:r>
-            <a:r>
-              <a:rPr lang="zh-CN" altLang="zh-CN" sz="2400" dirty="0">
-                <a:solidFill>
-                  <a:schemeClr val="tx1"/>
-                </a:solidFill>
-                <a:latin typeface="Microsoft YaHei" panose="020B0503020204020204" pitchFamily="34" charset="-122"/>
-                <a:ea typeface="Microsoft YaHei" panose="020B0503020204020204" pitchFamily="34" charset="-122"/>
-              </a:rPr>
-              <a:t>：：</a:t>
-            </a:r>
-            <a:r>
-              <a:rPr lang="en-US" altLang="zh-CN" sz="2400" dirty="0">
-                <a:solidFill>
-                  <a:schemeClr val="tx1"/>
-                </a:solidFill>
-                <a:latin typeface="Microsoft YaHei" panose="020B0503020204020204" pitchFamily="34" charset="-122"/>
-                <a:ea typeface="Microsoft YaHei" panose="020B0503020204020204" pitchFamily="34" charset="-122"/>
-              </a:rPr>
-              <a:t>= +&lt;unsigned number&gt;</a:t>
-            </a:r>
-            <a:endParaRPr lang="zh-CN" altLang="zh-CN" sz="2400" dirty="0">
-              <a:solidFill>
-                <a:schemeClr val="tx1"/>
-              </a:solidFill>
-              <a:latin typeface="Microsoft YaHei" panose="020B0503020204020204" pitchFamily="34" charset="-122"/>
-              <a:ea typeface="Microsoft YaHei" panose="020B0503020204020204" pitchFamily="34" charset="-122"/>
-            </a:endParaRPr>
-          </a:p>
-          <a:p>
-            <a:pPr marL="0" indent="0">
-              <a:buNone/>
-            </a:pPr>
-            <a:r>
-              <a:rPr lang="en-US" altLang="zh-CN" sz="2400" dirty="0">
-                <a:solidFill>
-                  <a:schemeClr val="tx1"/>
-                </a:solidFill>
-                <a:latin typeface="Microsoft YaHei" panose="020B0503020204020204" pitchFamily="34" charset="-122"/>
-                <a:ea typeface="Microsoft YaHei" panose="020B0503020204020204" pitchFamily="34" charset="-122"/>
-              </a:rPr>
-              <a:t>               | -&lt;unsigned number&gt;</a:t>
-            </a:r>
-            <a:endParaRPr lang="zh-CN" altLang="zh-CN" sz="2400" dirty="0">
-              <a:solidFill>
-                <a:schemeClr val="tx1"/>
-              </a:solidFill>
-              <a:latin typeface="Microsoft YaHei" panose="020B0503020204020204" pitchFamily="34" charset="-122"/>
-              <a:ea typeface="Microsoft YaHei" panose="020B0503020204020204" pitchFamily="34" charset="-122"/>
-            </a:endParaRPr>
-          </a:p>
-          <a:p>
-            <a:pPr marL="0" indent="0">
-              <a:buNone/>
-            </a:pPr>
-            <a:r>
-              <a:rPr lang="en-US" altLang="zh-CN" sz="2400" dirty="0">
-                <a:solidFill>
-                  <a:schemeClr val="tx1"/>
-                </a:solidFill>
-                <a:latin typeface="Microsoft YaHei" panose="020B0503020204020204" pitchFamily="34" charset="-122"/>
-                <a:ea typeface="Microsoft YaHei" panose="020B0503020204020204" pitchFamily="34" charset="-122"/>
-              </a:rPr>
-              <a:t>               |  &lt;unsigned number&gt;</a:t>
-            </a:r>
-            <a:endParaRPr kumimoji="1" lang="zh-CN" altLang="en-US" sz="2400" dirty="0">
-              <a:solidFill>
-                <a:schemeClr val="tx1"/>
-              </a:solidFill>
-            </a:endParaRPr>
-          </a:p>
-        </p:txBody>
-      </p:sp>
-      <p:sp>
-        <p:nvSpPr>
-          <p:cNvPr id="7" name="矩形 6">
-            <a:extLst>
-              <a:ext uri="{FF2B5EF4-FFF2-40B4-BE49-F238E27FC236}">
-                <a16:creationId xmlns:a16="http://schemas.microsoft.com/office/drawing/2014/main" id="{6EEF9A6E-C639-7049-A9F2-146C89C82F87}"/>
-              </a:ext>
-            </a:extLst>
-          </p:cNvPr>
-          <p:cNvSpPr/>
-          <p:nvPr/>
-        </p:nvSpPr>
-        <p:spPr>
-          <a:xfrm>
-            <a:off x="5644429" y="-13855"/>
-            <a:ext cx="902811" cy="523220"/>
+            <a:off x="2044700" y="1341439"/>
+            <a:ext cx="8356600" cy="4149725"/>
           </a:xfrm>
           <a:prstGeom prst="rect">
             <a:avLst/>
           </a:prstGeom>
+          <a:noFill/>
+          <a:ln w="9525">
+            <a:noFill/>
+            <a:miter lim="800000"/>
+          </a:ln>
         </p:spPr>
         <p:txBody>
-          <a:bodyPr wrap="none">
-            <a:spAutoFit/>
-          </a:bodyPr>
+          <a:bodyPr/>
           <a:lstStyle/>
           <a:p>
-            <a:r>
-              <a:rPr lang="zh-CN" altLang="en-US" sz="2800" b="1" dirty="0">
-                <a:latin typeface="Microsoft YaHei" panose="020B0503020204020204" pitchFamily="34" charset="-122"/>
-                <a:ea typeface="Microsoft YaHei" panose="020B0503020204020204" pitchFamily="34" charset="-122"/>
-              </a:rPr>
-              <a:t>作业</a:t>
-            </a:r>
+            <a:pPr eaLnBrk="1" hangingPunct="1">
+              <a:spcBef>
+                <a:spcPct val="20000"/>
+              </a:spcBef>
+              <a:defRPr/>
+            </a:pPr>
+            <a:r>
+              <a:rPr lang="zh-CN" altLang="en-US" sz="2400" kern="0" dirty="0"/>
+              <a:t>多态作业提交形式：</a:t>
+            </a:r>
+            <a:endParaRPr lang="en-US" altLang="zh-CN" sz="2400" kern="0" dirty="0"/>
+          </a:p>
+          <a:p>
+            <a:pPr marL="0" lvl="2">
+              <a:spcBef>
+                <a:spcPct val="20000"/>
+              </a:spcBef>
+              <a:defRPr/>
+            </a:pPr>
+            <a:r>
+              <a:rPr lang="zh-CN" altLang="en-US" sz="2000" kern="0" dirty="0"/>
+              <a:t>       提交一份</a:t>
+            </a:r>
+            <a:r>
+              <a:rPr lang="en-US" altLang="zh-CN" sz="2000" kern="0" dirty="0"/>
+              <a:t>PDF</a:t>
+            </a:r>
+            <a:r>
+              <a:rPr lang="zh-CN" altLang="en-US" sz="2000" kern="0" dirty="0"/>
+              <a:t>，</a:t>
+            </a:r>
+            <a:r>
+              <a:rPr lang="zh-CN" altLang="en-US" sz="2000" kern="0" dirty="0">
+                <a:sym typeface="+mn-ea"/>
+              </a:rPr>
+              <a:t>内容包括以下三部分：</a:t>
+            </a:r>
+          </a:p>
+          <a:p>
+            <a:pPr marL="800100" lvl="3" indent="-342900">
+              <a:spcBef>
+                <a:spcPct val="20000"/>
+              </a:spcBef>
+              <a:buFont typeface="Arial" panose="020B0604020202020204" pitchFamily="34" charset="0"/>
+              <a:buChar char="•"/>
+              <a:defRPr/>
+            </a:pPr>
+            <a:r>
+              <a:rPr lang="zh-CN" altLang="en-US" sz="2000" kern="0" dirty="0">
+                <a:sym typeface="+mn-ea"/>
+              </a:rPr>
+              <a:t>首先说明都设计了哪些类，以及类与类之间的继承关系（通过类图说明）；</a:t>
+            </a:r>
+          </a:p>
+          <a:p>
+            <a:pPr marL="800100" lvl="3" indent="-342900">
+              <a:spcBef>
+                <a:spcPct val="20000"/>
+              </a:spcBef>
+              <a:buFont typeface="Arial" panose="020B0604020202020204" pitchFamily="34" charset="0"/>
+              <a:buChar char="•"/>
+              <a:defRPr/>
+            </a:pPr>
+            <a:r>
+              <a:rPr lang="zh-CN" altLang="en-US" sz="2000" kern="0" dirty="0">
+                <a:sym typeface="+mn-ea"/>
+              </a:rPr>
+              <a:t>程序运行结果（测试数组里必须包含狮子对象</a:t>
+            </a:r>
+            <a:r>
+              <a:rPr lang="en-US" altLang="zh-CN" sz="2000" kern="0" dirty="0"/>
+              <a:t>(lion)</a:t>
+            </a:r>
+            <a:r>
+              <a:rPr lang="zh-CN" altLang="en-US" sz="2000" kern="0" dirty="0">
+                <a:sym typeface="+mn-ea"/>
+              </a:rPr>
+              <a:t>、狗对象</a:t>
+            </a:r>
+            <a:r>
+              <a:rPr lang="en-US" altLang="zh-CN" sz="2000" kern="0" dirty="0">
+                <a:sym typeface="+mn-ea"/>
+              </a:rPr>
+              <a:t>(dog)</a:t>
+            </a:r>
+            <a:r>
+              <a:rPr lang="zh-CN" altLang="en-US" sz="2000" kern="0" dirty="0">
+                <a:sym typeface="+mn-ea"/>
+              </a:rPr>
+              <a:t>、猫科动物对象</a:t>
+            </a:r>
+            <a:r>
+              <a:rPr lang="en-US" altLang="zh-CN" sz="2000" kern="0" dirty="0"/>
+              <a:t>(</a:t>
+            </a:r>
+            <a:r>
+              <a:rPr lang="en-US" altLang="zh-CN" sz="2000" kern="0" dirty="0" err="1"/>
+              <a:t>felidae</a:t>
+            </a:r>
+            <a:r>
+              <a:rPr lang="en-US" altLang="zh-CN" sz="2000" kern="0" dirty="0"/>
+              <a:t>) </a:t>
+            </a:r>
+            <a:r>
+              <a:rPr lang="zh-CN" altLang="en-US" sz="2000" kern="0" dirty="0">
+                <a:sym typeface="+mn-ea"/>
+              </a:rPr>
+              <a:t>、动物对象</a:t>
+            </a:r>
+            <a:r>
+              <a:rPr lang="en-US" altLang="zh-CN" sz="2000" kern="0" dirty="0"/>
+              <a:t>(animal) </a:t>
+            </a:r>
+            <a:r>
+              <a:rPr lang="zh-CN" altLang="en-US" sz="2000" kern="0" dirty="0">
+                <a:sym typeface="+mn-ea"/>
+              </a:rPr>
+              <a:t>；</a:t>
+            </a:r>
+          </a:p>
+          <a:p>
+            <a:pPr marL="800100" lvl="3" indent="-342900">
+              <a:spcBef>
+                <a:spcPct val="20000"/>
+              </a:spcBef>
+              <a:buFont typeface="Arial" panose="020B0604020202020204" pitchFamily="34" charset="0"/>
+              <a:buChar char="•"/>
+              <a:defRPr/>
+            </a:pPr>
+            <a:r>
+              <a:rPr lang="zh-CN" altLang="en-US" sz="2000" kern="0" dirty="0">
+                <a:sym typeface="+mn-ea"/>
+              </a:rPr>
+              <a:t>最后附上所有的实现代码（将代码部分</a:t>
+            </a:r>
+            <a:r>
+              <a:rPr lang="en-US" altLang="zh-CN" sz="2000" kern="0" dirty="0">
+                <a:sym typeface="+mn-ea"/>
+              </a:rPr>
+              <a:t>copy</a:t>
+            </a:r>
+            <a:r>
+              <a:rPr lang="zh-CN" altLang="en-US" sz="2000" kern="0" dirty="0">
+                <a:sym typeface="+mn-ea"/>
+              </a:rPr>
+              <a:t>到文档里，再转</a:t>
+            </a:r>
+            <a:r>
+              <a:rPr lang="en-US" altLang="zh-CN" sz="2000" kern="0" dirty="0">
+                <a:sym typeface="+mn-ea"/>
+              </a:rPr>
+              <a:t>pdf</a:t>
+            </a:r>
+            <a:r>
+              <a:rPr lang="zh-CN" altLang="en-US" sz="2000" kern="0" dirty="0">
+                <a:sym typeface="+mn-ea"/>
+              </a:rPr>
+              <a:t>）。</a:t>
+            </a:r>
+          </a:p>
+          <a:p>
+            <a:pPr marL="800100" lvl="3" indent="-342900">
+              <a:spcBef>
+                <a:spcPct val="20000"/>
+              </a:spcBef>
+              <a:buFont typeface="Arial" panose="020B0604020202020204" pitchFamily="34" charset="0"/>
+              <a:buChar char="•"/>
+              <a:defRPr/>
+            </a:pPr>
+            <a:endParaRPr lang="zh-CN" altLang="en-US" sz="2000" kern="0" dirty="0">
+              <a:sym typeface="+mn-ea"/>
+            </a:endParaRPr>
           </a:p>
         </p:txBody>
       </p:sp>
     </p:spTree>
-    <p:extLst>
-      <p:ext uri="{BB962C8B-B14F-4D97-AF65-F5344CB8AC3E}">
-        <p14:creationId xmlns:p14="http://schemas.microsoft.com/office/powerpoint/2010/main" val="3584776021"/>
-      </p:ext>
-    </p:extLst>
   </p:cSld>
   <p:clrMapOvr>
     <a:masterClrMapping/>
@@ -4817,10 +6773,1023 @@
       </p:grpSpPr>
       <p:sp>
         <p:nvSpPr>
+          <p:cNvPr id="2" name="Rectangle 2">
+            <a:extLst>
+              <a:ext uri="{FF2B5EF4-FFF2-40B4-BE49-F238E27FC236}">
+                <a16:creationId xmlns:a16="http://schemas.microsoft.com/office/drawing/2014/main" id="{A0953096-6713-426C-8BE6-A76758ECE7F3}"/>
+              </a:ext>
+            </a:extLst>
+          </p:cNvPr>
+          <p:cNvSpPr txBox="1">
+            <a:spLocks noChangeArrowheads="1"/>
+          </p:cNvSpPr>
+          <p:nvPr/>
+        </p:nvSpPr>
+        <p:spPr bwMode="auto">
+          <a:xfrm>
+            <a:off x="2209800" y="285750"/>
+            <a:ext cx="7772400" cy="1143000"/>
+          </a:xfrm>
+          <a:prstGeom prst="rect">
+            <a:avLst/>
+          </a:prstGeom>
+          <a:noFill/>
+          <a:ln w="9525">
+            <a:noFill/>
+            <a:miter lim="800000"/>
+            <a:headEnd/>
+            <a:tailEnd/>
+          </a:ln>
+        </p:spPr>
+        <p:txBody>
+          <a:bodyPr anchor="ctr"/>
+          <a:lstStyle/>
+          <a:p>
+            <a:pPr algn="ctr" eaLnBrk="1" hangingPunct="1">
+              <a:defRPr/>
+            </a:pPr>
+            <a:r>
+              <a:rPr lang="en-US" altLang="zh-CN" sz="4400" kern="0" dirty="0">
+                <a:solidFill>
+                  <a:schemeClr val="tx2"/>
+                </a:solidFill>
+                <a:latin typeface="+mj-lt"/>
+                <a:ea typeface="+mj-ea"/>
+                <a:cs typeface="+mj-cs"/>
+              </a:rPr>
+              <a:t>Lec04 </a:t>
+            </a:r>
+            <a:endParaRPr lang="zh-CN" altLang="zh-CN" sz="4400" kern="0" dirty="0">
+              <a:solidFill>
+                <a:schemeClr val="tx2"/>
+              </a:solidFill>
+              <a:latin typeface="+mj-lt"/>
+              <a:ea typeface="+mj-ea"/>
+              <a:cs typeface="+mj-cs"/>
+            </a:endParaRPr>
+          </a:p>
+        </p:txBody>
+      </p:sp>
+      <p:sp>
+        <p:nvSpPr>
+          <p:cNvPr id="3" name="Rectangle 3">
+            <a:extLst>
+              <a:ext uri="{FF2B5EF4-FFF2-40B4-BE49-F238E27FC236}">
+                <a16:creationId xmlns:a16="http://schemas.microsoft.com/office/drawing/2014/main" id="{18BC50C8-2B6D-4D10-B65E-931B5FA795D8}"/>
+              </a:ext>
+            </a:extLst>
+          </p:cNvPr>
+          <p:cNvSpPr txBox="1">
+            <a:spLocks noChangeArrowheads="1"/>
+          </p:cNvSpPr>
+          <p:nvPr/>
+        </p:nvSpPr>
+        <p:spPr bwMode="auto">
+          <a:xfrm>
+            <a:off x="1881188" y="1500188"/>
+            <a:ext cx="8501062" cy="5072062"/>
+          </a:xfrm>
+          <a:prstGeom prst="rect">
+            <a:avLst/>
+          </a:prstGeom>
+          <a:noFill/>
+          <a:ln w="9525">
+            <a:noFill/>
+            <a:miter lim="800000"/>
+            <a:headEnd/>
+            <a:tailEnd/>
+          </a:ln>
+        </p:spPr>
+        <p:txBody>
+          <a:bodyPr/>
+          <a:lstStyle/>
+          <a:p>
+            <a:pPr eaLnBrk="1" hangingPunct="1">
+              <a:lnSpc>
+                <a:spcPct val="150000"/>
+              </a:lnSpc>
+              <a:spcBef>
+                <a:spcPct val="20000"/>
+              </a:spcBef>
+              <a:defRPr/>
+            </a:pPr>
+            <a:r>
+              <a:rPr lang="en-US" altLang="zh-CN" sz="3200" kern="0" dirty="0"/>
+              <a:t> </a:t>
+            </a:r>
+            <a:r>
+              <a:rPr lang="en-US" altLang="zh-CN" sz="3200" kern="0" dirty="0">
+                <a:solidFill>
+                  <a:schemeClr val="tx2"/>
+                </a:solidFill>
+                <a:latin typeface="+mj-lt"/>
+                <a:ea typeface="+mj-ea"/>
+                <a:cs typeface="+mj-cs"/>
+              </a:rPr>
+              <a:t>Python</a:t>
+            </a:r>
+            <a:r>
+              <a:rPr lang="zh-CN" altLang="en-US" sz="3200" kern="0" dirty="0">
+                <a:solidFill>
+                  <a:schemeClr val="tx2"/>
+                </a:solidFill>
+                <a:latin typeface="宋体" pitchFamily="2" charset="-122"/>
+                <a:ea typeface="+mj-ea"/>
+                <a:cs typeface="+mj-cs"/>
+              </a:rPr>
+              <a:t>语言的面向对象特征</a:t>
+            </a:r>
+            <a:endParaRPr lang="en-US" altLang="zh-CN" sz="3200" kern="0" dirty="0"/>
+          </a:p>
+          <a:p>
+            <a:pPr marL="933450" lvl="1" indent="-533400">
+              <a:lnSpc>
+                <a:spcPct val="150000"/>
+              </a:lnSpc>
+              <a:spcBef>
+                <a:spcPct val="20000"/>
+              </a:spcBef>
+              <a:buFontTx/>
+              <a:buChar char="–"/>
+              <a:defRPr/>
+            </a:pPr>
+            <a:r>
+              <a:rPr lang="zh-CN" altLang="en-US" sz="2400" kern="0" dirty="0"/>
+              <a:t>查阅</a:t>
+            </a:r>
+            <a:r>
+              <a:rPr lang="en-US" altLang="zh-CN" sz="2400" kern="0" dirty="0"/>
+              <a:t>Python</a:t>
+            </a:r>
+            <a:r>
+              <a:rPr lang="zh-CN" altLang="en-US" sz="2400" kern="0" dirty="0"/>
+              <a:t>中</a:t>
+            </a:r>
+            <a:r>
+              <a:rPr lang="en-US" altLang="zh-CN" sz="2400" kern="0" dirty="0"/>
+              <a:t>MRO</a:t>
+            </a:r>
+            <a:r>
+              <a:rPr lang="zh-CN" altLang="en-US" sz="2400" kern="0" dirty="0"/>
+              <a:t>生成算法</a:t>
+            </a:r>
+            <a:r>
+              <a:rPr lang="en-US" altLang="zh-CN" sz="2400" kern="0" dirty="0"/>
+              <a:t>(DFS</a:t>
+            </a:r>
+            <a:r>
+              <a:rPr lang="zh-CN" altLang="en-US" sz="2400" kern="0" dirty="0"/>
+              <a:t>、</a:t>
+            </a:r>
+            <a:r>
+              <a:rPr lang="en-US" altLang="zh-CN" sz="2400" kern="0" dirty="0"/>
+              <a:t>BFS</a:t>
+            </a:r>
+            <a:r>
+              <a:rPr lang="zh-CN" altLang="en-US" sz="2400" kern="0" dirty="0"/>
+              <a:t>和</a:t>
+            </a:r>
+            <a:r>
+              <a:rPr lang="en-US" altLang="zh-CN" sz="2400" kern="0" dirty="0"/>
+              <a:t>C3</a:t>
+            </a:r>
+            <a:r>
+              <a:rPr lang="zh-CN" altLang="en-US" sz="2400" kern="0" dirty="0"/>
+              <a:t>算法</a:t>
+            </a:r>
+            <a:r>
+              <a:rPr lang="en-US" altLang="zh-CN" sz="2400" kern="0" dirty="0"/>
+              <a:t>)</a:t>
+            </a:r>
+            <a:r>
+              <a:rPr lang="zh-CN" altLang="en-US" sz="2400" kern="0" dirty="0"/>
+              <a:t>，并根据</a:t>
+            </a:r>
+            <a:r>
+              <a:rPr lang="en-US" altLang="zh-CN" sz="2400" kern="0" dirty="0"/>
+              <a:t>C3</a:t>
+            </a:r>
+            <a:r>
+              <a:rPr lang="zh-CN" altLang="en-US" sz="2400" kern="0" dirty="0"/>
+              <a:t>算法写出如下两幅图的</a:t>
+            </a:r>
+            <a:r>
+              <a:rPr lang="en-US" altLang="zh-CN" sz="2400" kern="0" dirty="0"/>
+              <a:t>MRO</a:t>
+            </a:r>
+            <a:r>
+              <a:rPr lang="zh-CN" altLang="en-US" sz="2400" kern="0" dirty="0"/>
+              <a:t>列表</a:t>
+            </a:r>
+            <a:endParaRPr lang="en-US" altLang="zh-CN" sz="2400" kern="0" dirty="0"/>
+          </a:p>
+          <a:p>
+            <a:pPr marL="933450" lvl="1" indent="-533400">
+              <a:lnSpc>
+                <a:spcPct val="150000"/>
+              </a:lnSpc>
+              <a:spcBef>
+                <a:spcPct val="20000"/>
+              </a:spcBef>
+              <a:buFontTx/>
+              <a:buChar char="–"/>
+              <a:defRPr/>
+            </a:pPr>
+            <a:endParaRPr lang="zh-CN" altLang="en-US" sz="2400" kern="0" dirty="0"/>
+          </a:p>
+        </p:txBody>
+      </p:sp>
+      <p:pic>
+        <p:nvPicPr>
+          <p:cNvPr id="2052" name="图片 3">
+            <a:extLst>
+              <a:ext uri="{FF2B5EF4-FFF2-40B4-BE49-F238E27FC236}">
+                <a16:creationId xmlns:a16="http://schemas.microsoft.com/office/drawing/2014/main" id="{329691C7-35BB-4F38-8AD2-29541574A87D}"/>
+              </a:ext>
+            </a:extLst>
+          </p:cNvPr>
+          <p:cNvPicPr>
+            <a:picLocks noChangeAspect="1"/>
+          </p:cNvPicPr>
+          <p:nvPr/>
+        </p:nvPicPr>
+        <p:blipFill>
+          <a:blip r:embed="rId2">
+            <a:extLst>
+              <a:ext uri="{28A0092B-C50C-407E-A947-70E740481C1C}">
+                <a14:useLocalDpi xmlns:a14="http://schemas.microsoft.com/office/drawing/2010/main" val="0"/>
+              </a:ext>
+            </a:extLst>
+          </a:blip>
+          <a:srcRect/>
+          <a:stretch>
+            <a:fillRect/>
+          </a:stretch>
+        </p:blipFill>
+        <p:spPr bwMode="auto">
+          <a:xfrm>
+            <a:off x="3016250" y="3565525"/>
+            <a:ext cx="2305050" cy="2952750"/>
+          </a:xfrm>
+          <a:prstGeom prst="rect">
+            <a:avLst/>
+          </a:prstGeom>
+          <a:noFill/>
+          <a:ln>
+            <a:noFill/>
+          </a:ln>
+          <a:extLst>
+            <a:ext uri="{909E8E84-426E-40DD-AFC4-6F175D3DCCD1}">
+              <a14:hiddenFill xmlns:a14="http://schemas.microsoft.com/office/drawing/2010/main">
+                <a:solidFill>
+                  <a:srgbClr val="FFFFFF"/>
+                </a:solidFill>
+              </a14:hiddenFill>
+            </a:ext>
+            <a:ext uri="{91240B29-F687-4F45-9708-019B960494DF}">
+              <a14:hiddenLine xmlns:a14="http://schemas.microsoft.com/office/drawing/2010/main" w="9525">
+                <a:solidFill>
+                  <a:srgbClr val="000000"/>
+                </a:solidFill>
+                <a:miter lim="800000"/>
+                <a:headEnd/>
+                <a:tailEnd/>
+              </a14:hiddenLine>
+            </a:ext>
+          </a:extLst>
+        </p:spPr>
+      </p:pic>
+      <p:pic>
+        <p:nvPicPr>
+          <p:cNvPr id="2053" name="图片 7">
+            <a:extLst>
+              <a:ext uri="{FF2B5EF4-FFF2-40B4-BE49-F238E27FC236}">
+                <a16:creationId xmlns:a16="http://schemas.microsoft.com/office/drawing/2014/main" id="{471AEC8F-EC8C-49B0-9A70-864A42911528}"/>
+              </a:ext>
+            </a:extLst>
+          </p:cNvPr>
+          <p:cNvPicPr>
+            <a:picLocks noChangeAspect="1"/>
+          </p:cNvPicPr>
+          <p:nvPr/>
+        </p:nvPicPr>
+        <p:blipFill>
+          <a:blip r:embed="rId3">
+            <a:extLst>
+              <a:ext uri="{28A0092B-C50C-407E-A947-70E740481C1C}">
+                <a14:useLocalDpi xmlns:a14="http://schemas.microsoft.com/office/drawing/2010/main" val="0"/>
+              </a:ext>
+            </a:extLst>
+          </a:blip>
+          <a:srcRect/>
+          <a:stretch>
+            <a:fillRect/>
+          </a:stretch>
+        </p:blipFill>
+        <p:spPr bwMode="auto">
+          <a:xfrm>
+            <a:off x="6697663" y="3598864"/>
+            <a:ext cx="2303462" cy="2973387"/>
+          </a:xfrm>
+          <a:prstGeom prst="rect">
+            <a:avLst/>
+          </a:prstGeom>
+          <a:noFill/>
+          <a:ln>
+            <a:noFill/>
+          </a:ln>
+          <a:extLst>
+            <a:ext uri="{909E8E84-426E-40DD-AFC4-6F175D3DCCD1}">
+              <a14:hiddenFill xmlns:a14="http://schemas.microsoft.com/office/drawing/2010/main">
+                <a:solidFill>
+                  <a:srgbClr val="FFFFFF"/>
+                </a:solidFill>
+              </a14:hiddenFill>
+            </a:ext>
+            <a:ext uri="{91240B29-F687-4F45-9708-019B960494DF}">
+              <a14:hiddenLine xmlns:a14="http://schemas.microsoft.com/office/drawing/2010/main" w="9525">
+                <a:solidFill>
+                  <a:srgbClr val="000000"/>
+                </a:solidFill>
+                <a:miter lim="800000"/>
+                <a:headEnd/>
+                <a:tailEnd/>
+              </a14:hiddenLine>
+            </a:ext>
+          </a:extLst>
+        </p:spPr>
+      </p:pic>
+    </p:spTree>
+  </p:cSld>
+  <p:clrMapOvr>
+    <a:masterClrMapping/>
+  </p:clrMapOvr>
+</p:sld>
+</file>
+
+<file path=ppt/slides/slide7.xml><?xml version="1.0" encoding="utf-8"?>
+<p:sld xmlns:a="http://schemas.openxmlformats.org/drawingml/2006/main" xmlns:r="http://schemas.openxmlformats.org/officeDocument/2006/relationships" xmlns:p="http://schemas.openxmlformats.org/presentationml/2006/main">
+  <p:cSld>
+    <p:spTree>
+      <p:nvGrpSpPr>
+        <p:cNvPr id="1" name=""/>
+        <p:cNvGrpSpPr/>
+        <p:nvPr/>
+      </p:nvGrpSpPr>
+      <p:grpSpPr>
+        <a:xfrm>
+          <a:off x="0" y="0"/>
+          <a:ext cx="0" cy="0"/>
+          <a:chOff x="0" y="0"/>
+          <a:chExt cx="0" cy="0"/>
+        </a:xfrm>
+      </p:grpSpPr>
+      <p:sp>
+        <p:nvSpPr>
+          <p:cNvPr id="2" name="标题 1">
+            <a:extLst>
+              <a:ext uri="{FF2B5EF4-FFF2-40B4-BE49-F238E27FC236}">
+                <a16:creationId xmlns:a16="http://schemas.microsoft.com/office/drawing/2014/main" id="{A7DFDD63-82DA-4499-B06F-5F1232474A1E}"/>
+              </a:ext>
+            </a:extLst>
+          </p:cNvPr>
+          <p:cNvSpPr>
+            <a:spLocks noGrp="1"/>
+          </p:cNvSpPr>
+          <p:nvPr>
+            <p:ph type="title"/>
+          </p:nvPr>
+        </p:nvSpPr>
+        <p:spPr/>
+        <p:txBody>
+          <a:bodyPr/>
+          <a:lstStyle/>
+          <a:p>
+            <a:r>
+              <a:rPr lang="en-US" altLang="zh-CN" dirty="0"/>
+              <a:t>Lec03</a:t>
+            </a:r>
+            <a:endParaRPr lang="zh-CN" altLang="en-US" dirty="0"/>
+          </a:p>
+        </p:txBody>
+      </p:sp>
+      <p:sp>
+        <p:nvSpPr>
+          <p:cNvPr id="3" name="内容占位符 2">
+            <a:extLst>
+              <a:ext uri="{FF2B5EF4-FFF2-40B4-BE49-F238E27FC236}">
+                <a16:creationId xmlns:a16="http://schemas.microsoft.com/office/drawing/2014/main" id="{D22DF771-6A2F-4171-AD79-F2C9537F1BA7}"/>
+              </a:ext>
+            </a:extLst>
+          </p:cNvPr>
+          <p:cNvSpPr>
+            <a:spLocks noGrp="1"/>
+          </p:cNvSpPr>
+          <p:nvPr>
+            <p:ph idx="1"/>
+          </p:nvPr>
+        </p:nvSpPr>
+        <p:spPr/>
+        <p:txBody>
+          <a:bodyPr>
+            <a:normAutofit fontScale="92500" lnSpcReduction="10000"/>
+          </a:bodyPr>
+          <a:lstStyle/>
+          <a:p>
+            <a:r>
+              <a:rPr lang="zh-CN" altLang="en-US" dirty="0"/>
+              <a:t>给出指针类型的运算说明。生存期如何？（</a:t>
+            </a:r>
+            <a:r>
+              <a:rPr lang="en-US" altLang="zh-CN" dirty="0"/>
+              <a:t>V</a:t>
+            </a:r>
+            <a:r>
+              <a:rPr lang="zh-CN" altLang="en-US" dirty="0"/>
+              <a:t>，</a:t>
+            </a:r>
+            <a:r>
+              <a:rPr lang="en-US" altLang="zh-CN" dirty="0"/>
+              <a:t>OP</a:t>
+            </a:r>
+            <a:r>
+              <a:rPr lang="zh-CN" altLang="en-US" dirty="0"/>
+              <a:t>）</a:t>
+            </a:r>
+            <a:endParaRPr lang="en-US" altLang="zh-CN" dirty="0"/>
+          </a:p>
+          <a:p>
+            <a:r>
+              <a:rPr lang="zh-CN" altLang="en-US" dirty="0"/>
+              <a:t>静态作用域有无闭包机制，比如</a:t>
+            </a:r>
+            <a:r>
+              <a:rPr lang="en-US" altLang="zh-CN" dirty="0"/>
+              <a:t>basic</a:t>
+            </a:r>
+            <a:r>
+              <a:rPr lang="zh-CN" altLang="en-US" dirty="0"/>
+              <a:t>语言。为什么？</a:t>
+            </a:r>
+            <a:endParaRPr lang="en-US" altLang="zh-CN" dirty="0"/>
+          </a:p>
+          <a:p>
+            <a:r>
+              <a:rPr lang="en-US" altLang="zh-CN" dirty="0"/>
+              <a:t>C</a:t>
+            </a:r>
+            <a:r>
+              <a:rPr lang="zh-CN" altLang="en-US" dirty="0"/>
+              <a:t>语言中，在函数外定义一个</a:t>
+            </a:r>
+            <a:r>
+              <a:rPr lang="en-US" altLang="zh-CN" dirty="0"/>
+              <a:t>static</a:t>
+            </a:r>
+            <a:r>
+              <a:rPr lang="zh-CN" altLang="en-US" dirty="0"/>
+              <a:t>变量和在函数内定义一个</a:t>
+            </a:r>
+            <a:r>
+              <a:rPr lang="en-US" altLang="zh-CN" dirty="0"/>
+              <a:t>static</a:t>
+            </a:r>
+            <a:r>
+              <a:rPr lang="zh-CN" altLang="en-US" dirty="0"/>
+              <a:t>变量的区别是什么？</a:t>
+            </a:r>
+            <a:endParaRPr lang="en-US" altLang="zh-CN" dirty="0"/>
+          </a:p>
+          <a:p>
+            <a:r>
+              <a:rPr lang="zh-CN" altLang="en-US" dirty="0"/>
+              <a:t>考虑下面的</a:t>
+            </a:r>
+            <a:r>
+              <a:rPr lang="en-US" altLang="zh-CN" dirty="0"/>
+              <a:t>C</a:t>
+            </a:r>
+            <a:r>
+              <a:rPr lang="zh-CN" altLang="en-US" dirty="0"/>
+              <a:t>程序：</a:t>
+            </a:r>
+            <a:endParaRPr lang="en-US" altLang="zh-CN" dirty="0"/>
+          </a:p>
+          <a:p>
+            <a:pPr marL="0" indent="0">
+              <a:buNone/>
+            </a:pPr>
+            <a:r>
+              <a:rPr lang="en-US" altLang="zh-CN" dirty="0"/>
+              <a:t>	int fun(int *</a:t>
+            </a:r>
+            <a:r>
+              <a:rPr lang="en-US" altLang="zh-CN" dirty="0" err="1"/>
+              <a:t>i</a:t>
+            </a:r>
+            <a:r>
+              <a:rPr lang="en-US" altLang="zh-CN" dirty="0"/>
+              <a:t>){	*</a:t>
+            </a:r>
+            <a:r>
+              <a:rPr lang="en-US" altLang="zh-CN" dirty="0" err="1"/>
+              <a:t>i</a:t>
+            </a:r>
+            <a:r>
+              <a:rPr lang="en-US" altLang="zh-CN" dirty="0"/>
+              <a:t> += 5;	return 4;}</a:t>
+            </a:r>
+          </a:p>
+          <a:p>
+            <a:pPr marL="0" indent="0">
+              <a:buNone/>
+            </a:pPr>
+            <a:r>
+              <a:rPr lang="en-US" altLang="zh-CN" dirty="0"/>
+              <a:t>	void main(){ int x = 3; 	x=</a:t>
+            </a:r>
+            <a:r>
+              <a:rPr lang="en-US" altLang="zh-CN" dirty="0" err="1"/>
+              <a:t>x+fun</a:t>
+            </a:r>
+            <a:r>
+              <a:rPr lang="en-US" altLang="zh-CN" dirty="0"/>
+              <a:t>(&amp;x);}</a:t>
+            </a:r>
+          </a:p>
+          <a:p>
+            <a:pPr marL="0" indent="0">
+              <a:buNone/>
+            </a:pPr>
+            <a:r>
+              <a:rPr lang="en-US" altLang="zh-CN" dirty="0"/>
+              <a:t>	</a:t>
+            </a:r>
+            <a:r>
+              <a:rPr lang="zh-CN" altLang="en-US" dirty="0"/>
+              <a:t>在</a:t>
+            </a:r>
+            <a:r>
+              <a:rPr lang="en-US" altLang="zh-CN" dirty="0"/>
+              <a:t>main</a:t>
+            </a:r>
+            <a:r>
+              <a:rPr lang="zh-CN" altLang="en-US" dirty="0"/>
+              <a:t>中的赋值语句之后，</a:t>
+            </a:r>
+            <a:r>
+              <a:rPr lang="en-US" altLang="zh-CN" dirty="0"/>
+              <a:t>x</a:t>
+            </a:r>
+            <a:r>
+              <a:rPr lang="zh-CN" altLang="en-US" dirty="0"/>
+              <a:t>的值是什么，假设</a:t>
+            </a:r>
+            <a:endParaRPr lang="en-US" altLang="zh-CN" dirty="0"/>
+          </a:p>
+          <a:p>
+            <a:pPr marL="0" indent="0">
+              <a:buNone/>
+            </a:pPr>
+            <a:r>
+              <a:rPr lang="en-US" altLang="zh-CN" dirty="0"/>
+              <a:t>	a.	</a:t>
+            </a:r>
+            <a:r>
+              <a:rPr lang="zh-CN" altLang="en-US" dirty="0"/>
+              <a:t>操作数是以从左到右的顺序来求值的。</a:t>
+            </a:r>
+            <a:endParaRPr lang="en-US" altLang="zh-CN" dirty="0"/>
+          </a:p>
+          <a:p>
+            <a:pPr marL="0" indent="0">
+              <a:buNone/>
+            </a:pPr>
+            <a:r>
+              <a:rPr lang="en-US" altLang="zh-CN" dirty="0"/>
+              <a:t>	b.	</a:t>
+            </a:r>
+            <a:r>
+              <a:rPr lang="zh-CN" altLang="en-US" dirty="0"/>
+              <a:t>操作数是以从右到左的顺序来求值的。</a:t>
+            </a:r>
+          </a:p>
+        </p:txBody>
+      </p:sp>
+    </p:spTree>
+    <p:extLst>
+      <p:ext uri="{BB962C8B-B14F-4D97-AF65-F5344CB8AC3E}">
+        <p14:creationId xmlns:p14="http://schemas.microsoft.com/office/powerpoint/2010/main" val="325360047"/>
+      </p:ext>
+    </p:extLst>
+  </p:cSld>
+  <p:clrMapOvr>
+    <a:masterClrMapping/>
+  </p:clrMapOvr>
+</p:sld>
+</file>
+
+<file path=ppt/slides/slide8.xml><?xml version="1.0" encoding="utf-8"?>
+<p:sld xmlns:a="http://schemas.openxmlformats.org/drawingml/2006/main" xmlns:r="http://schemas.openxmlformats.org/officeDocument/2006/relationships" xmlns:p="http://schemas.openxmlformats.org/presentationml/2006/main">
+  <p:cSld>
+    <p:spTree>
+      <p:nvGrpSpPr>
+        <p:cNvPr id="1" name=""/>
+        <p:cNvGrpSpPr/>
+        <p:nvPr/>
+      </p:nvGrpSpPr>
+      <p:grpSpPr>
+        <a:xfrm>
+          <a:off x="0" y="0"/>
+          <a:ext cx="0" cy="0"/>
+          <a:chOff x="0" y="0"/>
+          <a:chExt cx="0" cy="0"/>
+        </a:xfrm>
+      </p:grpSpPr>
+      <p:sp>
+        <p:nvSpPr>
+          <p:cNvPr id="2" name="标题 1">
+            <a:extLst>
+              <a:ext uri="{FF2B5EF4-FFF2-40B4-BE49-F238E27FC236}">
+                <a16:creationId xmlns:a16="http://schemas.microsoft.com/office/drawing/2014/main" id="{75D88021-0853-4D28-AC76-23DB83E2308A}"/>
+              </a:ext>
+            </a:extLst>
+          </p:cNvPr>
+          <p:cNvSpPr>
+            <a:spLocks noGrp="1"/>
+          </p:cNvSpPr>
+          <p:nvPr>
+            <p:ph type="title"/>
+          </p:nvPr>
+        </p:nvSpPr>
+        <p:spPr/>
+        <p:txBody>
+          <a:bodyPr>
+            <a:normAutofit/>
+          </a:bodyPr>
+          <a:lstStyle/>
+          <a:p>
+            <a:r>
+              <a:rPr lang="zh-CN" altLang="en-US" dirty="0"/>
+              <a:t>作业</a:t>
+            </a:r>
+          </a:p>
+        </p:txBody>
+      </p:sp>
+      <p:sp>
+        <p:nvSpPr>
+          <p:cNvPr id="3" name="内容占位符 2">
+            <a:extLst>
+              <a:ext uri="{FF2B5EF4-FFF2-40B4-BE49-F238E27FC236}">
+                <a16:creationId xmlns:a16="http://schemas.microsoft.com/office/drawing/2014/main" id="{556A76BA-5CD7-4AF3-BEA1-5096F9BAFAE5}"/>
+              </a:ext>
+            </a:extLst>
+          </p:cNvPr>
+          <p:cNvSpPr>
+            <a:spLocks noGrp="1"/>
+          </p:cNvSpPr>
+          <p:nvPr>
+            <p:ph idx="1"/>
+          </p:nvPr>
+        </p:nvSpPr>
+        <p:spPr/>
+        <p:txBody>
+          <a:bodyPr/>
+          <a:lstStyle/>
+          <a:p>
+            <a:r>
+              <a:rPr lang="zh-CN" altLang="en-US" dirty="0"/>
+              <a:t>使用</a:t>
+            </a:r>
+            <a:r>
+              <a:rPr lang="en-US" altLang="zh-CN" dirty="0"/>
+              <a:t>c</a:t>
+            </a:r>
+            <a:r>
+              <a:rPr lang="zh-CN" altLang="en-US" dirty="0"/>
+              <a:t>语言中的多向选择语句重新编写下面的代码段：</a:t>
+            </a:r>
+            <a:endParaRPr lang="en-US" altLang="zh-CN" dirty="0"/>
+          </a:p>
+          <a:p>
+            <a:pPr marL="0" indent="0">
+              <a:buNone/>
+            </a:pPr>
+            <a:r>
+              <a:rPr lang="en-US" altLang="zh-CN" dirty="0">
+                <a:latin typeface="Times New Roman" panose="02020603050405020304" pitchFamily="18" charset="0"/>
+                <a:cs typeface="Times New Roman" panose="02020603050405020304" pitchFamily="18" charset="0"/>
+              </a:rPr>
+              <a:t>	if (( k==1) || (k==2)) j= 2*k-1</a:t>
+            </a:r>
+            <a:r>
+              <a:rPr lang="zh-CN" altLang="en-US" dirty="0">
+                <a:latin typeface="Times New Roman" panose="02020603050405020304" pitchFamily="18" charset="0"/>
+                <a:cs typeface="Times New Roman" panose="02020603050405020304" pitchFamily="18" charset="0"/>
+              </a:rPr>
+              <a:t>；</a:t>
+            </a:r>
+            <a:endParaRPr lang="en-US" altLang="zh-CN" dirty="0">
+              <a:latin typeface="Times New Roman" panose="02020603050405020304" pitchFamily="18" charset="0"/>
+              <a:cs typeface="Times New Roman" panose="02020603050405020304" pitchFamily="18" charset="0"/>
+            </a:endParaRPr>
+          </a:p>
+          <a:p>
+            <a:pPr marL="0" indent="0">
+              <a:buNone/>
+            </a:pPr>
+            <a:r>
+              <a:rPr lang="en-US" altLang="zh-CN" dirty="0">
+                <a:latin typeface="Times New Roman" panose="02020603050405020304" pitchFamily="18" charset="0"/>
+                <a:cs typeface="Times New Roman" panose="02020603050405020304" pitchFamily="18" charset="0"/>
+              </a:rPr>
+              <a:t>	if (( k==3) || (k==5)) j= 3*k+1</a:t>
+            </a:r>
+            <a:r>
+              <a:rPr lang="zh-CN" altLang="en-US" dirty="0">
+                <a:latin typeface="Times New Roman" panose="02020603050405020304" pitchFamily="18" charset="0"/>
+                <a:cs typeface="Times New Roman" panose="02020603050405020304" pitchFamily="18" charset="0"/>
+              </a:rPr>
+              <a:t>；</a:t>
+            </a:r>
+            <a:endParaRPr lang="en-US" altLang="zh-CN" dirty="0">
+              <a:latin typeface="Times New Roman" panose="02020603050405020304" pitchFamily="18" charset="0"/>
+              <a:cs typeface="Times New Roman" panose="02020603050405020304" pitchFamily="18" charset="0"/>
+            </a:endParaRPr>
+          </a:p>
+          <a:p>
+            <a:pPr marL="0" indent="0">
+              <a:buNone/>
+            </a:pPr>
+            <a:r>
+              <a:rPr lang="en-US" altLang="zh-CN" dirty="0">
+                <a:latin typeface="Times New Roman" panose="02020603050405020304" pitchFamily="18" charset="0"/>
+                <a:cs typeface="Times New Roman" panose="02020603050405020304" pitchFamily="18" charset="0"/>
+              </a:rPr>
+              <a:t>	if ( k==4)  j= 4*k-1</a:t>
+            </a:r>
+            <a:r>
+              <a:rPr lang="zh-CN" altLang="en-US" dirty="0">
+                <a:latin typeface="Times New Roman" panose="02020603050405020304" pitchFamily="18" charset="0"/>
+                <a:cs typeface="Times New Roman" panose="02020603050405020304" pitchFamily="18" charset="0"/>
+              </a:rPr>
+              <a:t>；</a:t>
+            </a:r>
+            <a:endParaRPr lang="en-US" altLang="zh-CN" dirty="0">
+              <a:latin typeface="Times New Roman" panose="02020603050405020304" pitchFamily="18" charset="0"/>
+              <a:cs typeface="Times New Roman" panose="02020603050405020304" pitchFamily="18" charset="0"/>
+            </a:endParaRPr>
+          </a:p>
+          <a:p>
+            <a:pPr marL="0" indent="0">
+              <a:buNone/>
+            </a:pPr>
+            <a:r>
+              <a:rPr lang="en-US" altLang="zh-CN" dirty="0">
+                <a:latin typeface="Times New Roman" panose="02020603050405020304" pitchFamily="18" charset="0"/>
+                <a:cs typeface="Times New Roman" panose="02020603050405020304" pitchFamily="18" charset="0"/>
+              </a:rPr>
+              <a:t>	 if (( k==6) || (k==7) || (k==8)) j= k-2</a:t>
+            </a:r>
+            <a:r>
+              <a:rPr lang="zh-CN" altLang="en-US" dirty="0">
+                <a:latin typeface="Times New Roman" panose="02020603050405020304" pitchFamily="18" charset="0"/>
+                <a:cs typeface="Times New Roman" panose="02020603050405020304" pitchFamily="18" charset="0"/>
+              </a:rPr>
+              <a:t>；</a:t>
+            </a:r>
+            <a:endParaRPr lang="en-US" altLang="zh-CN" dirty="0">
+              <a:latin typeface="Times New Roman" panose="02020603050405020304" pitchFamily="18" charset="0"/>
+              <a:cs typeface="Times New Roman" panose="02020603050405020304" pitchFamily="18" charset="0"/>
+            </a:endParaRPr>
+          </a:p>
+          <a:p>
+            <a:pPr marL="0" indent="0">
+              <a:buNone/>
+            </a:pPr>
+            <a:r>
+              <a:rPr lang="zh-CN" altLang="en-US" dirty="0">
+                <a:latin typeface="Times New Roman" panose="02020603050405020304" pitchFamily="18" charset="0"/>
+                <a:cs typeface="Times New Roman" panose="02020603050405020304" pitchFamily="18" charset="0"/>
+              </a:rPr>
+              <a:t>思考题：</a:t>
+            </a:r>
+            <a:r>
+              <a:rPr lang="zh-CN" altLang="en-US" sz="2800" dirty="0"/>
+              <a:t>使用回调写排序有什么好处</a:t>
+            </a:r>
+            <a:endParaRPr lang="en-US" altLang="zh-CN" sz="2800" dirty="0"/>
+          </a:p>
+          <a:p>
+            <a:pPr marL="0" indent="0">
+              <a:buNone/>
+            </a:pPr>
+            <a:endParaRPr lang="en-US" altLang="zh-CN" dirty="0">
+              <a:latin typeface="Times New Roman" panose="02020603050405020304" pitchFamily="18" charset="0"/>
+              <a:cs typeface="Times New Roman" panose="02020603050405020304" pitchFamily="18" charset="0"/>
+            </a:endParaRPr>
+          </a:p>
+        </p:txBody>
+      </p:sp>
+      <p:sp>
+        <p:nvSpPr>
           <p:cNvPr id="4" name="灯片编号占位符 3">
             <a:extLst>
               <a:ext uri="{FF2B5EF4-FFF2-40B4-BE49-F238E27FC236}">
-                <a16:creationId xmlns:a16="http://schemas.microsoft.com/office/drawing/2014/main" id="{86B0EDB5-61FA-F242-9BEF-1A0CB8648882}"/>
+                <a16:creationId xmlns:a16="http://schemas.microsoft.com/office/drawing/2014/main" id="{0AF0EAEC-7E65-48AC-A36B-8BDA78375CEE}"/>
+              </a:ext>
+            </a:extLst>
+          </p:cNvPr>
+          <p:cNvSpPr>
+            <a:spLocks noGrp="1"/>
+          </p:cNvSpPr>
+          <p:nvPr>
+            <p:ph type="sldNum" sz="quarter" idx="12"/>
+          </p:nvPr>
+        </p:nvSpPr>
+        <p:spPr/>
+        <p:txBody>
+          <a:bodyPr/>
+          <a:lstStyle/>
+          <a:p>
+            <a:fld id="{73EACCBA-2B8E-C843-BA3D-1AB655D40860}" type="slidenum">
+              <a:rPr kumimoji="1" lang="zh-CN" altLang="en-US" smtClean="0"/>
+              <a:t>8</a:t>
+            </a:fld>
+            <a:endParaRPr kumimoji="1" lang="zh-CN" altLang="en-US"/>
+          </a:p>
+        </p:txBody>
+      </p:sp>
+    </p:spTree>
+    <p:extLst>
+      <p:ext uri="{BB962C8B-B14F-4D97-AF65-F5344CB8AC3E}">
+        <p14:creationId xmlns:p14="http://schemas.microsoft.com/office/powerpoint/2010/main" val="1620606754"/>
+      </p:ext>
+    </p:extLst>
+  </p:cSld>
+  <p:clrMapOvr>
+    <a:masterClrMapping/>
+  </p:clrMapOvr>
+</p:sld>
+</file>
+
+<file path=ppt/slides/slide9.xml><?xml version="1.0" encoding="utf-8"?>
+<p:sld xmlns:a="http://schemas.openxmlformats.org/drawingml/2006/main" xmlns:r="http://schemas.openxmlformats.org/officeDocument/2006/relationships" xmlns:p="http://schemas.openxmlformats.org/presentationml/2006/main">
+  <p:cSld>
+    <p:spTree>
+      <p:nvGrpSpPr>
+        <p:cNvPr id="1" name=""/>
+        <p:cNvGrpSpPr/>
+        <p:nvPr/>
+      </p:nvGrpSpPr>
+      <p:grpSpPr>
+        <a:xfrm>
+          <a:off x="0" y="0"/>
+          <a:ext cx="0" cy="0"/>
+          <a:chOff x="0" y="0"/>
+          <a:chExt cx="0" cy="0"/>
+        </a:xfrm>
+      </p:grpSpPr>
+      <p:sp>
+        <p:nvSpPr>
+          <p:cNvPr id="2" name="标题 1">
+            <a:extLst>
+              <a:ext uri="{FF2B5EF4-FFF2-40B4-BE49-F238E27FC236}">
+                <a16:creationId xmlns:a16="http://schemas.microsoft.com/office/drawing/2014/main" id="{B8B44A88-D9AF-4D5B-B2DA-D81756948EA6}"/>
+              </a:ext>
+            </a:extLst>
+          </p:cNvPr>
+          <p:cNvSpPr>
+            <a:spLocks noGrp="1"/>
+          </p:cNvSpPr>
+          <p:nvPr>
+            <p:ph type="title"/>
+          </p:nvPr>
+        </p:nvSpPr>
+        <p:spPr/>
+        <p:txBody>
+          <a:bodyPr/>
+          <a:lstStyle/>
+          <a:p>
+            <a:r>
+              <a:rPr lang="en-US" altLang="zh-CN" dirty="0"/>
+              <a:t>Lec02</a:t>
+            </a:r>
+            <a:r>
+              <a:rPr lang="zh-CN" altLang="en-US" dirty="0"/>
+              <a:t>作业：</a:t>
+            </a:r>
+          </a:p>
+        </p:txBody>
+      </p:sp>
+      <p:sp>
+        <p:nvSpPr>
+          <p:cNvPr id="3" name="内容占位符 2">
+            <a:extLst>
+              <a:ext uri="{FF2B5EF4-FFF2-40B4-BE49-F238E27FC236}">
+                <a16:creationId xmlns:a16="http://schemas.microsoft.com/office/drawing/2014/main" id="{0C76A666-2201-4B0F-BD00-DDBE6CA3226D}"/>
+              </a:ext>
+            </a:extLst>
+          </p:cNvPr>
+          <p:cNvSpPr>
+            <a:spLocks noGrp="1"/>
+          </p:cNvSpPr>
+          <p:nvPr>
+            <p:ph idx="1"/>
+          </p:nvPr>
+        </p:nvSpPr>
+        <p:spPr/>
+        <p:txBody>
+          <a:bodyPr/>
+          <a:lstStyle/>
+          <a:p>
+            <a:pPr>
+              <a:lnSpc>
+                <a:spcPct val="150000"/>
+              </a:lnSpc>
+            </a:pPr>
+            <a:r>
+              <a:rPr lang="zh-CN" altLang="en-US" sz="3600" dirty="0">
+                <a:solidFill>
+                  <a:schemeClr val="tx1"/>
+                </a:solidFill>
+              </a:rPr>
+              <a:t>根据课堂讲义</a:t>
+            </a:r>
+            <a:r>
+              <a:rPr lang="en-US" altLang="zh-CN" sz="3600" dirty="0">
+                <a:solidFill>
+                  <a:schemeClr val="tx1"/>
+                </a:solidFill>
+              </a:rPr>
+              <a:t>P49-P50</a:t>
+            </a:r>
+            <a:r>
+              <a:rPr lang="zh-CN" altLang="en-US" sz="3600" dirty="0">
+                <a:solidFill>
+                  <a:schemeClr val="tx1"/>
+                </a:solidFill>
+              </a:rPr>
+              <a:t>中</a:t>
+            </a:r>
+            <a:r>
+              <a:rPr lang="en-US" altLang="zh-CN" sz="3600" dirty="0">
+                <a:solidFill>
+                  <a:schemeClr val="tx1"/>
+                </a:solidFill>
+              </a:rPr>
+              <a:t>BNF</a:t>
+            </a:r>
+            <a:r>
+              <a:rPr lang="zh-CN" altLang="en-US" sz="3600" dirty="0"/>
+              <a:t>所描述的“</a:t>
+            </a:r>
+            <a:r>
+              <a:rPr lang="en-US" altLang="zh-CN" sz="3600" dirty="0"/>
+              <a:t>program</a:t>
+            </a:r>
+            <a:r>
+              <a:rPr lang="zh-CN" altLang="en-US" sz="3600" dirty="0"/>
+              <a:t>”文法，</a:t>
+            </a:r>
+            <a:r>
+              <a:rPr lang="zh-CN" altLang="en-US" sz="3600" dirty="0">
+                <a:solidFill>
+                  <a:schemeClr val="tx1"/>
+                </a:solidFill>
+              </a:rPr>
+              <a:t>针对上述</a:t>
+            </a:r>
+            <a:r>
+              <a:rPr lang="zh-CN" altLang="en-US" sz="3600" b="1" u="sng" dirty="0">
+                <a:solidFill>
+                  <a:schemeClr val="tx1"/>
+                </a:solidFill>
+              </a:rPr>
+              <a:t>每个产生式</a:t>
+            </a:r>
+            <a:r>
+              <a:rPr lang="zh-CN" altLang="en-US" sz="3600" dirty="0">
+                <a:solidFill>
+                  <a:schemeClr val="tx1"/>
+                </a:solidFill>
+              </a:rPr>
+              <a:t>，给出一组满足规则的语言实例，要求覆盖基本分支。既一个产生式至少给出一个满足该文法的字符串示例。</a:t>
+            </a:r>
+            <a:endParaRPr lang="en-US" altLang="zh-CN" sz="3600" dirty="0">
+              <a:solidFill>
+                <a:schemeClr val="tx1"/>
+              </a:solidFill>
+            </a:endParaRPr>
+          </a:p>
+        </p:txBody>
+      </p:sp>
+      <p:sp>
+        <p:nvSpPr>
+          <p:cNvPr id="4" name="灯片编号占位符 3">
+            <a:extLst>
+              <a:ext uri="{FF2B5EF4-FFF2-40B4-BE49-F238E27FC236}">
+                <a16:creationId xmlns:a16="http://schemas.microsoft.com/office/drawing/2014/main" id="{6980E69C-21B5-4046-9B27-D66D5594852D}"/>
               </a:ext>
             </a:extLst>
           </p:cNvPr>
@@ -4840,494 +7809,16 @@
             <a:fld id="{D57F1E4F-1CFF-5643-939E-217C01CDF565}" type="slidenum">
               <a:rPr lang="en-US" altLang="zh-CN" noProof="0" smtClean="0"/>
               <a:pPr rtl="0"/>
-              <a:t>6</a:t>
+              <a:t>9</a:t>
             </a:fld>
             <a:endParaRPr lang="zh-CN" altLang="en-US" noProof="0" dirty="0"/>
-          </a:p>
-        </p:txBody>
-      </p:sp>
-      <p:sp>
-        <p:nvSpPr>
-          <p:cNvPr id="3" name="内容占位符 2">
-            <a:extLst>
-              <a:ext uri="{FF2B5EF4-FFF2-40B4-BE49-F238E27FC236}">
-                <a16:creationId xmlns:a16="http://schemas.microsoft.com/office/drawing/2014/main" id="{74301BE9-4A52-5B48-9FAD-C411D5CFA272}"/>
-              </a:ext>
-            </a:extLst>
-          </p:cNvPr>
-          <p:cNvSpPr>
-            <a:spLocks noGrp="1"/>
-          </p:cNvSpPr>
-          <p:nvPr>
-            <p:ph idx="4294967295"/>
-          </p:nvPr>
-        </p:nvSpPr>
-        <p:spPr>
-          <a:xfrm>
-            <a:off x="580860" y="789105"/>
-            <a:ext cx="11029950" cy="5756662"/>
-          </a:xfrm>
-        </p:spPr>
-        <p:txBody>
-          <a:bodyPr>
-            <a:noAutofit/>
-          </a:bodyPr>
-          <a:lstStyle/>
-          <a:p>
-            <a:pPr>
-              <a:lnSpc>
-                <a:spcPct val="114000"/>
-              </a:lnSpc>
-              <a:spcBef>
-                <a:spcPts val="800"/>
-              </a:spcBef>
-              <a:spcAft>
-                <a:spcPts val="800"/>
-              </a:spcAft>
-            </a:pPr>
-            <a:r>
-              <a:rPr lang="en-US" altLang="zh-CN" sz="2400" dirty="0">
-                <a:solidFill>
-                  <a:schemeClr val="tx1"/>
-                </a:solidFill>
-              </a:rPr>
-              <a:t>2.6 </a:t>
-            </a:r>
-            <a:r>
-              <a:rPr lang="zh-CN" altLang="zh-CN" sz="2400" dirty="0">
-                <a:solidFill>
-                  <a:schemeClr val="tx1"/>
-                </a:solidFill>
-              </a:rPr>
-              <a:t>将下面的</a:t>
-            </a:r>
-            <a:r>
-              <a:rPr lang="en-US" altLang="zh-CN" sz="2400" dirty="0">
-                <a:solidFill>
-                  <a:schemeClr val="tx1"/>
-                </a:solidFill>
-              </a:rPr>
-              <a:t>EBNF</a:t>
-            </a:r>
-            <a:r>
-              <a:rPr lang="zh-CN" altLang="zh-CN" sz="2400" dirty="0">
-                <a:solidFill>
-                  <a:schemeClr val="tx1"/>
-                </a:solidFill>
-              </a:rPr>
-              <a:t>转换为</a:t>
-            </a:r>
-            <a:r>
-              <a:rPr lang="en-US" altLang="zh-CN" sz="2400" dirty="0">
-                <a:solidFill>
-                  <a:schemeClr val="tx1"/>
-                </a:solidFill>
-              </a:rPr>
-              <a:t>BNF</a:t>
-            </a:r>
-            <a:r>
-              <a:rPr lang="zh-CN" altLang="zh-CN" sz="2400" dirty="0">
-                <a:solidFill>
-                  <a:schemeClr val="tx1"/>
-                </a:solidFill>
-              </a:rPr>
-              <a:t>：</a:t>
-            </a:r>
-          </a:p>
-          <a:p>
-            <a:pPr marL="0" indent="0">
-              <a:spcBef>
-                <a:spcPts val="600"/>
-              </a:spcBef>
-              <a:buNone/>
-            </a:pPr>
-            <a:r>
-              <a:rPr lang="zh-CN" altLang="en-US" sz="2000" dirty="0">
-                <a:solidFill>
-                  <a:schemeClr val="tx1"/>
-                </a:solidFill>
-              </a:rPr>
-              <a:t>         </a:t>
-            </a:r>
-            <a:r>
-              <a:rPr lang="en-US" altLang="zh-CN" sz="2000" dirty="0">
-                <a:solidFill>
-                  <a:schemeClr val="tx1"/>
-                </a:solidFill>
-              </a:rPr>
-              <a:t>S -&gt; A { </a:t>
-            </a:r>
-            <a:r>
-              <a:rPr lang="en-US" altLang="zh-CN" sz="2000" dirty="0" err="1">
-                <a:solidFill>
-                  <a:schemeClr val="tx1"/>
-                </a:solidFill>
-              </a:rPr>
-              <a:t>bA</a:t>
-            </a:r>
-            <a:r>
-              <a:rPr lang="en-US" altLang="zh-CN" sz="2000" dirty="0">
-                <a:solidFill>
-                  <a:schemeClr val="tx1"/>
-                </a:solidFill>
-              </a:rPr>
-              <a:t> }</a:t>
-            </a:r>
-            <a:endParaRPr lang="zh-CN" altLang="zh-CN" sz="2000" dirty="0">
-              <a:solidFill>
-                <a:schemeClr val="tx1"/>
-              </a:solidFill>
-            </a:endParaRPr>
-          </a:p>
-          <a:p>
-            <a:pPr marL="0" indent="0">
-              <a:spcBef>
-                <a:spcPts val="600"/>
-              </a:spcBef>
-              <a:buNone/>
-            </a:pPr>
-            <a:r>
-              <a:rPr lang="zh-CN" altLang="en-US" sz="2000" dirty="0">
-                <a:solidFill>
-                  <a:schemeClr val="tx1"/>
-                </a:solidFill>
-              </a:rPr>
-              <a:t>         </a:t>
-            </a:r>
-            <a:r>
-              <a:rPr lang="en-US" altLang="zh-CN" sz="2000" dirty="0">
-                <a:solidFill>
-                  <a:schemeClr val="tx1"/>
-                </a:solidFill>
-              </a:rPr>
-              <a:t>A -&gt; a [ b ] A</a:t>
-            </a:r>
-            <a:endParaRPr lang="zh-CN" altLang="zh-CN" sz="2000" dirty="0">
-              <a:solidFill>
-                <a:schemeClr val="tx1"/>
-              </a:solidFill>
-            </a:endParaRPr>
-          </a:p>
-          <a:p>
-            <a:pPr>
-              <a:lnSpc>
-                <a:spcPct val="114000"/>
-              </a:lnSpc>
-              <a:spcBef>
-                <a:spcPts val="800"/>
-              </a:spcBef>
-              <a:spcAft>
-                <a:spcPts val="800"/>
-              </a:spcAft>
-            </a:pPr>
-            <a:r>
-              <a:rPr lang="en-US" altLang="zh-CN" sz="2400" dirty="0">
-                <a:solidFill>
-                  <a:schemeClr val="tx1"/>
-                </a:solidFill>
-              </a:rPr>
-              <a:t>2.7 </a:t>
-            </a:r>
-            <a:r>
-              <a:rPr lang="zh-CN" altLang="zh-CN" sz="2400" dirty="0">
-                <a:solidFill>
-                  <a:schemeClr val="tx1"/>
-                </a:solidFill>
-              </a:rPr>
-              <a:t>考虑下列文法：</a:t>
-            </a:r>
-          </a:p>
-          <a:p>
-            <a:pPr marL="0" indent="0">
-              <a:spcBef>
-                <a:spcPts val="600"/>
-              </a:spcBef>
-              <a:buNone/>
-            </a:pPr>
-            <a:r>
-              <a:rPr lang="en-US" altLang="zh-CN" sz="2000" dirty="0">
-                <a:solidFill>
-                  <a:schemeClr val="tx1"/>
-                </a:solidFill>
-              </a:rPr>
-              <a:t>     </a:t>
-            </a:r>
-            <a:r>
-              <a:rPr lang="zh-CN" altLang="en-US" sz="2000" dirty="0">
-                <a:solidFill>
-                  <a:schemeClr val="tx1"/>
-                </a:solidFill>
-              </a:rPr>
-              <a:t>    </a:t>
-            </a:r>
-            <a:r>
-              <a:rPr lang="en-US" altLang="zh-CN" sz="2000" dirty="0">
-                <a:solidFill>
-                  <a:schemeClr val="tx1"/>
-                </a:solidFill>
-              </a:rPr>
-              <a:t>&lt; S &gt; -&gt; &lt; A &gt; a &lt; B &gt; b</a:t>
-            </a:r>
-            <a:endParaRPr lang="zh-CN" altLang="zh-CN" sz="2000" dirty="0">
-              <a:solidFill>
-                <a:schemeClr val="tx1"/>
-              </a:solidFill>
-            </a:endParaRPr>
-          </a:p>
-          <a:p>
-            <a:pPr marL="0" indent="0">
-              <a:spcBef>
-                <a:spcPts val="600"/>
-              </a:spcBef>
-              <a:buNone/>
-            </a:pPr>
-            <a:r>
-              <a:rPr lang="en-US" altLang="zh-CN" sz="2000" dirty="0">
-                <a:solidFill>
-                  <a:schemeClr val="tx1"/>
-                </a:solidFill>
-              </a:rPr>
-              <a:t>     </a:t>
-            </a:r>
-            <a:r>
-              <a:rPr lang="zh-CN" altLang="en-US" sz="2000" dirty="0">
-                <a:solidFill>
-                  <a:schemeClr val="tx1"/>
-                </a:solidFill>
-              </a:rPr>
-              <a:t>    </a:t>
-            </a:r>
-            <a:r>
-              <a:rPr lang="en-US" altLang="zh-CN" sz="2000" dirty="0">
-                <a:solidFill>
-                  <a:schemeClr val="tx1"/>
-                </a:solidFill>
-              </a:rPr>
-              <a:t>&lt; A &gt; -&gt; &lt; A &gt; b | b</a:t>
-            </a:r>
-            <a:endParaRPr lang="zh-CN" altLang="zh-CN" sz="2000" dirty="0">
-              <a:solidFill>
-                <a:schemeClr val="tx1"/>
-              </a:solidFill>
-            </a:endParaRPr>
-          </a:p>
-          <a:p>
-            <a:pPr marL="0" indent="0">
-              <a:spcBef>
-                <a:spcPts val="600"/>
-              </a:spcBef>
-              <a:buNone/>
-            </a:pPr>
-            <a:r>
-              <a:rPr lang="en-US" altLang="zh-CN" sz="2000" dirty="0">
-                <a:solidFill>
-                  <a:schemeClr val="tx1"/>
-                </a:solidFill>
-              </a:rPr>
-              <a:t>     </a:t>
-            </a:r>
-            <a:r>
-              <a:rPr lang="zh-CN" altLang="en-US" sz="2000" dirty="0">
-                <a:solidFill>
-                  <a:schemeClr val="tx1"/>
-                </a:solidFill>
-              </a:rPr>
-              <a:t>    </a:t>
-            </a:r>
-            <a:r>
-              <a:rPr lang="en-US" altLang="zh-CN" sz="2000" dirty="0">
-                <a:solidFill>
-                  <a:schemeClr val="tx1"/>
-                </a:solidFill>
-              </a:rPr>
-              <a:t>&lt; B &gt; -&gt; a &lt; B &gt; | a</a:t>
-            </a:r>
-            <a:endParaRPr lang="zh-CN" altLang="zh-CN" sz="2000" dirty="0">
-              <a:solidFill>
-                <a:schemeClr val="tx1"/>
-              </a:solidFill>
-            </a:endParaRPr>
-          </a:p>
-          <a:p>
-            <a:pPr>
-              <a:lnSpc>
-                <a:spcPct val="114000"/>
-              </a:lnSpc>
-              <a:spcBef>
-                <a:spcPts val="800"/>
-              </a:spcBef>
-              <a:spcAft>
-                <a:spcPts val="800"/>
-              </a:spcAft>
-            </a:pPr>
-            <a:r>
-              <a:rPr lang="zh-CN" altLang="zh-CN" sz="2400" dirty="0">
-                <a:solidFill>
-                  <a:schemeClr val="tx1"/>
-                </a:solidFill>
-              </a:rPr>
-              <a:t>下面的哪些句子属于这些文法所产生的语言？</a:t>
-            </a:r>
-          </a:p>
-          <a:p>
-            <a:pPr marL="0" indent="0">
-              <a:spcBef>
-                <a:spcPts val="600"/>
-              </a:spcBef>
-              <a:buNone/>
-            </a:pPr>
-            <a:r>
-              <a:rPr lang="zh-CN" altLang="en-US" sz="2000" dirty="0">
-                <a:solidFill>
-                  <a:schemeClr val="tx1"/>
-                </a:solidFill>
-              </a:rPr>
-              <a:t>    </a:t>
-            </a:r>
-            <a:r>
-              <a:rPr lang="en-US" altLang="zh-CN" sz="2000" dirty="0" err="1">
-                <a:solidFill>
-                  <a:schemeClr val="tx1"/>
-                </a:solidFill>
-              </a:rPr>
-              <a:t>baab</a:t>
-            </a:r>
-            <a:endParaRPr lang="zh-CN" altLang="zh-CN" sz="2000" dirty="0">
-              <a:solidFill>
-                <a:schemeClr val="tx1"/>
-              </a:solidFill>
-            </a:endParaRPr>
-          </a:p>
-          <a:p>
-            <a:pPr marL="0" indent="0">
-              <a:spcBef>
-                <a:spcPts val="600"/>
-              </a:spcBef>
-              <a:buNone/>
-            </a:pPr>
-            <a:r>
-              <a:rPr lang="zh-CN" altLang="en-US" sz="2000" dirty="0">
-                <a:solidFill>
-                  <a:schemeClr val="tx1"/>
-                </a:solidFill>
-              </a:rPr>
-              <a:t>    </a:t>
-            </a:r>
-            <a:r>
-              <a:rPr lang="en-US" altLang="zh-CN" sz="2000" dirty="0" err="1">
-                <a:solidFill>
-                  <a:schemeClr val="tx1"/>
-                </a:solidFill>
-              </a:rPr>
-              <a:t>bbbab</a:t>
-            </a:r>
-            <a:endParaRPr lang="zh-CN" altLang="zh-CN" sz="2000" dirty="0">
-              <a:solidFill>
-                <a:schemeClr val="tx1"/>
-              </a:solidFill>
-            </a:endParaRPr>
-          </a:p>
-          <a:p>
-            <a:pPr marL="0" indent="0">
-              <a:spcBef>
-                <a:spcPts val="600"/>
-              </a:spcBef>
-              <a:buNone/>
-            </a:pPr>
-            <a:r>
-              <a:rPr lang="zh-CN" altLang="en-US" sz="2000" dirty="0">
-                <a:solidFill>
-                  <a:schemeClr val="tx1"/>
-                </a:solidFill>
-              </a:rPr>
-              <a:t>    </a:t>
-            </a:r>
-            <a:r>
-              <a:rPr lang="en-US" altLang="zh-CN" sz="2000" dirty="0" err="1">
-                <a:solidFill>
-                  <a:schemeClr val="tx1"/>
-                </a:solidFill>
-              </a:rPr>
-              <a:t>bbaaaaa</a:t>
-            </a:r>
-            <a:endParaRPr lang="zh-CN" altLang="zh-CN" sz="2000" dirty="0">
-              <a:solidFill>
-                <a:schemeClr val="tx1"/>
-              </a:solidFill>
-            </a:endParaRPr>
-          </a:p>
-          <a:p>
-            <a:pPr marL="0" indent="0">
-              <a:spcBef>
-                <a:spcPts val="600"/>
-              </a:spcBef>
-              <a:buNone/>
-            </a:pPr>
-            <a:r>
-              <a:rPr lang="zh-CN" altLang="en-US" sz="2000" dirty="0">
-                <a:solidFill>
-                  <a:schemeClr val="tx1"/>
-                </a:solidFill>
-              </a:rPr>
-              <a:t>    </a:t>
-            </a:r>
-            <a:r>
-              <a:rPr lang="en-US" altLang="zh-CN" sz="2000" dirty="0" err="1">
-                <a:solidFill>
-                  <a:schemeClr val="tx1"/>
-                </a:solidFill>
-              </a:rPr>
-              <a:t>bbaab</a:t>
-            </a:r>
-            <a:endParaRPr lang="zh-CN" altLang="zh-CN" sz="2000" dirty="0">
-              <a:solidFill>
-                <a:schemeClr val="tx1"/>
-              </a:solidFill>
-            </a:endParaRPr>
-          </a:p>
-        </p:txBody>
-      </p:sp>
-      <p:sp>
-        <p:nvSpPr>
-          <p:cNvPr id="6" name="矩形 5">
-            <a:extLst>
-              <a:ext uri="{FF2B5EF4-FFF2-40B4-BE49-F238E27FC236}">
-                <a16:creationId xmlns:a16="http://schemas.microsoft.com/office/drawing/2014/main" id="{A2CE1302-5661-6640-94E2-089BDE97EA88}"/>
-              </a:ext>
-            </a:extLst>
-          </p:cNvPr>
-          <p:cNvSpPr/>
-          <p:nvPr/>
-        </p:nvSpPr>
-        <p:spPr>
-          <a:xfrm>
-            <a:off x="5644429" y="-13855"/>
-            <a:ext cx="902811" cy="523220"/>
-          </a:xfrm>
-          <a:prstGeom prst="rect">
-            <a:avLst/>
-          </a:prstGeom>
-        </p:spPr>
-        <p:txBody>
-          <a:bodyPr wrap="none">
-            <a:spAutoFit/>
-          </a:bodyPr>
-          <a:lstStyle/>
-          <a:p>
-            <a:r>
-              <a:rPr lang="zh-CN" altLang="en-US" sz="2800" b="1" dirty="0">
-                <a:latin typeface="Microsoft YaHei" panose="020B0503020204020204" pitchFamily="34" charset="-122"/>
-                <a:ea typeface="Microsoft YaHei" panose="020B0503020204020204" pitchFamily="34" charset="-122"/>
-              </a:rPr>
-              <a:t>作业</a:t>
-            </a:r>
           </a:p>
         </p:txBody>
       </p:sp>
     </p:spTree>
     <p:extLst>
       <p:ext uri="{BB962C8B-B14F-4D97-AF65-F5344CB8AC3E}">
-        <p14:creationId xmlns:p14="http://schemas.microsoft.com/office/powerpoint/2010/main" val="1733270570"/>
+        <p14:creationId xmlns:p14="http://schemas.microsoft.com/office/powerpoint/2010/main" val="1077662086"/>
       </p:ext>
     </p:extLst>
   </p:cSld>
@@ -5630,4 +8121,299 @@
     </a:ext>
   </a:extLst>
 </a:theme>
+</file>
+
+<file path=ppt/theme/theme2.xml><?xml version="1.0" encoding="utf-8"?>
+<a:theme xmlns:a="http://schemas.openxmlformats.org/drawingml/2006/main" name="Office 主题​​">
+  <a:themeElements>
+    <a:clrScheme name="Office">
+      <a:dk1>
+        <a:sysClr val="windowText" lastClr="000000"/>
+      </a:dk1>
+      <a:lt1>
+        <a:sysClr val="window" lastClr="FFFFFF"/>
+      </a:lt1>
+      <a:dk2>
+        <a:srgbClr val="44546A"/>
+      </a:dk2>
+      <a:lt2>
+        <a:srgbClr val="E7E6E6"/>
+      </a:lt2>
+      <a:accent1>
+        <a:srgbClr val="4472C4"/>
+      </a:accent1>
+      <a:accent2>
+        <a:srgbClr val="ED7D31"/>
+      </a:accent2>
+      <a:accent3>
+        <a:srgbClr val="A5A5A5"/>
+      </a:accent3>
+      <a:accent4>
+        <a:srgbClr val="FFC000"/>
+      </a:accent4>
+      <a:accent5>
+        <a:srgbClr val="5B9BD5"/>
+      </a:accent5>
+      <a:accent6>
+        <a:srgbClr val="70AD47"/>
+      </a:accent6>
+      <a:hlink>
+        <a:srgbClr val="0563C1"/>
+      </a:hlink>
+      <a:folHlink>
+        <a:srgbClr val="954F72"/>
+      </a:folHlink>
+    </a:clrScheme>
+    <a:fontScheme name="Office">
+      <a:majorFont>
+        <a:latin typeface="等线 Light" panose="020F0302020204030204"/>
+        <a:ea typeface=""/>
+        <a:cs typeface=""/>
+        <a:font script="Jpan" typeface="游ゴシック Light"/>
+        <a:font script="Hang" typeface="맑은 고딕"/>
+        <a:font script="Hans" typeface="等线 Light"/>
+        <a:font script="Hant" typeface="新細明體"/>
+        <a:font script="Arab" typeface="Times New Roman"/>
+        <a:font script="Hebr" typeface="Times New Roman"/>
+        <a:font script="Thai" typeface="Angsana New"/>
+        <a:font script="Ethi" typeface="Nyala"/>
+        <a:font script="Beng" typeface="Vrinda"/>
+        <a:font script="Gujr" typeface="Shruti"/>
+        <a:font script="Khmr" typeface="MoolBoran"/>
+        <a:font script="Knda" typeface="Tunga"/>
+        <a:font script="Guru" typeface="Raavi"/>
+        <a:font script="Cans" typeface="Euphemia"/>
+        <a:font script="Cher" typeface="Plantagenet Cherokee"/>
+        <a:font script="Yiii" typeface="Microsoft Yi Baiti"/>
+        <a:font script="Tibt" typeface="Microsoft Himalaya"/>
+        <a:font script="Thaa" typeface="MV Boli"/>
+        <a:font script="Deva" typeface="Mangal"/>
+        <a:font script="Telu" typeface="Gautami"/>
+        <a:font script="Taml" typeface="Latha"/>
+        <a:font script="Syrc" typeface="Estrangelo Edessa"/>
+        <a:font script="Orya" typeface="Kalinga"/>
+        <a:font script="Mlym" typeface="Kartika"/>
+        <a:font script="Laoo" typeface="DokChampa"/>
+        <a:font script="Sinh" typeface="Iskoola Pota"/>
+        <a:font script="Mong" typeface="Mongolian Baiti"/>
+        <a:font script="Viet" typeface="Times New Roman"/>
+        <a:font script="Uigh" typeface="Microsoft Uighur"/>
+        <a:font script="Geor" typeface="Sylfaen"/>
+        <a:font script="Armn" typeface="Arial"/>
+        <a:font script="Bugi" typeface="Leelawadee UI"/>
+        <a:font script="Bopo" typeface="Microsoft JhengHei"/>
+        <a:font script="Java" typeface="Javanese Text"/>
+        <a:font script="Lisu" typeface="Segoe UI"/>
+        <a:font script="Mymr" typeface="Myanmar Text"/>
+        <a:font script="Nkoo" typeface="Ebrima"/>
+        <a:font script="Olck" typeface="Nirmala UI"/>
+        <a:font script="Osma" typeface="Ebrima"/>
+        <a:font script="Phag" typeface="Phagspa"/>
+        <a:font script="Syrn" typeface="Estrangelo Edessa"/>
+        <a:font script="Syrj" typeface="Estrangelo Edessa"/>
+        <a:font script="Syre" typeface="Estrangelo Edessa"/>
+        <a:font script="Sora" typeface="Nirmala UI"/>
+        <a:font script="Tale" typeface="Microsoft Tai Le"/>
+        <a:font script="Talu" typeface="Microsoft New Tai Lue"/>
+        <a:font script="Tfng" typeface="Ebrima"/>
+      </a:majorFont>
+      <a:minorFont>
+        <a:latin typeface="等线" panose="020F0502020204030204"/>
+        <a:ea typeface=""/>
+        <a:cs typeface=""/>
+        <a:font script="Jpan" typeface="游ゴシック"/>
+        <a:font script="Hang" typeface="맑은 고딕"/>
+        <a:font script="Hans" typeface="等线"/>
+        <a:font script="Hant" typeface="新細明體"/>
+        <a:font script="Arab" typeface="Arial"/>
+        <a:font script="Hebr" typeface="Arial"/>
+        <a:font script="Thai" typeface="Cordia New"/>
+        <a:font script="Ethi" typeface="Nyala"/>
+        <a:font script="Beng" typeface="Vrinda"/>
+        <a:font script="Gujr" typeface="Shruti"/>
+        <a:font script="Khmr" typeface="DaunPenh"/>
+        <a:font script="Knda" typeface="Tunga"/>
+        <a:font script="Guru" typeface="Raavi"/>
+        <a:font script="Cans" typeface="Euphemia"/>
+        <a:font script="Cher" typeface="Plantagenet Cherokee"/>
+        <a:font script="Yiii" typeface="Microsoft Yi Baiti"/>
+        <a:font script="Tibt" typeface="Microsoft Himalaya"/>
+        <a:font script="Thaa" typeface="MV Boli"/>
+        <a:font script="Deva" typeface="Mangal"/>
+        <a:font script="Telu" typeface="Gautami"/>
+        <a:font script="Taml" typeface="Latha"/>
+        <a:font script="Syrc" typeface="Estrangelo Edessa"/>
+        <a:font script="Orya" typeface="Kalinga"/>
+        <a:font script="Mlym" typeface="Kartika"/>
+        <a:font script="Laoo" typeface="DokChampa"/>
+        <a:font script="Sinh" typeface="Iskoola Pota"/>
+        <a:font script="Mong" typeface="Mongolian Baiti"/>
+        <a:font script="Viet" typeface="Arial"/>
+        <a:font script="Uigh" typeface="Microsoft Uighur"/>
+        <a:font script="Geor" typeface="Sylfaen"/>
+        <a:font script="Armn" typeface="Arial"/>
+        <a:font script="Bugi" typeface="Leelawadee UI"/>
+        <a:font script="Bopo" typeface="Microsoft JhengHei"/>
+        <a:font script="Java" typeface="Javanese Text"/>
+        <a:font script="Lisu" typeface="Segoe UI"/>
+        <a:font script="Mymr" typeface="Myanmar Text"/>
+        <a:font script="Nkoo" typeface="Ebrima"/>
+        <a:font script="Olck" typeface="Nirmala UI"/>
+        <a:font script="Osma" typeface="Ebrima"/>
+        <a:font script="Phag" typeface="Phagspa"/>
+        <a:font script="Syrn" typeface="Estrangelo Edessa"/>
+        <a:font script="Syrj" typeface="Estrangelo Edessa"/>
+        <a:font script="Syre" typeface="Estrangelo Edessa"/>
+        <a:font script="Sora" typeface="Nirmala UI"/>
+        <a:font script="Tale" typeface="Microsoft Tai Le"/>
+        <a:font script="Talu" typeface="Microsoft New Tai Lue"/>
+        <a:font script="Tfng" typeface="Ebrima"/>
+      </a:minorFont>
+    </a:fontScheme>
+    <a:fmtScheme name="Office">
+      <a:fillStyleLst>
+        <a:solidFill>
+          <a:schemeClr val="phClr"/>
+        </a:solidFill>
+        <a:gradFill rotWithShape="1">
+          <a:gsLst>
+            <a:gs pos="0">
+              <a:schemeClr val="phClr">
+                <a:lumMod val="110000"/>
+                <a:satMod val="105000"/>
+                <a:tint val="67000"/>
+              </a:schemeClr>
+            </a:gs>
+            <a:gs pos="50000">
+              <a:schemeClr val="phClr">
+                <a:lumMod val="105000"/>
+                <a:satMod val="103000"/>
+                <a:tint val="73000"/>
+              </a:schemeClr>
+            </a:gs>
+            <a:gs pos="100000">
+              <a:schemeClr val="phClr">
+                <a:lumMod val="105000"/>
+                <a:satMod val="109000"/>
+                <a:tint val="81000"/>
+              </a:schemeClr>
+            </a:gs>
+          </a:gsLst>
+          <a:lin ang="5400000" scaled="0"/>
+        </a:gradFill>
+        <a:gradFill rotWithShape="1">
+          <a:gsLst>
+            <a:gs pos="0">
+              <a:schemeClr val="phClr">
+                <a:satMod val="103000"/>
+                <a:lumMod val="102000"/>
+                <a:tint val="94000"/>
+              </a:schemeClr>
+            </a:gs>
+            <a:gs pos="50000">
+              <a:schemeClr val="phClr">
+                <a:satMod val="110000"/>
+                <a:lumMod val="100000"/>
+                <a:shade val="100000"/>
+              </a:schemeClr>
+            </a:gs>
+            <a:gs pos="100000">
+              <a:schemeClr val="phClr">
+                <a:lumMod val="99000"/>
+                <a:satMod val="120000"/>
+                <a:shade val="78000"/>
+              </a:schemeClr>
+            </a:gs>
+          </a:gsLst>
+          <a:lin ang="5400000" scaled="0"/>
+        </a:gradFill>
+      </a:fillStyleLst>
+      <a:lnStyleLst>
+        <a:ln w="6350" cap="flat" cmpd="sng" algn="ctr">
+          <a:solidFill>
+            <a:schemeClr val="phClr"/>
+          </a:solidFill>
+          <a:prstDash val="solid"/>
+          <a:miter lim="800000"/>
+        </a:ln>
+        <a:ln w="12700" cap="flat" cmpd="sng" algn="ctr">
+          <a:solidFill>
+            <a:schemeClr val="phClr"/>
+          </a:solidFill>
+          <a:prstDash val="solid"/>
+          <a:miter lim="800000"/>
+        </a:ln>
+        <a:ln w="19050" cap="flat" cmpd="sng" algn="ctr">
+          <a:solidFill>
+            <a:schemeClr val="phClr"/>
+          </a:solidFill>
+          <a:prstDash val="solid"/>
+          <a:miter lim="800000"/>
+        </a:ln>
+      </a:lnStyleLst>
+      <a:effectStyleLst>
+        <a:effectStyle>
+          <a:effectLst/>
+        </a:effectStyle>
+        <a:effectStyle>
+          <a:effectLst/>
+        </a:effectStyle>
+        <a:effectStyle>
+          <a:effectLst>
+            <a:outerShdw blurRad="57150" dist="19050" dir="5400000" algn="ctr" rotWithShape="0">
+              <a:srgbClr val="000000">
+                <a:alpha val="63000"/>
+              </a:srgbClr>
+            </a:outerShdw>
+          </a:effectLst>
+        </a:effectStyle>
+      </a:effectStyleLst>
+      <a:bgFillStyleLst>
+        <a:solidFill>
+          <a:schemeClr val="phClr"/>
+        </a:solidFill>
+        <a:solidFill>
+          <a:schemeClr val="phClr">
+            <a:tint val="95000"/>
+            <a:satMod val="170000"/>
+          </a:schemeClr>
+        </a:solidFill>
+        <a:gradFill rotWithShape="1">
+          <a:gsLst>
+            <a:gs pos="0">
+              <a:schemeClr val="phClr">
+                <a:tint val="93000"/>
+                <a:satMod val="150000"/>
+                <a:shade val="98000"/>
+                <a:lumMod val="102000"/>
+              </a:schemeClr>
+            </a:gs>
+            <a:gs pos="50000">
+              <a:schemeClr val="phClr">
+                <a:tint val="98000"/>
+                <a:satMod val="130000"/>
+                <a:shade val="90000"/>
+                <a:lumMod val="103000"/>
+              </a:schemeClr>
+            </a:gs>
+            <a:gs pos="100000">
+              <a:schemeClr val="phClr">
+                <a:shade val="63000"/>
+                <a:satMod val="120000"/>
+              </a:schemeClr>
+            </a:gs>
+          </a:gsLst>
+          <a:lin ang="5400000" scaled="0"/>
+        </a:gradFill>
+      </a:bgFillStyleLst>
+    </a:fmtScheme>
+  </a:themeElements>
+  <a:objectDefaults/>
+  <a:extraClrSchemeLst/>
+  <a:extLst>
+    <a:ext uri="{05A4C25C-085E-4340-85A3-A5531E510DB2}">
+      <thm15:themeFamily xmlns:thm15="http://schemas.microsoft.com/office/thememl/2012/main" name="Office Theme" id="{62F939B6-93AF-4DB8-9C6B-D6C7DFDC589F}" vid="{4A3C46E8-61CC-4603-A589-7422A47A8E4A}"/>
+    </a:ext>
+  </a:extLst>
+</a:theme>
 </file>